--- a/Session5 -Python.pptx
+++ b/Session5 -Python.pptx
@@ -129,6 +129,11 @@
       </a:defRPr>
     </a:lvl9pPr>
   </p:defaultTextStyle>
+  <p:extLst>
+    <p:ext uri="{EFAFB233-063F-42B5-8137-9DF3F51BA10A}">
+      <p15:sldGuideLst xmlns:p15="http://schemas.microsoft.com/office/powerpoint/2012/main"/>
+    </p:ext>
+  </p:extLst>
 </p:presentation>
 </file>
 
@@ -4323,6 +4328,13 @@
   <p:clrMapOvr>
     <a:masterClrMapping/>
   </p:clrMapOvr>
+  <p:timing>
+    <p:tnLst>
+      <p:par>
+        <p:cTn id="1" dur="indefinite" restart="never" nodeType="tmRoot"/>
+      </p:par>
+    </p:tnLst>
+  </p:timing>
 </p:sld>
 </file>
 
@@ -4713,6 +4725,10 @@
             </a:r>
           </a:p>
           <a:p>
+            <a:r>
+              <a:rPr lang="en-US" dirty="0" smtClean="0"/>
+              <a:t>\n Newline</a:t>
+            </a:r>
             <a:endParaRPr lang="en-US" dirty="0"/>
           </a:p>
           <a:p>
@@ -5200,8 +5216,42 @@
           <a:p>
             <a:r>
               <a:rPr lang="en-US" dirty="0"/>
-              <a:t>a, b, c = 1, 2, "john"</a:t>
-            </a:r>
+              <a:t>a, b, c = 1, 2, "</a:t>
+            </a:r>
+            <a:r>
+              <a:rPr lang="en-US" dirty="0" smtClean="0"/>
+              <a:t>john“</a:t>
+            </a:r>
+          </a:p>
+          <a:p>
+            <a:endParaRPr lang="en-US" dirty="0"/>
+          </a:p>
+          <a:p>
+            <a:r>
+              <a:rPr lang="en-US" dirty="0"/>
+              <a:t>print ('\n</a:t>
+            </a:r>
+            <a:r>
+              <a:rPr lang="en-US" dirty="0" smtClean="0"/>
+              <a:t>', a,'\</a:t>
+            </a:r>
+            <a:r>
+              <a:rPr lang="en-US" dirty="0"/>
+              <a:t>n', </a:t>
+            </a:r>
+            <a:r>
+              <a:rPr lang="en-US" dirty="0" smtClean="0"/>
+              <a:t>b </a:t>
+            </a:r>
+            <a:r>
+              <a:rPr lang="en-US" dirty="0"/>
+              <a:t>,'\n', </a:t>
+            </a:r>
+            <a:r>
+              <a:rPr lang="en-US" dirty="0" smtClean="0"/>
+              <a:t>c)</a:t>
+            </a:r>
+            <a:endParaRPr lang="en-US" dirty="0"/>
           </a:p>
         </p:txBody>
       </p:sp>
@@ -6550,6 +6600,13 @@
   <p:clrMapOvr>
     <a:masterClrMapping/>
   </p:clrMapOvr>
+  <p:timing>
+    <p:tnLst>
+      <p:par>
+        <p:cTn id="1" dur="indefinite" restart="never" nodeType="tmRoot"/>
+      </p:par>
+    </p:tnLst>
+  </p:timing>
 </p:sld>
 </file>
 
@@ -8696,6 +8753,13 @@
   <p:clrMapOvr>
     <a:masterClrMapping/>
   </p:clrMapOvr>
+  <p:timing>
+    <p:tnLst>
+      <p:par>
+        <p:cTn id="1" dur="indefinite" restart="never" nodeType="tmRoot"/>
+      </p:par>
+    </p:tnLst>
+  </p:timing>
 </p:sld>
 </file>
 
@@ -8825,6 +8889,13 @@
   <p:clrMapOvr>
     <a:masterClrMapping/>
   </p:clrMapOvr>
+  <p:timing>
+    <p:tnLst>
+      <p:par>
+        <p:cTn id="1" dur="indefinite" restart="never" nodeType="tmRoot"/>
+      </p:par>
+    </p:tnLst>
+  </p:timing>
 </p:sld>
 </file>
 
@@ -9013,6 +9084,13 @@
   <p:clrMapOvr>
     <a:masterClrMapping/>
   </p:clrMapOvr>
+  <p:timing>
+    <p:tnLst>
+      <p:par>
+        <p:cTn id="1" dur="indefinite" restart="never" nodeType="tmRoot"/>
+      </p:par>
+    </p:tnLst>
+  </p:timing>
 </p:sld>
 </file>
 
@@ -9099,6 +9177,13 @@
   <p:clrMapOvr>
     <a:masterClrMapping/>
   </p:clrMapOvr>
+  <p:timing>
+    <p:tnLst>
+      <p:par>
+        <p:cTn id="1" dur="indefinite" restart="never" nodeType="tmRoot"/>
+      </p:par>
+    </p:tnLst>
+  </p:timing>
 </p:sld>
 </file>
 
@@ -9228,6 +9313,19 @@
               <a:buNone/>
               <a:tabLst/>
             </a:pPr>
+            <a:r>
+              <a:rPr kumimoji="0" lang="en-US" altLang="en-US" sz="1800" b="0" i="0" u="none" strike="noStrike" cap="none" normalizeH="0" baseline="0">
+                <a:ln>
+                  <a:noFill/>
+                </a:ln>
+                <a:solidFill>
+                  <a:schemeClr val="tx1"/>
+                </a:solidFill>
+                <a:effectLst/>
+                <a:latin typeface="Arial" panose="020B0604020202020204" pitchFamily="34" charset="0"/>
+              </a:rPr>
+              <a:t/>
+            </a:r>
             <a:br>
               <a:rPr kumimoji="0" lang="en-US" altLang="en-US" sz="1800" b="0" i="0" u="none" strike="noStrike" cap="none" normalizeH="0" baseline="0">
                 <a:ln>
@@ -10145,6 +10243,13 @@
   <p:clrMapOvr>
     <a:masterClrMapping/>
   </p:clrMapOvr>
+  <p:timing>
+    <p:tnLst>
+      <p:par>
+        <p:cTn id="1" dur="indefinite" restart="never" nodeType="tmRoot"/>
+      </p:par>
+    </p:tnLst>
+  </p:timing>
 </p:sld>
 </file>
 

--- a/Session5 -Python.pptx
+++ b/Session5 -Python.pptx
@@ -5,7 +5,7 @@
     <p:sldMasterId id="2147483672" r:id="rId1"/>
   </p:sldMasterIdLst>
   <p:notesMasterIdLst>
-    <p:notesMasterId r:id="rId25"/>
+    <p:notesMasterId r:id="rId41"/>
   </p:notesMasterIdLst>
   <p:sldIdLst>
     <p:sldId id="256" r:id="rId2"/>
@@ -28,9 +28,25 @@
     <p:sldId id="274" r:id="rId19"/>
     <p:sldId id="275" r:id="rId20"/>
     <p:sldId id="276" r:id="rId21"/>
-    <p:sldId id="277" r:id="rId22"/>
-    <p:sldId id="278" r:id="rId23"/>
-    <p:sldId id="279" r:id="rId24"/>
+    <p:sldId id="281" r:id="rId22"/>
+    <p:sldId id="280" r:id="rId23"/>
+    <p:sldId id="277" r:id="rId24"/>
+    <p:sldId id="278" r:id="rId25"/>
+    <p:sldId id="279" r:id="rId26"/>
+    <p:sldId id="282" r:id="rId27"/>
+    <p:sldId id="283" r:id="rId28"/>
+    <p:sldId id="284" r:id="rId29"/>
+    <p:sldId id="285" r:id="rId30"/>
+    <p:sldId id="286" r:id="rId31"/>
+    <p:sldId id="287" r:id="rId32"/>
+    <p:sldId id="288" r:id="rId33"/>
+    <p:sldId id="289" r:id="rId34"/>
+    <p:sldId id="290" r:id="rId35"/>
+    <p:sldId id="291" r:id="rId36"/>
+    <p:sldId id="292" r:id="rId37"/>
+    <p:sldId id="293" r:id="rId38"/>
+    <p:sldId id="294" r:id="rId39"/>
+    <p:sldId id="295" r:id="rId40"/>
   </p:sldIdLst>
   <p:sldSz cx="12192000" cy="6858000"/>
   <p:notesSz cx="6858000" cy="9144000"/>
@@ -565,6 +581,90 @@
     <p:extLst>
       <p:ext uri="{BB962C8B-B14F-4D97-AF65-F5344CB8AC3E}">
         <p14:creationId xmlns:p14="http://schemas.microsoft.com/office/powerpoint/2010/main" val="380007841"/>
+      </p:ext>
+    </p:extLst>
+  </p:cSld>
+  <p:clrMapOvr>
+    <a:masterClrMapping/>
+  </p:clrMapOvr>
+</p:notes>
+</file>
+
+<file path=ppt/notesSlides/notesSlide2.xml><?xml version="1.0" encoding="utf-8"?>
+<p:notes xmlns:a="http://schemas.openxmlformats.org/drawingml/2006/main" xmlns:r="http://schemas.openxmlformats.org/officeDocument/2006/relationships" xmlns:p="http://schemas.openxmlformats.org/presentationml/2006/main">
+  <p:cSld>
+    <p:spTree>
+      <p:nvGrpSpPr>
+        <p:cNvPr id="1" name=""/>
+        <p:cNvGrpSpPr/>
+        <p:nvPr/>
+      </p:nvGrpSpPr>
+      <p:grpSpPr>
+        <a:xfrm>
+          <a:off x="0" y="0"/>
+          <a:ext cx="0" cy="0"/>
+          <a:chOff x="0" y="0"/>
+          <a:chExt cx="0" cy="0"/>
+        </a:xfrm>
+      </p:grpSpPr>
+      <p:sp>
+        <p:nvSpPr>
+          <p:cNvPr id="2" name="Slide Image Placeholder 1"/>
+          <p:cNvSpPr>
+            <a:spLocks noGrp="1" noRot="1" noChangeAspect="1"/>
+          </p:cNvSpPr>
+          <p:nvPr>
+            <p:ph type="sldImg"/>
+          </p:nvPr>
+        </p:nvSpPr>
+        <p:spPr/>
+      </p:sp>
+      <p:sp>
+        <p:nvSpPr>
+          <p:cNvPr id="3" name="Notes Placeholder 2"/>
+          <p:cNvSpPr>
+            <a:spLocks noGrp="1"/>
+          </p:cNvSpPr>
+          <p:nvPr>
+            <p:ph type="body" idx="1"/>
+          </p:nvPr>
+        </p:nvSpPr>
+        <p:spPr/>
+        <p:txBody>
+          <a:bodyPr/>
+          <a:lstStyle/>
+          <a:p>
+            <a:endParaRPr lang="en-US" dirty="0"/>
+          </a:p>
+        </p:txBody>
+      </p:sp>
+      <p:sp>
+        <p:nvSpPr>
+          <p:cNvPr id="4" name="Slide Number Placeholder 3"/>
+          <p:cNvSpPr>
+            <a:spLocks noGrp="1"/>
+          </p:cNvSpPr>
+          <p:nvPr>
+            <p:ph type="sldNum" sz="quarter" idx="10"/>
+          </p:nvPr>
+        </p:nvSpPr>
+        <p:spPr/>
+        <p:txBody>
+          <a:bodyPr/>
+          <a:lstStyle/>
+          <a:p>
+            <a:fld id="{2ACF9738-989C-4FD5-9CA4-C17262062F39}" type="slidenum">
+              <a:rPr lang="en-US" smtClean="0"/>
+              <a:t>32</a:t>
+            </a:fld>
+            <a:endParaRPr lang="en-US"/>
+          </a:p>
+        </p:txBody>
+      </p:sp>
+    </p:spTree>
+    <p:extLst>
+      <p:ext uri="{BB962C8B-B14F-4D97-AF65-F5344CB8AC3E}">
+        <p14:creationId xmlns:p14="http://schemas.microsoft.com/office/powerpoint/2010/main" val="4131059240"/>
       </p:ext>
     </p:extLst>
   </p:cSld>
@@ -4328,13 +4428,6 @@
   <p:clrMapOvr>
     <a:masterClrMapping/>
   </p:clrMapOvr>
-  <p:timing>
-    <p:tnLst>
-      <p:par>
-        <p:cTn id="1" dur="indefinite" restart="never" nodeType="tmRoot"/>
-      </p:par>
-    </p:tnLst>
-  </p:timing>
 </p:sld>
 </file>
 
@@ -4726,10 +4819,9 @@
           </a:p>
           <a:p>
             <a:r>
-              <a:rPr lang="en-US" dirty="0" smtClean="0"/>
+              <a:rPr lang="en-US" dirty="0"/>
               <a:t>\n Newline</a:t>
             </a:r>
-            <a:endParaRPr lang="en-US" dirty="0"/>
           </a:p>
           <a:p>
             <a:r>
@@ -5216,11 +5308,7 @@
           <a:p>
             <a:r>
               <a:rPr lang="en-US" dirty="0"/>
-              <a:t>a, b, c = 1, 2, "</a:t>
-            </a:r>
-            <a:r>
-              <a:rPr lang="en-US" dirty="0" smtClean="0"/>
-              <a:t>john“</a:t>
+              <a:t>a, b, c = 1, 2, "john“</a:t>
             </a:r>
           </a:p>
           <a:p>
@@ -5229,29 +5317,8 @@
           <a:p>
             <a:r>
               <a:rPr lang="en-US" dirty="0"/>
-              <a:t>print ('\n</a:t>
-            </a:r>
-            <a:r>
-              <a:rPr lang="en-US" dirty="0" smtClean="0"/>
-              <a:t>', a,'\</a:t>
-            </a:r>
-            <a:r>
-              <a:rPr lang="en-US" dirty="0"/>
-              <a:t>n', </a:t>
-            </a:r>
-            <a:r>
-              <a:rPr lang="en-US" dirty="0" smtClean="0"/>
-              <a:t>b </a:t>
-            </a:r>
-            <a:r>
-              <a:rPr lang="en-US" dirty="0"/>
-              <a:t>,'\n', </a:t>
-            </a:r>
-            <a:r>
-              <a:rPr lang="en-US" dirty="0" smtClean="0"/>
-              <a:t>c)</a:t>
-            </a:r>
-            <a:endParaRPr lang="en-US" dirty="0"/>
+              <a:t>print ('\n', a,'\n', b ,'\n', c)</a:t>
+            </a:r>
           </a:p>
         </p:txBody>
       </p:sp>
@@ -6600,13 +6667,6 @@
   <p:clrMapOvr>
     <a:masterClrMapping/>
   </p:clrMapOvr>
-  <p:timing>
-    <p:tnLst>
-      <p:par>
-        <p:cTn id="1" dur="indefinite" restart="never" nodeType="tmRoot"/>
-      </p:par>
-    </p:tnLst>
-  </p:timing>
 </p:sld>
 </file>
 
@@ -6823,6 +6883,333 @@
           <p:cNvPr id="2" name="Title 1">
             <a:extLst>
               <a:ext uri="{FF2B5EF4-FFF2-40B4-BE49-F238E27FC236}">
+                <a16:creationId xmlns:a16="http://schemas.microsoft.com/office/drawing/2014/main" id="{2AA49CAD-FC28-44B3-8002-8A348CABCD38}"/>
+              </a:ext>
+            </a:extLst>
+          </p:cNvPr>
+          <p:cNvSpPr>
+            <a:spLocks noGrp="1"/>
+          </p:cNvSpPr>
+          <p:nvPr>
+            <p:ph type="title"/>
+          </p:nvPr>
+        </p:nvSpPr>
+        <p:spPr/>
+        <p:txBody>
+          <a:bodyPr/>
+          <a:lstStyle/>
+          <a:p>
+            <a:r>
+              <a:rPr lang="en-US" dirty="0"/>
+              <a:t>String Operations</a:t>
+            </a:r>
+          </a:p>
+        </p:txBody>
+      </p:sp>
+      <p:sp>
+        <p:nvSpPr>
+          <p:cNvPr id="3" name="Content Placeholder 2">
+            <a:extLst>
+              <a:ext uri="{FF2B5EF4-FFF2-40B4-BE49-F238E27FC236}">
+                <a16:creationId xmlns:a16="http://schemas.microsoft.com/office/drawing/2014/main" id="{119509EA-FC48-4F60-89C3-93B206105F62}"/>
+              </a:ext>
+            </a:extLst>
+          </p:cNvPr>
+          <p:cNvSpPr>
+            <a:spLocks noGrp="1"/>
+          </p:cNvSpPr>
+          <p:nvPr>
+            <p:ph idx="1"/>
+          </p:nvPr>
+        </p:nvSpPr>
+        <p:spPr/>
+        <p:txBody>
+          <a:bodyPr/>
+          <a:lstStyle/>
+          <a:p>
+            <a:r>
+              <a:rPr lang="en-US" dirty="0"/>
+              <a:t>•We can use some methods built-in to the string data type to perform some formatting operations on strings:</a:t>
+            </a:r>
+          </a:p>
+          <a:p>
+            <a:r>
+              <a:rPr lang="en-US" dirty="0"/>
+              <a:t>&gt;&gt;&gt; “</a:t>
+            </a:r>
+            <a:r>
+              <a:rPr lang="en-US" dirty="0" err="1"/>
+              <a:t>hello”.upper</a:t>
+            </a:r>
+            <a:r>
+              <a:rPr lang="en-US" dirty="0"/>
+              <a:t>()</a:t>
+            </a:r>
+          </a:p>
+          <a:p>
+            <a:r>
+              <a:rPr lang="en-US" dirty="0"/>
+              <a:t>‘HELLO’</a:t>
+            </a:r>
+          </a:p>
+          <a:p>
+            <a:endParaRPr lang="en-US" dirty="0"/>
+          </a:p>
+          <a:p>
+            <a:r>
+              <a:rPr lang="en-US" dirty="0"/>
+              <a:t>•There are many other handy string operations available.  Check the Python documentation for more.</a:t>
+            </a:r>
+          </a:p>
+        </p:txBody>
+      </p:sp>
+    </p:spTree>
+    <p:extLst>
+      <p:ext uri="{BB962C8B-B14F-4D97-AF65-F5344CB8AC3E}">
+        <p14:creationId xmlns:p14="http://schemas.microsoft.com/office/powerpoint/2010/main" val="1720320724"/>
+      </p:ext>
+    </p:extLst>
+  </p:cSld>
+  <p:clrMapOvr>
+    <a:masterClrMapping/>
+  </p:clrMapOvr>
+</p:sld>
+</file>
+
+<file path=ppt/slides/slide22.xml><?xml version="1.0" encoding="utf-8"?>
+<p:sld xmlns:a="http://schemas.openxmlformats.org/drawingml/2006/main" xmlns:r="http://schemas.openxmlformats.org/officeDocument/2006/relationships" xmlns:p="http://schemas.openxmlformats.org/presentationml/2006/main">
+  <p:cSld>
+    <p:spTree>
+      <p:nvGrpSpPr>
+        <p:cNvPr id="1" name=""/>
+        <p:cNvGrpSpPr/>
+        <p:nvPr/>
+      </p:nvGrpSpPr>
+      <p:grpSpPr>
+        <a:xfrm>
+          <a:off x="0" y="0"/>
+          <a:ext cx="0" cy="0"/>
+          <a:chOff x="0" y="0"/>
+          <a:chExt cx="0" cy="0"/>
+        </a:xfrm>
+      </p:grpSpPr>
+      <p:sp>
+        <p:nvSpPr>
+          <p:cNvPr id="2" name="Title 1">
+            <a:extLst>
+              <a:ext uri="{FF2B5EF4-FFF2-40B4-BE49-F238E27FC236}">
+                <a16:creationId xmlns:a16="http://schemas.microsoft.com/office/drawing/2014/main" id="{25972104-36E9-45AE-8D38-2F73EC15DAF7}"/>
+              </a:ext>
+            </a:extLst>
+          </p:cNvPr>
+          <p:cNvSpPr>
+            <a:spLocks noGrp="1"/>
+          </p:cNvSpPr>
+          <p:nvPr>
+            <p:ph type="title"/>
+          </p:nvPr>
+        </p:nvSpPr>
+        <p:spPr>
+          <a:xfrm>
+            <a:off x="1097280" y="286603"/>
+            <a:ext cx="10058400" cy="1173487"/>
+          </a:xfrm>
+        </p:spPr>
+        <p:txBody>
+          <a:bodyPr/>
+          <a:lstStyle/>
+          <a:p>
+            <a:r>
+              <a:rPr lang="en-US" dirty="0"/>
+              <a:t>Python Lists</a:t>
+            </a:r>
+          </a:p>
+        </p:txBody>
+      </p:sp>
+      <p:sp>
+        <p:nvSpPr>
+          <p:cNvPr id="3" name="Content Placeholder 2">
+            <a:extLst>
+              <a:ext uri="{FF2B5EF4-FFF2-40B4-BE49-F238E27FC236}">
+                <a16:creationId xmlns:a16="http://schemas.microsoft.com/office/drawing/2014/main" id="{038E653C-7C69-4D40-9724-0365226B4747}"/>
+              </a:ext>
+            </a:extLst>
+          </p:cNvPr>
+          <p:cNvSpPr>
+            <a:spLocks noGrp="1"/>
+          </p:cNvSpPr>
+          <p:nvPr>
+            <p:ph idx="1"/>
+          </p:nvPr>
+        </p:nvSpPr>
+        <p:spPr>
+          <a:xfrm>
+            <a:off x="1097280" y="1712999"/>
+            <a:ext cx="10058400" cy="4023360"/>
+          </a:xfrm>
+        </p:spPr>
+        <p:txBody>
+          <a:bodyPr/>
+          <a:lstStyle/>
+          <a:p>
+            <a:r>
+              <a:rPr lang="en-US" dirty="0"/>
+              <a:t>Lists are the most versatile of Python's compound data types. A list contains items separated by commas and enclosed within square brackets ([]). To some extent, lists are similar to arrays in C. One of the differences between them is that all the items belonging to a list can be of different data type.</a:t>
+            </a:r>
+          </a:p>
+          <a:p>
+            <a:r>
+              <a:rPr lang="en-US" dirty="0"/>
+              <a:t>The values stored in a list can be accessed using the slice operator ([ ] and [:]) with indexes starting at 0 in the beginning of the list and working their way to end -1. The plus (+) sign is the list concatenation operator, and the asterisk (*) is the repetition operator. For example −</a:t>
+            </a:r>
+          </a:p>
+          <a:p>
+            <a:endParaRPr lang="en-US" dirty="0"/>
+          </a:p>
+        </p:txBody>
+      </p:sp>
+      <p:sp>
+        <p:nvSpPr>
+          <p:cNvPr id="5" name="Rectangle 4">
+            <a:extLst>
+              <a:ext uri="{FF2B5EF4-FFF2-40B4-BE49-F238E27FC236}">
+                <a16:creationId xmlns:a16="http://schemas.microsoft.com/office/drawing/2014/main" id="{0156EADA-C849-40C3-A3D6-2A3BA442C99F}"/>
+              </a:ext>
+            </a:extLst>
+          </p:cNvPr>
+          <p:cNvSpPr/>
+          <p:nvPr/>
+        </p:nvSpPr>
+        <p:spPr>
+          <a:xfrm>
+            <a:off x="1097280" y="3847152"/>
+            <a:ext cx="6096000" cy="2585323"/>
+          </a:xfrm>
+          <a:prstGeom prst="rect">
+            <a:avLst/>
+          </a:prstGeom>
+        </p:spPr>
+        <p:txBody>
+          <a:bodyPr>
+            <a:spAutoFit/>
+          </a:bodyPr>
+          <a:lstStyle/>
+          <a:p>
+            <a:r>
+              <a:rPr lang="en-US" dirty="0"/>
+              <a:t>list = [ '</a:t>
+            </a:r>
+            <a:r>
+              <a:rPr lang="en-US" dirty="0" err="1"/>
+              <a:t>abcd</a:t>
+            </a:r>
+            <a:r>
+              <a:rPr lang="en-US" dirty="0"/>
+              <a:t>', 786 , 2.23, 'john', 70.2 ]</a:t>
+            </a:r>
+          </a:p>
+          <a:p>
+            <a:r>
+              <a:rPr lang="en-US" dirty="0" err="1"/>
+              <a:t>tinylist</a:t>
+            </a:r>
+            <a:r>
+              <a:rPr lang="en-US" dirty="0"/>
+              <a:t> = [123, 'john']</a:t>
+            </a:r>
+          </a:p>
+          <a:p>
+            <a:endParaRPr lang="en-US" dirty="0"/>
+          </a:p>
+          <a:p>
+            <a:r>
+              <a:rPr lang="en-US" dirty="0"/>
+              <a:t>print (list)          # Prints complete list</a:t>
+            </a:r>
+          </a:p>
+          <a:p>
+            <a:r>
+              <a:rPr lang="en-US" dirty="0"/>
+              <a:t>print (list[0])       # Prints first element of the list</a:t>
+            </a:r>
+          </a:p>
+          <a:p>
+            <a:r>
+              <a:rPr lang="en-US" dirty="0"/>
+              <a:t>print (list[1:3])     # Prints elements starting from 2nd till 3rd </a:t>
+            </a:r>
+          </a:p>
+          <a:p>
+            <a:r>
+              <a:rPr lang="en-US" dirty="0"/>
+              <a:t>print (list[2:])      # Prints elements starting from 3rd element</a:t>
+            </a:r>
+          </a:p>
+          <a:p>
+            <a:r>
+              <a:rPr lang="en-US" dirty="0"/>
+              <a:t>print (</a:t>
+            </a:r>
+            <a:r>
+              <a:rPr lang="en-US" dirty="0" err="1"/>
+              <a:t>tinylist</a:t>
+            </a:r>
+            <a:r>
+              <a:rPr lang="en-US" dirty="0"/>
+              <a:t> * 2)  # Prints list two times</a:t>
+            </a:r>
+          </a:p>
+          <a:p>
+            <a:r>
+              <a:rPr lang="en-US" dirty="0"/>
+              <a:t>print (list + </a:t>
+            </a:r>
+            <a:r>
+              <a:rPr lang="en-US" dirty="0" err="1"/>
+              <a:t>tinylist</a:t>
+            </a:r>
+            <a:r>
+              <a:rPr lang="en-US" dirty="0"/>
+              <a:t>) # Prints concatenated lists</a:t>
+            </a:r>
+          </a:p>
+        </p:txBody>
+      </p:sp>
+    </p:spTree>
+    <p:extLst>
+      <p:ext uri="{BB962C8B-B14F-4D97-AF65-F5344CB8AC3E}">
+        <p14:creationId xmlns:p14="http://schemas.microsoft.com/office/powerpoint/2010/main" val="4153637881"/>
+      </p:ext>
+    </p:extLst>
+  </p:cSld>
+  <p:clrMapOvr>
+    <a:masterClrMapping/>
+  </p:clrMapOvr>
+</p:sld>
+</file>
+
+<file path=ppt/slides/slide23.xml><?xml version="1.0" encoding="utf-8"?>
+<p:sld xmlns:a="http://schemas.openxmlformats.org/drawingml/2006/main" xmlns:r="http://schemas.openxmlformats.org/officeDocument/2006/relationships" xmlns:p="http://schemas.openxmlformats.org/presentationml/2006/main">
+  <p:cSld>
+    <p:spTree>
+      <p:nvGrpSpPr>
+        <p:cNvPr id="1" name=""/>
+        <p:cNvGrpSpPr/>
+        <p:nvPr/>
+      </p:nvGrpSpPr>
+      <p:grpSpPr>
+        <a:xfrm>
+          <a:off x="0" y="0"/>
+          <a:ext cx="0" cy="0"/>
+          <a:chOff x="0" y="0"/>
+          <a:chExt cx="0" cy="0"/>
+        </a:xfrm>
+      </p:grpSpPr>
+      <p:sp>
+        <p:nvSpPr>
+          <p:cNvPr id="2" name="Title 1">
+            <a:extLst>
+              <a:ext uri="{FF2B5EF4-FFF2-40B4-BE49-F238E27FC236}">
                 <a16:creationId xmlns:a16="http://schemas.microsoft.com/office/drawing/2014/main" id="{54EEB53C-8B59-4B24-BF2D-3D478CE34297}"/>
               </a:ext>
             </a:extLst>
@@ -6984,7 +7371,7 @@
 </p:sld>
 </file>
 
-<file path=ppt/slides/slide22.xml><?xml version="1.0" encoding="utf-8"?>
+<file path=ppt/slides/slide24.xml><?xml version="1.0" encoding="utf-8"?>
 <p:sld xmlns:a="http://schemas.openxmlformats.org/drawingml/2006/main" xmlns:r="http://schemas.openxmlformats.org/officeDocument/2006/relationships" xmlns:p="http://schemas.openxmlformats.org/presentationml/2006/main">
   <p:cSld>
     <p:spTree>
@@ -7201,7 +7588,7 @@
 </p:sld>
 </file>
 
-<file path=ppt/slides/slide23.xml><?xml version="1.0" encoding="utf-8"?>
+<file path=ppt/slides/slide25.xml><?xml version="1.0" encoding="utf-8"?>
 <p:sld xmlns:a="http://schemas.openxmlformats.org/drawingml/2006/main" xmlns:r="http://schemas.openxmlformats.org/officeDocument/2006/relationships" xmlns:p="http://schemas.openxmlformats.org/presentationml/2006/main">
   <p:cSld>
     <p:spTree>
@@ -8636,6 +9023,2337 @@
 </p:sld>
 </file>
 
+<file path=ppt/slides/slide26.xml><?xml version="1.0" encoding="utf-8"?>
+<p:sld xmlns:a="http://schemas.openxmlformats.org/drawingml/2006/main" xmlns:r="http://schemas.openxmlformats.org/officeDocument/2006/relationships" xmlns:p="http://schemas.openxmlformats.org/presentationml/2006/main">
+  <p:cSld>
+    <p:spTree>
+      <p:nvGrpSpPr>
+        <p:cNvPr id="1" name=""/>
+        <p:cNvGrpSpPr/>
+        <p:nvPr/>
+      </p:nvGrpSpPr>
+      <p:grpSpPr>
+        <a:xfrm>
+          <a:off x="0" y="0"/>
+          <a:ext cx="0" cy="0"/>
+          <a:chOff x="0" y="0"/>
+          <a:chExt cx="0" cy="0"/>
+        </a:xfrm>
+      </p:grpSpPr>
+      <p:sp>
+        <p:nvSpPr>
+          <p:cNvPr id="2" name="Title 1">
+            <a:extLst>
+              <a:ext uri="{FF2B5EF4-FFF2-40B4-BE49-F238E27FC236}">
+                <a16:creationId xmlns:a16="http://schemas.microsoft.com/office/drawing/2014/main" id="{59D6E34A-4775-4DEB-A022-A255920F2ECC}"/>
+              </a:ext>
+            </a:extLst>
+          </p:cNvPr>
+          <p:cNvSpPr>
+            <a:spLocks noGrp="1"/>
+          </p:cNvSpPr>
+          <p:nvPr>
+            <p:ph type="title"/>
+          </p:nvPr>
+        </p:nvSpPr>
+        <p:spPr/>
+        <p:txBody>
+          <a:bodyPr/>
+          <a:lstStyle/>
+          <a:p>
+            <a:r>
+              <a:rPr lang="en-US" dirty="0"/>
+              <a:t>Types of Operator</a:t>
+            </a:r>
+          </a:p>
+        </p:txBody>
+      </p:sp>
+      <p:sp>
+        <p:nvSpPr>
+          <p:cNvPr id="3" name="Content Placeholder 2">
+            <a:extLst>
+              <a:ext uri="{FF2B5EF4-FFF2-40B4-BE49-F238E27FC236}">
+                <a16:creationId xmlns:a16="http://schemas.microsoft.com/office/drawing/2014/main" id="{F1B56800-2C16-40C8-90C6-BC6B807E15FD}"/>
+              </a:ext>
+            </a:extLst>
+          </p:cNvPr>
+          <p:cNvSpPr>
+            <a:spLocks noGrp="1"/>
+          </p:cNvSpPr>
+          <p:nvPr>
+            <p:ph idx="1"/>
+          </p:nvPr>
+        </p:nvSpPr>
+        <p:spPr/>
+        <p:txBody>
+          <a:bodyPr/>
+          <a:lstStyle/>
+          <a:p>
+            <a:r>
+              <a:rPr lang="en-US" dirty="0"/>
+              <a:t>Python language supports the following types of operators −</a:t>
+            </a:r>
+          </a:p>
+          <a:p>
+            <a:pPr marL="457200" indent="-457200">
+              <a:buFont typeface="+mj-lt"/>
+              <a:buAutoNum type="arabicPeriod"/>
+            </a:pPr>
+            <a:r>
+              <a:rPr lang="en-US" dirty="0"/>
+              <a:t>Arithmetic Operators</a:t>
+            </a:r>
+          </a:p>
+          <a:p>
+            <a:pPr marL="457200" indent="-457200">
+              <a:buFont typeface="+mj-lt"/>
+              <a:buAutoNum type="arabicPeriod"/>
+            </a:pPr>
+            <a:r>
+              <a:rPr lang="en-US" dirty="0"/>
+              <a:t>Comparison (Relational) Operators</a:t>
+            </a:r>
+          </a:p>
+          <a:p>
+            <a:pPr marL="457200" indent="-457200">
+              <a:buFont typeface="+mj-lt"/>
+              <a:buAutoNum type="arabicPeriod"/>
+            </a:pPr>
+            <a:r>
+              <a:rPr lang="en-US" dirty="0"/>
+              <a:t>Assignment Operators</a:t>
+            </a:r>
+          </a:p>
+          <a:p>
+            <a:pPr marL="457200" indent="-457200">
+              <a:buFont typeface="+mj-lt"/>
+              <a:buAutoNum type="arabicPeriod"/>
+            </a:pPr>
+            <a:r>
+              <a:rPr lang="en-US" dirty="0"/>
+              <a:t>Logical Operators</a:t>
+            </a:r>
+          </a:p>
+          <a:p>
+            <a:pPr marL="457200" indent="-457200">
+              <a:buFont typeface="+mj-lt"/>
+              <a:buAutoNum type="arabicPeriod"/>
+            </a:pPr>
+            <a:r>
+              <a:rPr lang="en-US" dirty="0"/>
+              <a:t>Bitwise Operators</a:t>
+            </a:r>
+          </a:p>
+          <a:p>
+            <a:pPr marL="457200" indent="-457200">
+              <a:buFont typeface="+mj-lt"/>
+              <a:buAutoNum type="arabicPeriod"/>
+            </a:pPr>
+            <a:r>
+              <a:rPr lang="en-US" dirty="0"/>
+              <a:t>Membership Operators</a:t>
+            </a:r>
+          </a:p>
+          <a:p>
+            <a:pPr marL="457200" indent="-457200">
+              <a:buFont typeface="+mj-lt"/>
+              <a:buAutoNum type="arabicPeriod"/>
+            </a:pPr>
+            <a:r>
+              <a:rPr lang="en-US" dirty="0"/>
+              <a:t>Identity Operators</a:t>
+            </a:r>
+          </a:p>
+          <a:p>
+            <a:endParaRPr lang="en-US" dirty="0"/>
+          </a:p>
+        </p:txBody>
+      </p:sp>
+    </p:spTree>
+    <p:extLst>
+      <p:ext uri="{BB962C8B-B14F-4D97-AF65-F5344CB8AC3E}">
+        <p14:creationId xmlns:p14="http://schemas.microsoft.com/office/powerpoint/2010/main" val="1930448758"/>
+      </p:ext>
+    </p:extLst>
+  </p:cSld>
+  <p:clrMapOvr>
+    <a:masterClrMapping/>
+  </p:clrMapOvr>
+</p:sld>
+</file>
+
+<file path=ppt/slides/slide27.xml><?xml version="1.0" encoding="utf-8"?>
+<p:sld xmlns:a="http://schemas.openxmlformats.org/drawingml/2006/main" xmlns:r="http://schemas.openxmlformats.org/officeDocument/2006/relationships" xmlns:p="http://schemas.openxmlformats.org/presentationml/2006/main">
+  <p:cSld>
+    <p:spTree>
+      <p:nvGrpSpPr>
+        <p:cNvPr id="1" name=""/>
+        <p:cNvGrpSpPr/>
+        <p:nvPr/>
+      </p:nvGrpSpPr>
+      <p:grpSpPr>
+        <a:xfrm>
+          <a:off x="0" y="0"/>
+          <a:ext cx="0" cy="0"/>
+          <a:chOff x="0" y="0"/>
+          <a:chExt cx="0" cy="0"/>
+        </a:xfrm>
+      </p:grpSpPr>
+      <p:sp>
+        <p:nvSpPr>
+          <p:cNvPr id="2" name="Title 1">
+            <a:extLst>
+              <a:ext uri="{FF2B5EF4-FFF2-40B4-BE49-F238E27FC236}">
+                <a16:creationId xmlns:a16="http://schemas.microsoft.com/office/drawing/2014/main" id="{8423085A-FCCF-44B2-8211-A1EC4EBDAF50}"/>
+              </a:ext>
+            </a:extLst>
+          </p:cNvPr>
+          <p:cNvSpPr>
+            <a:spLocks noGrp="1"/>
+          </p:cNvSpPr>
+          <p:nvPr>
+            <p:ph type="title"/>
+          </p:nvPr>
+        </p:nvSpPr>
+        <p:spPr/>
+        <p:txBody>
+          <a:bodyPr/>
+          <a:lstStyle/>
+          <a:p>
+            <a:r>
+              <a:rPr lang="en-US" dirty="0"/>
+              <a:t>Python Arithmetic Operators</a:t>
+            </a:r>
+          </a:p>
+        </p:txBody>
+      </p:sp>
+      <p:graphicFrame>
+        <p:nvGraphicFramePr>
+          <p:cNvPr id="7" name="Content Placeholder 6">
+            <a:extLst>
+              <a:ext uri="{FF2B5EF4-FFF2-40B4-BE49-F238E27FC236}">
+                <a16:creationId xmlns:a16="http://schemas.microsoft.com/office/drawing/2014/main" id="{6C334D8A-6AF5-48F0-94DE-133509FA6EB8}"/>
+              </a:ext>
+            </a:extLst>
+          </p:cNvPr>
+          <p:cNvGraphicFramePr>
+            <a:graphicFrameLocks noGrp="1"/>
+          </p:cNvGraphicFramePr>
+          <p:nvPr>
+            <p:ph idx="1"/>
+            <p:extLst>
+              <p:ext uri="{D42A27DB-BD31-4B8C-83A1-F6EECF244321}">
+                <p14:modId xmlns:p14="http://schemas.microsoft.com/office/powerpoint/2010/main" val="3032798748"/>
+              </p:ext>
+            </p:extLst>
+          </p:nvPr>
+        </p:nvGraphicFramePr>
+        <p:xfrm>
+          <a:off x="2138516" y="1912620"/>
+          <a:ext cx="6927698" cy="4734340"/>
+        </p:xfrm>
+        <a:graphic>
+          <a:graphicData uri="http://schemas.openxmlformats.org/drawingml/2006/table">
+            <a:tbl>
+              <a:tblPr>
+                <a:tableStyleId>{5C22544A-7EE6-4342-B048-85BDC9FD1C3A}</a:tableStyleId>
+              </a:tblPr>
+              <a:tblGrid>
+                <a:gridCol w="1182048">
+                  <a:extLst>
+                    <a:ext uri="{9D8B030D-6E8A-4147-A177-3AD203B41FA5}">
+                      <a16:colId xmlns:a16="http://schemas.microsoft.com/office/drawing/2014/main" val="160773836"/>
+                    </a:ext>
+                  </a:extLst>
+                </a:gridCol>
+                <a:gridCol w="2872825">
+                  <a:extLst>
+                    <a:ext uri="{9D8B030D-6E8A-4147-A177-3AD203B41FA5}">
+                      <a16:colId xmlns:a16="http://schemas.microsoft.com/office/drawing/2014/main" val="2271915832"/>
+                    </a:ext>
+                  </a:extLst>
+                </a:gridCol>
+                <a:gridCol w="2872825">
+                  <a:extLst>
+                    <a:ext uri="{9D8B030D-6E8A-4147-A177-3AD203B41FA5}">
+                      <a16:colId xmlns:a16="http://schemas.microsoft.com/office/drawing/2014/main" val="154583734"/>
+                    </a:ext>
+                  </a:extLst>
+                </a:gridCol>
+              </a:tblGrid>
+              <a:tr h="263073">
+                <a:tc>
+                  <a:txBody>
+                    <a:bodyPr/>
+                    <a:lstStyle/>
+                    <a:p>
+                      <a:pPr algn="ctr" fontAlgn="b"/>
+                      <a:r>
+                        <a:rPr lang="en-US" sz="1400" u="none" strike="noStrike">
+                          <a:effectLst/>
+                        </a:rPr>
+                        <a:t>Operator</a:t>
+                      </a:r>
+                      <a:endParaRPr lang="en-US" sz="1400" b="1" i="0" u="none" strike="noStrike">
+                        <a:solidFill>
+                          <a:srgbClr val="313131"/>
+                        </a:solidFill>
+                        <a:effectLst/>
+                        <a:latin typeface="Calibri" panose="020F0502020204030204" pitchFamily="34" charset="0"/>
+                      </a:endParaRPr>
+                    </a:p>
+                  </a:txBody>
+                  <a:tcPr marL="9525" marR="9525" marT="9525" anchor="b"/>
+                </a:tc>
+                <a:tc>
+                  <a:txBody>
+                    <a:bodyPr/>
+                    <a:lstStyle/>
+                    <a:p>
+                      <a:pPr algn="ctr" fontAlgn="b"/>
+                      <a:r>
+                        <a:rPr lang="en-US" sz="1400" u="none" strike="noStrike">
+                          <a:effectLst/>
+                        </a:rPr>
+                        <a:t>Description</a:t>
+                      </a:r>
+                      <a:endParaRPr lang="en-US" sz="1400" b="1" i="0" u="none" strike="noStrike">
+                        <a:solidFill>
+                          <a:srgbClr val="313131"/>
+                        </a:solidFill>
+                        <a:effectLst/>
+                        <a:latin typeface="Calibri" panose="020F0502020204030204" pitchFamily="34" charset="0"/>
+                      </a:endParaRPr>
+                    </a:p>
+                  </a:txBody>
+                  <a:tcPr marL="9525" marR="9525" marT="9525" anchor="b"/>
+                </a:tc>
+                <a:tc>
+                  <a:txBody>
+                    <a:bodyPr/>
+                    <a:lstStyle/>
+                    <a:p>
+                      <a:pPr algn="ctr" fontAlgn="b"/>
+                      <a:r>
+                        <a:rPr lang="en-US" sz="1400" u="none" strike="noStrike">
+                          <a:effectLst/>
+                        </a:rPr>
+                        <a:t>Example</a:t>
+                      </a:r>
+                      <a:endParaRPr lang="en-US" sz="1400" b="1" i="0" u="none" strike="noStrike">
+                        <a:solidFill>
+                          <a:srgbClr val="313131"/>
+                        </a:solidFill>
+                        <a:effectLst/>
+                        <a:latin typeface="Calibri" panose="020F0502020204030204" pitchFamily="34" charset="0"/>
+                      </a:endParaRPr>
+                    </a:p>
+                  </a:txBody>
+                  <a:tcPr marL="9525" marR="9525" marT="9525" anchor="b"/>
+                </a:tc>
+                <a:extLst>
+                  <a:ext uri="{0D108BD9-81ED-4DB2-BD59-A6C34878D82A}">
+                    <a16:rowId xmlns:a16="http://schemas.microsoft.com/office/drawing/2014/main" val="3611691469"/>
+                  </a:ext>
+                </a:extLst>
+              </a:tr>
+              <a:tr h="449698">
+                <a:tc>
+                  <a:txBody>
+                    <a:bodyPr/>
+                    <a:lstStyle/>
+                    <a:p>
+                      <a:pPr algn="ctr" fontAlgn="b"/>
+                      <a:r>
+                        <a:rPr lang="en-US" sz="1400" u="none" strike="noStrike">
+                          <a:effectLst/>
+                        </a:rPr>
+                        <a:t>+ Addition</a:t>
+                      </a:r>
+                      <a:endParaRPr lang="en-US" sz="1400" b="0" i="0" u="none" strike="noStrike">
+                        <a:solidFill>
+                          <a:srgbClr val="313131"/>
+                        </a:solidFill>
+                        <a:effectLst/>
+                        <a:latin typeface="Calibri" panose="020F0502020204030204" pitchFamily="34" charset="0"/>
+                      </a:endParaRPr>
+                    </a:p>
+                  </a:txBody>
+                  <a:tcPr marL="9525" marR="9525" marT="9525" anchor="b"/>
+                </a:tc>
+                <a:tc>
+                  <a:txBody>
+                    <a:bodyPr/>
+                    <a:lstStyle/>
+                    <a:p>
+                      <a:pPr algn="ctr" fontAlgn="b"/>
+                      <a:r>
+                        <a:rPr lang="en-US" sz="1400" u="none" strike="noStrike" dirty="0">
+                          <a:effectLst/>
+                        </a:rPr>
+                        <a:t>Adds values on either side of the operator.</a:t>
+                      </a:r>
+                      <a:endParaRPr lang="en-US" sz="1400" b="0" i="0" u="none" strike="noStrike" dirty="0">
+                        <a:solidFill>
+                          <a:srgbClr val="313131"/>
+                        </a:solidFill>
+                        <a:effectLst/>
+                        <a:latin typeface="Calibri" panose="020F0502020204030204" pitchFamily="34" charset="0"/>
+                      </a:endParaRPr>
+                    </a:p>
+                  </a:txBody>
+                  <a:tcPr marL="9525" marR="9525" marT="9525" anchor="b"/>
+                </a:tc>
+                <a:tc>
+                  <a:txBody>
+                    <a:bodyPr/>
+                    <a:lstStyle/>
+                    <a:p>
+                      <a:pPr algn="ctr" fontAlgn="b"/>
+                      <a:r>
+                        <a:rPr lang="en-US" sz="1400" u="none" strike="noStrike">
+                          <a:effectLst/>
+                        </a:rPr>
+                        <a:t>a + b = 31</a:t>
+                      </a:r>
+                      <a:endParaRPr lang="en-US" sz="1400" b="0" i="0" u="none" strike="noStrike">
+                        <a:solidFill>
+                          <a:srgbClr val="313131"/>
+                        </a:solidFill>
+                        <a:effectLst/>
+                        <a:latin typeface="Calibri" panose="020F0502020204030204" pitchFamily="34" charset="0"/>
+                      </a:endParaRPr>
+                    </a:p>
+                  </a:txBody>
+                  <a:tcPr marL="9525" marR="9525" marT="9525" anchor="b"/>
+                </a:tc>
+                <a:extLst>
+                  <a:ext uri="{0D108BD9-81ED-4DB2-BD59-A6C34878D82A}">
+                    <a16:rowId xmlns:a16="http://schemas.microsoft.com/office/drawing/2014/main" val="2089724690"/>
+                  </a:ext>
+                </a:extLst>
+              </a:tr>
+              <a:tr h="460941">
+                <a:tc>
+                  <a:txBody>
+                    <a:bodyPr/>
+                    <a:lstStyle/>
+                    <a:p>
+                      <a:pPr algn="ctr" fontAlgn="b"/>
+                      <a:r>
+                        <a:rPr lang="en-US" sz="1400" u="none" strike="noStrike">
+                          <a:effectLst/>
+                        </a:rPr>
+                        <a:t>- Subtraction</a:t>
+                      </a:r>
+                      <a:endParaRPr lang="en-US" sz="1400" b="0" i="0" u="none" strike="noStrike">
+                        <a:solidFill>
+                          <a:srgbClr val="313131"/>
+                        </a:solidFill>
+                        <a:effectLst/>
+                        <a:latin typeface="Calibri" panose="020F0502020204030204" pitchFamily="34" charset="0"/>
+                      </a:endParaRPr>
+                    </a:p>
+                  </a:txBody>
+                  <a:tcPr marL="9525" marR="9525" marT="9525" anchor="b"/>
+                </a:tc>
+                <a:tc>
+                  <a:txBody>
+                    <a:bodyPr/>
+                    <a:lstStyle/>
+                    <a:p>
+                      <a:pPr algn="ctr" fontAlgn="b"/>
+                      <a:r>
+                        <a:rPr lang="en-US" sz="1400" u="none" strike="noStrike">
+                          <a:effectLst/>
+                        </a:rPr>
+                        <a:t>Subtracts right hand operand from left hand operand.</a:t>
+                      </a:r>
+                      <a:endParaRPr lang="en-US" sz="1400" b="0" i="0" u="none" strike="noStrike">
+                        <a:solidFill>
+                          <a:srgbClr val="313131"/>
+                        </a:solidFill>
+                        <a:effectLst/>
+                        <a:latin typeface="Calibri" panose="020F0502020204030204" pitchFamily="34" charset="0"/>
+                      </a:endParaRPr>
+                    </a:p>
+                  </a:txBody>
+                  <a:tcPr marL="9525" marR="9525" marT="9525" anchor="b"/>
+                </a:tc>
+                <a:tc>
+                  <a:txBody>
+                    <a:bodyPr/>
+                    <a:lstStyle/>
+                    <a:p>
+                      <a:pPr algn="ctr" fontAlgn="b"/>
+                      <a:r>
+                        <a:rPr lang="en-US" sz="1400" u="none" strike="noStrike">
+                          <a:effectLst/>
+                        </a:rPr>
+                        <a:t>a – b = -11</a:t>
+                      </a:r>
+                      <a:endParaRPr lang="en-US" sz="1400" b="0" i="0" u="none" strike="noStrike">
+                        <a:solidFill>
+                          <a:srgbClr val="313131"/>
+                        </a:solidFill>
+                        <a:effectLst/>
+                        <a:latin typeface="Calibri" panose="020F0502020204030204" pitchFamily="34" charset="0"/>
+                      </a:endParaRPr>
+                    </a:p>
+                  </a:txBody>
+                  <a:tcPr marL="9525" marR="9525" marT="9525" anchor="b"/>
+                </a:tc>
+                <a:extLst>
+                  <a:ext uri="{0D108BD9-81ED-4DB2-BD59-A6C34878D82A}">
+                    <a16:rowId xmlns:a16="http://schemas.microsoft.com/office/drawing/2014/main" val="1838920606"/>
+                  </a:ext>
+                </a:extLst>
+              </a:tr>
+              <a:tr h="460941">
+                <a:tc>
+                  <a:txBody>
+                    <a:bodyPr/>
+                    <a:lstStyle/>
+                    <a:p>
+                      <a:pPr algn="ctr" fontAlgn="b"/>
+                      <a:r>
+                        <a:rPr lang="en-US" sz="1400" u="none" strike="noStrike">
+                          <a:effectLst/>
+                        </a:rPr>
+                        <a:t>* Multiplication</a:t>
+                      </a:r>
+                      <a:endParaRPr lang="en-US" sz="1400" b="0" i="0" u="none" strike="noStrike">
+                        <a:solidFill>
+                          <a:srgbClr val="313131"/>
+                        </a:solidFill>
+                        <a:effectLst/>
+                        <a:latin typeface="Calibri" panose="020F0502020204030204" pitchFamily="34" charset="0"/>
+                      </a:endParaRPr>
+                    </a:p>
+                  </a:txBody>
+                  <a:tcPr marL="9525" marR="9525" marT="9525" anchor="b"/>
+                </a:tc>
+                <a:tc>
+                  <a:txBody>
+                    <a:bodyPr/>
+                    <a:lstStyle/>
+                    <a:p>
+                      <a:pPr algn="ctr" fontAlgn="b"/>
+                      <a:r>
+                        <a:rPr lang="en-US" sz="1400" u="none" strike="noStrike">
+                          <a:effectLst/>
+                        </a:rPr>
+                        <a:t>Multiplies values on either side of the operator</a:t>
+                      </a:r>
+                      <a:endParaRPr lang="en-US" sz="1400" b="0" i="0" u="none" strike="noStrike">
+                        <a:solidFill>
+                          <a:srgbClr val="313131"/>
+                        </a:solidFill>
+                        <a:effectLst/>
+                        <a:latin typeface="Calibri" panose="020F0502020204030204" pitchFamily="34" charset="0"/>
+                      </a:endParaRPr>
+                    </a:p>
+                  </a:txBody>
+                  <a:tcPr marL="9525" marR="9525" marT="9525" anchor="b"/>
+                </a:tc>
+                <a:tc>
+                  <a:txBody>
+                    <a:bodyPr/>
+                    <a:lstStyle/>
+                    <a:p>
+                      <a:pPr algn="ctr" fontAlgn="b"/>
+                      <a:r>
+                        <a:rPr lang="en-US" sz="1400" u="none" strike="noStrike">
+                          <a:effectLst/>
+                        </a:rPr>
+                        <a:t>a * b = 210</a:t>
+                      </a:r>
+                      <a:endParaRPr lang="en-US" sz="1400" b="0" i="0" u="none" strike="noStrike">
+                        <a:solidFill>
+                          <a:srgbClr val="313131"/>
+                        </a:solidFill>
+                        <a:effectLst/>
+                        <a:latin typeface="Calibri" panose="020F0502020204030204" pitchFamily="34" charset="0"/>
+                      </a:endParaRPr>
+                    </a:p>
+                  </a:txBody>
+                  <a:tcPr marL="9525" marR="9525" marT="9525" anchor="b"/>
+                </a:tc>
+                <a:extLst>
+                  <a:ext uri="{0D108BD9-81ED-4DB2-BD59-A6C34878D82A}">
+                    <a16:rowId xmlns:a16="http://schemas.microsoft.com/office/drawing/2014/main" val="1776513730"/>
+                  </a:ext>
+                </a:extLst>
+              </a:tr>
+              <a:tr h="460941">
+                <a:tc>
+                  <a:txBody>
+                    <a:bodyPr/>
+                    <a:lstStyle/>
+                    <a:p>
+                      <a:pPr algn="ctr" fontAlgn="b"/>
+                      <a:r>
+                        <a:rPr lang="en-US" sz="1400" u="none" strike="noStrike">
+                          <a:effectLst/>
+                        </a:rPr>
+                        <a:t>/ Division</a:t>
+                      </a:r>
+                      <a:endParaRPr lang="en-US" sz="1400" b="0" i="0" u="none" strike="noStrike">
+                        <a:solidFill>
+                          <a:srgbClr val="313131"/>
+                        </a:solidFill>
+                        <a:effectLst/>
+                        <a:latin typeface="Calibri" panose="020F0502020204030204" pitchFamily="34" charset="0"/>
+                      </a:endParaRPr>
+                    </a:p>
+                  </a:txBody>
+                  <a:tcPr marL="9525" marR="9525" marT="9525" anchor="b"/>
+                </a:tc>
+                <a:tc>
+                  <a:txBody>
+                    <a:bodyPr/>
+                    <a:lstStyle/>
+                    <a:p>
+                      <a:pPr algn="ctr" fontAlgn="b"/>
+                      <a:r>
+                        <a:rPr lang="en-US" sz="1400" u="none" strike="noStrike" dirty="0">
+                          <a:effectLst/>
+                        </a:rPr>
+                        <a:t>Divides left hand operand by right hand operand</a:t>
+                      </a:r>
+                      <a:endParaRPr lang="en-US" sz="1400" b="0" i="0" u="none" strike="noStrike" dirty="0">
+                        <a:solidFill>
+                          <a:srgbClr val="313131"/>
+                        </a:solidFill>
+                        <a:effectLst/>
+                        <a:latin typeface="Calibri" panose="020F0502020204030204" pitchFamily="34" charset="0"/>
+                      </a:endParaRPr>
+                    </a:p>
+                  </a:txBody>
+                  <a:tcPr marL="9525" marR="9525" marT="9525" anchor="b"/>
+                </a:tc>
+                <a:tc>
+                  <a:txBody>
+                    <a:bodyPr/>
+                    <a:lstStyle/>
+                    <a:p>
+                      <a:pPr algn="ctr" fontAlgn="b"/>
+                      <a:r>
+                        <a:rPr lang="en-US" sz="1400" u="none" strike="noStrike">
+                          <a:effectLst/>
+                        </a:rPr>
+                        <a:t>b / a = 2.1</a:t>
+                      </a:r>
+                      <a:endParaRPr lang="en-US" sz="1400" b="0" i="0" u="none" strike="noStrike">
+                        <a:solidFill>
+                          <a:srgbClr val="313131"/>
+                        </a:solidFill>
+                        <a:effectLst/>
+                        <a:latin typeface="Calibri" panose="020F0502020204030204" pitchFamily="34" charset="0"/>
+                      </a:endParaRPr>
+                    </a:p>
+                  </a:txBody>
+                  <a:tcPr marL="9525" marR="9525" marT="9525" anchor="b"/>
+                </a:tc>
+                <a:extLst>
+                  <a:ext uri="{0D108BD9-81ED-4DB2-BD59-A6C34878D82A}">
+                    <a16:rowId xmlns:a16="http://schemas.microsoft.com/office/drawing/2014/main" val="2649313390"/>
+                  </a:ext>
+                </a:extLst>
+              </a:tr>
+              <a:tr h="460941">
+                <a:tc>
+                  <a:txBody>
+                    <a:bodyPr/>
+                    <a:lstStyle/>
+                    <a:p>
+                      <a:pPr algn="ctr" fontAlgn="b"/>
+                      <a:r>
+                        <a:rPr lang="en-US" sz="1400" u="none" strike="noStrike">
+                          <a:effectLst/>
+                        </a:rPr>
+                        <a:t>% Modulus</a:t>
+                      </a:r>
+                      <a:endParaRPr lang="en-US" sz="1400" b="0" i="0" u="none" strike="noStrike">
+                        <a:solidFill>
+                          <a:srgbClr val="313131"/>
+                        </a:solidFill>
+                        <a:effectLst/>
+                        <a:latin typeface="Calibri" panose="020F0502020204030204" pitchFamily="34" charset="0"/>
+                      </a:endParaRPr>
+                    </a:p>
+                  </a:txBody>
+                  <a:tcPr marL="9525" marR="9525" marT="9525" anchor="b"/>
+                </a:tc>
+                <a:tc>
+                  <a:txBody>
+                    <a:bodyPr/>
+                    <a:lstStyle/>
+                    <a:p>
+                      <a:pPr algn="ctr" fontAlgn="b"/>
+                      <a:r>
+                        <a:rPr lang="en-US" sz="1400" u="none" strike="noStrike">
+                          <a:effectLst/>
+                        </a:rPr>
+                        <a:t>Divides left hand operand by right hand operand and returns remainder</a:t>
+                      </a:r>
+                      <a:endParaRPr lang="en-US" sz="1400" b="0" i="0" u="none" strike="noStrike">
+                        <a:solidFill>
+                          <a:srgbClr val="313131"/>
+                        </a:solidFill>
+                        <a:effectLst/>
+                        <a:latin typeface="Calibri" panose="020F0502020204030204" pitchFamily="34" charset="0"/>
+                      </a:endParaRPr>
+                    </a:p>
+                  </a:txBody>
+                  <a:tcPr marL="9525" marR="9525" marT="9525" anchor="b"/>
+                </a:tc>
+                <a:tc>
+                  <a:txBody>
+                    <a:bodyPr/>
+                    <a:lstStyle/>
+                    <a:p>
+                      <a:pPr algn="ctr" fontAlgn="b"/>
+                      <a:r>
+                        <a:rPr lang="en-US" sz="1400" u="none" strike="noStrike">
+                          <a:effectLst/>
+                        </a:rPr>
+                        <a:t>b % a = 1</a:t>
+                      </a:r>
+                      <a:endParaRPr lang="en-US" sz="1400" b="0" i="0" u="none" strike="noStrike">
+                        <a:solidFill>
+                          <a:srgbClr val="313131"/>
+                        </a:solidFill>
+                        <a:effectLst/>
+                        <a:latin typeface="Calibri" panose="020F0502020204030204" pitchFamily="34" charset="0"/>
+                      </a:endParaRPr>
+                    </a:p>
+                  </a:txBody>
+                  <a:tcPr marL="9525" marR="9525" marT="9525" anchor="b"/>
+                </a:tc>
+                <a:extLst>
+                  <a:ext uri="{0D108BD9-81ED-4DB2-BD59-A6C34878D82A}">
+                    <a16:rowId xmlns:a16="http://schemas.microsoft.com/office/drawing/2014/main" val="821168424"/>
+                  </a:ext>
+                </a:extLst>
+              </a:tr>
+              <a:tr h="460941">
+                <a:tc>
+                  <a:txBody>
+                    <a:bodyPr/>
+                    <a:lstStyle/>
+                    <a:p>
+                      <a:pPr algn="ctr" fontAlgn="b"/>
+                      <a:r>
+                        <a:rPr lang="en-US" sz="1400" u="none" strike="noStrike">
+                          <a:effectLst/>
+                        </a:rPr>
+                        <a:t>** Exponent</a:t>
+                      </a:r>
+                      <a:endParaRPr lang="en-US" sz="1400" b="0" i="0" u="none" strike="noStrike">
+                        <a:solidFill>
+                          <a:srgbClr val="313131"/>
+                        </a:solidFill>
+                        <a:effectLst/>
+                        <a:latin typeface="Calibri" panose="020F0502020204030204" pitchFamily="34" charset="0"/>
+                      </a:endParaRPr>
+                    </a:p>
+                  </a:txBody>
+                  <a:tcPr marL="9525" marR="9525" marT="9525" anchor="b"/>
+                </a:tc>
+                <a:tc>
+                  <a:txBody>
+                    <a:bodyPr/>
+                    <a:lstStyle/>
+                    <a:p>
+                      <a:pPr algn="ctr" fontAlgn="b"/>
+                      <a:r>
+                        <a:rPr lang="en-US" sz="1400" u="none" strike="noStrike">
+                          <a:effectLst/>
+                        </a:rPr>
+                        <a:t>Performs exponential (power) calculation on operators</a:t>
+                      </a:r>
+                      <a:endParaRPr lang="en-US" sz="1400" b="0" i="0" u="none" strike="noStrike">
+                        <a:solidFill>
+                          <a:srgbClr val="313131"/>
+                        </a:solidFill>
+                        <a:effectLst/>
+                        <a:latin typeface="Calibri" panose="020F0502020204030204" pitchFamily="34" charset="0"/>
+                      </a:endParaRPr>
+                    </a:p>
+                  </a:txBody>
+                  <a:tcPr marL="9525" marR="9525" marT="9525" anchor="b"/>
+                </a:tc>
+                <a:tc>
+                  <a:txBody>
+                    <a:bodyPr/>
+                    <a:lstStyle/>
+                    <a:p>
+                      <a:pPr algn="ctr" fontAlgn="b"/>
+                      <a:r>
+                        <a:rPr lang="en-US" sz="1400" u="none" strike="noStrike" dirty="0">
+                          <a:effectLst/>
+                        </a:rPr>
+                        <a:t>a**b =10 to the power 20</a:t>
+                      </a:r>
+                      <a:endParaRPr lang="en-US" sz="1400" b="0" i="0" u="none" strike="noStrike" dirty="0">
+                        <a:solidFill>
+                          <a:srgbClr val="313131"/>
+                        </a:solidFill>
+                        <a:effectLst/>
+                        <a:latin typeface="Calibri" panose="020F0502020204030204" pitchFamily="34" charset="0"/>
+                      </a:endParaRPr>
+                    </a:p>
+                  </a:txBody>
+                  <a:tcPr marL="9525" marR="9525" marT="9525" anchor="b"/>
+                </a:tc>
+                <a:extLst>
+                  <a:ext uri="{0D108BD9-81ED-4DB2-BD59-A6C34878D82A}">
+                    <a16:rowId xmlns:a16="http://schemas.microsoft.com/office/drawing/2014/main" val="1580315200"/>
+                  </a:ext>
+                </a:extLst>
+              </a:tr>
+              <a:tr h="1573945">
+                <a:tc>
+                  <a:txBody>
+                    <a:bodyPr/>
+                    <a:lstStyle/>
+                    <a:p>
+                      <a:pPr algn="ctr" fontAlgn="b"/>
+                      <a:r>
+                        <a:rPr lang="en-US" sz="1400" u="none" strike="noStrike">
+                          <a:effectLst/>
+                        </a:rPr>
+                        <a:t>//</a:t>
+                      </a:r>
+                      <a:endParaRPr lang="en-US" sz="1400" b="0" i="0" u="none" strike="noStrike">
+                        <a:solidFill>
+                          <a:srgbClr val="313131"/>
+                        </a:solidFill>
+                        <a:effectLst/>
+                        <a:latin typeface="Calibri" panose="020F0502020204030204" pitchFamily="34" charset="0"/>
+                      </a:endParaRPr>
+                    </a:p>
+                  </a:txBody>
+                  <a:tcPr marL="9525" marR="9525" marT="9525" anchor="b"/>
+                </a:tc>
+                <a:tc>
+                  <a:txBody>
+                    <a:bodyPr/>
+                    <a:lstStyle/>
+                    <a:p>
+                      <a:pPr algn="ctr" fontAlgn="b"/>
+                      <a:r>
+                        <a:rPr lang="en-US" sz="1400" u="none" strike="noStrike">
+                          <a:effectLst/>
+                        </a:rPr>
+                        <a:t>Floor Division - The division of operands where the result is the quotient in which the digits after the decimal point are removed. But if one of the operands is negative, the result is floored, i.e., rounded away from zero (towards negative infinity):</a:t>
+                      </a:r>
+                      <a:endParaRPr lang="en-US" sz="1400" b="0" i="0" u="none" strike="noStrike">
+                        <a:solidFill>
+                          <a:srgbClr val="313131"/>
+                        </a:solidFill>
+                        <a:effectLst/>
+                        <a:latin typeface="Calibri" panose="020F0502020204030204" pitchFamily="34" charset="0"/>
+                      </a:endParaRPr>
+                    </a:p>
+                  </a:txBody>
+                  <a:tcPr marL="9525" marR="9525" marT="9525" anchor="b"/>
+                </a:tc>
+                <a:tc>
+                  <a:txBody>
+                    <a:bodyPr/>
+                    <a:lstStyle/>
+                    <a:p>
+                      <a:pPr algn="ctr" fontAlgn="b"/>
+                      <a:r>
+                        <a:rPr lang="en-US" sz="1400" u="none" strike="noStrike" dirty="0">
+                          <a:effectLst/>
+                        </a:rPr>
+                        <a:t>9//2 = 4 and 9.0//2.0 = 4.0, -11//3 = -4, -11.0//3 = -4.0</a:t>
+                      </a:r>
+                      <a:endParaRPr lang="en-US" sz="1400" b="0" i="0" u="none" strike="noStrike" dirty="0">
+                        <a:solidFill>
+                          <a:srgbClr val="313131"/>
+                        </a:solidFill>
+                        <a:effectLst/>
+                        <a:latin typeface="Calibri" panose="020F0502020204030204" pitchFamily="34" charset="0"/>
+                      </a:endParaRPr>
+                    </a:p>
+                  </a:txBody>
+                  <a:tcPr marL="9525" marR="9525" marT="9525" anchor="b"/>
+                </a:tc>
+                <a:extLst>
+                  <a:ext uri="{0D108BD9-81ED-4DB2-BD59-A6C34878D82A}">
+                    <a16:rowId xmlns:a16="http://schemas.microsoft.com/office/drawing/2014/main" val="1533080503"/>
+                  </a:ext>
+                </a:extLst>
+              </a:tr>
+            </a:tbl>
+          </a:graphicData>
+        </a:graphic>
+      </p:graphicFrame>
+    </p:spTree>
+    <p:extLst>
+      <p:ext uri="{BB962C8B-B14F-4D97-AF65-F5344CB8AC3E}">
+        <p14:creationId xmlns:p14="http://schemas.microsoft.com/office/powerpoint/2010/main" val="2548964153"/>
+      </p:ext>
+    </p:extLst>
+  </p:cSld>
+  <p:clrMapOvr>
+    <a:masterClrMapping/>
+  </p:clrMapOvr>
+</p:sld>
+</file>
+
+<file path=ppt/slides/slide28.xml><?xml version="1.0" encoding="utf-8"?>
+<p:sld xmlns:a="http://schemas.openxmlformats.org/drawingml/2006/main" xmlns:r="http://schemas.openxmlformats.org/officeDocument/2006/relationships" xmlns:p="http://schemas.openxmlformats.org/presentationml/2006/main">
+  <p:cSld>
+    <p:spTree>
+      <p:nvGrpSpPr>
+        <p:cNvPr id="1" name=""/>
+        <p:cNvGrpSpPr/>
+        <p:nvPr/>
+      </p:nvGrpSpPr>
+      <p:grpSpPr>
+        <a:xfrm>
+          <a:off x="0" y="0"/>
+          <a:ext cx="0" cy="0"/>
+          <a:chOff x="0" y="0"/>
+          <a:chExt cx="0" cy="0"/>
+        </a:xfrm>
+      </p:grpSpPr>
+      <p:sp>
+        <p:nvSpPr>
+          <p:cNvPr id="2" name="Title 1">
+            <a:extLst>
+              <a:ext uri="{FF2B5EF4-FFF2-40B4-BE49-F238E27FC236}">
+                <a16:creationId xmlns:a16="http://schemas.microsoft.com/office/drawing/2014/main" id="{98228293-61FF-412F-98B4-594C13F32C3C}"/>
+              </a:ext>
+            </a:extLst>
+          </p:cNvPr>
+          <p:cNvSpPr>
+            <a:spLocks noGrp="1"/>
+          </p:cNvSpPr>
+          <p:nvPr>
+            <p:ph type="title"/>
+          </p:nvPr>
+        </p:nvSpPr>
+        <p:spPr/>
+        <p:txBody>
+          <a:bodyPr/>
+          <a:lstStyle/>
+          <a:p>
+            <a:r>
+              <a:rPr lang="en-US" dirty="0"/>
+              <a:t>Python Comparison Operators</a:t>
+            </a:r>
+          </a:p>
+        </p:txBody>
+      </p:sp>
+      <p:graphicFrame>
+        <p:nvGraphicFramePr>
+          <p:cNvPr id="4" name="Content Placeholder 3">
+            <a:extLst>
+              <a:ext uri="{FF2B5EF4-FFF2-40B4-BE49-F238E27FC236}">
+                <a16:creationId xmlns:a16="http://schemas.microsoft.com/office/drawing/2014/main" id="{E6013A47-760C-4445-A571-9119DFDCBD00}"/>
+              </a:ext>
+            </a:extLst>
+          </p:cNvPr>
+          <p:cNvGraphicFramePr>
+            <a:graphicFrameLocks noGrp="1"/>
+          </p:cNvGraphicFramePr>
+          <p:nvPr>
+            <p:ph idx="1"/>
+            <p:extLst>
+              <p:ext uri="{D42A27DB-BD31-4B8C-83A1-F6EECF244321}">
+                <p14:modId xmlns:p14="http://schemas.microsoft.com/office/powerpoint/2010/main" val="3040288961"/>
+              </p:ext>
+            </p:extLst>
+          </p:nvPr>
+        </p:nvGraphicFramePr>
+        <p:xfrm>
+          <a:off x="2580969" y="1846262"/>
+          <a:ext cx="6012210" cy="4082590"/>
+        </p:xfrm>
+        <a:graphic>
+          <a:graphicData uri="http://schemas.openxmlformats.org/drawingml/2006/table">
+            <a:tbl>
+              <a:tblPr>
+                <a:tableStyleId>{5C22544A-7EE6-4342-B048-85BDC9FD1C3A}</a:tableStyleId>
+              </a:tblPr>
+              <a:tblGrid>
+                <a:gridCol w="1036588">
+                  <a:extLst>
+                    <a:ext uri="{9D8B030D-6E8A-4147-A177-3AD203B41FA5}">
+                      <a16:colId xmlns:a16="http://schemas.microsoft.com/office/drawing/2014/main" val="1726273092"/>
+                    </a:ext>
+                  </a:extLst>
+                </a:gridCol>
+                <a:gridCol w="2487811">
+                  <a:extLst>
+                    <a:ext uri="{9D8B030D-6E8A-4147-A177-3AD203B41FA5}">
+                      <a16:colId xmlns:a16="http://schemas.microsoft.com/office/drawing/2014/main" val="3047914485"/>
+                    </a:ext>
+                  </a:extLst>
+                </a:gridCol>
+                <a:gridCol w="2487811">
+                  <a:extLst>
+                    <a:ext uri="{9D8B030D-6E8A-4147-A177-3AD203B41FA5}">
+                      <a16:colId xmlns:a16="http://schemas.microsoft.com/office/drawing/2014/main" val="1990089863"/>
+                    </a:ext>
+                  </a:extLst>
+                </a:gridCol>
+              </a:tblGrid>
+              <a:tr h="261813">
+                <a:tc>
+                  <a:txBody>
+                    <a:bodyPr/>
+                    <a:lstStyle/>
+                    <a:p>
+                      <a:pPr algn="ctr" fontAlgn="b"/>
+                      <a:r>
+                        <a:rPr lang="en-US" sz="1200" u="none" strike="noStrike" dirty="0">
+                          <a:effectLst/>
+                        </a:rPr>
+                        <a:t>Operator</a:t>
+                      </a:r>
+                      <a:endParaRPr lang="en-US" sz="1200" b="1" i="0" u="none" strike="noStrike" dirty="0">
+                        <a:solidFill>
+                          <a:srgbClr val="313131"/>
+                        </a:solidFill>
+                        <a:effectLst/>
+                        <a:latin typeface="Calibri" panose="020F0502020204030204" pitchFamily="34" charset="0"/>
+                      </a:endParaRPr>
+                    </a:p>
+                  </a:txBody>
+                  <a:tcPr marL="7975" marR="7975" marT="7975" marB="38281" anchor="b"/>
+                </a:tc>
+                <a:tc>
+                  <a:txBody>
+                    <a:bodyPr/>
+                    <a:lstStyle/>
+                    <a:p>
+                      <a:pPr algn="ctr" fontAlgn="b"/>
+                      <a:r>
+                        <a:rPr lang="en-US" sz="1200" u="none" strike="noStrike" dirty="0">
+                          <a:effectLst/>
+                        </a:rPr>
+                        <a:t>Description</a:t>
+                      </a:r>
+                      <a:endParaRPr lang="en-US" sz="1200" b="1" i="0" u="none" strike="noStrike" dirty="0">
+                        <a:solidFill>
+                          <a:srgbClr val="313131"/>
+                        </a:solidFill>
+                        <a:effectLst/>
+                        <a:latin typeface="Calibri" panose="020F0502020204030204" pitchFamily="34" charset="0"/>
+                      </a:endParaRPr>
+                    </a:p>
+                  </a:txBody>
+                  <a:tcPr marL="7975" marR="7975" marT="7975" marB="38281" anchor="b"/>
+                </a:tc>
+                <a:tc>
+                  <a:txBody>
+                    <a:bodyPr/>
+                    <a:lstStyle/>
+                    <a:p>
+                      <a:pPr algn="ctr" fontAlgn="b"/>
+                      <a:r>
+                        <a:rPr lang="en-US" sz="1200" u="none" strike="noStrike" dirty="0">
+                          <a:effectLst/>
+                        </a:rPr>
+                        <a:t>Example</a:t>
+                      </a:r>
+                      <a:endParaRPr lang="en-US" sz="1200" b="1" i="0" u="none" strike="noStrike" dirty="0">
+                        <a:solidFill>
+                          <a:srgbClr val="313131"/>
+                        </a:solidFill>
+                        <a:effectLst/>
+                        <a:latin typeface="Calibri" panose="020F0502020204030204" pitchFamily="34" charset="0"/>
+                      </a:endParaRPr>
+                    </a:p>
+                  </a:txBody>
+                  <a:tcPr marL="7975" marR="7975" marT="7975" marB="38281" anchor="b"/>
+                </a:tc>
+                <a:extLst>
+                  <a:ext uri="{0D108BD9-81ED-4DB2-BD59-A6C34878D82A}">
+                    <a16:rowId xmlns:a16="http://schemas.microsoft.com/office/drawing/2014/main" val="2894722862"/>
+                  </a:ext>
+                </a:extLst>
+              </a:tr>
+              <a:tr h="631067">
+                <a:tc>
+                  <a:txBody>
+                    <a:bodyPr/>
+                    <a:lstStyle/>
+                    <a:p>
+                      <a:pPr algn="ctr" fontAlgn="b"/>
+                      <a:r>
+                        <a:rPr lang="en-US" sz="1200" u="none" strike="noStrike">
+                          <a:effectLst/>
+                        </a:rPr>
+                        <a:t>==</a:t>
+                      </a:r>
+                      <a:endParaRPr lang="en-US" sz="1200" b="0" i="0" u="none" strike="noStrike">
+                        <a:solidFill>
+                          <a:srgbClr val="313131"/>
+                        </a:solidFill>
+                        <a:effectLst/>
+                        <a:latin typeface="Calibri" panose="020F0502020204030204" pitchFamily="34" charset="0"/>
+                      </a:endParaRPr>
+                    </a:p>
+                  </a:txBody>
+                  <a:tcPr marL="7975" marR="7975" marT="7975" marB="38281" anchor="b"/>
+                </a:tc>
+                <a:tc>
+                  <a:txBody>
+                    <a:bodyPr/>
+                    <a:lstStyle/>
+                    <a:p>
+                      <a:pPr algn="ctr" fontAlgn="b"/>
+                      <a:r>
+                        <a:rPr lang="en-US" sz="1200" u="none" strike="noStrike" dirty="0">
+                          <a:effectLst/>
+                        </a:rPr>
+                        <a:t>If the values of two operands are equal, then the condition becomes true.</a:t>
+                      </a:r>
+                      <a:endParaRPr lang="en-US" sz="1200" b="0" i="0" u="none" strike="noStrike" dirty="0">
+                        <a:solidFill>
+                          <a:srgbClr val="313131"/>
+                        </a:solidFill>
+                        <a:effectLst/>
+                        <a:latin typeface="Calibri" panose="020F0502020204030204" pitchFamily="34" charset="0"/>
+                      </a:endParaRPr>
+                    </a:p>
+                  </a:txBody>
+                  <a:tcPr marL="7975" marR="7975" marT="7975" marB="38281" anchor="b"/>
+                </a:tc>
+                <a:tc>
+                  <a:txBody>
+                    <a:bodyPr/>
+                    <a:lstStyle/>
+                    <a:p>
+                      <a:pPr algn="ctr" fontAlgn="b"/>
+                      <a:r>
+                        <a:rPr lang="en-US" sz="1200" u="none" strike="noStrike">
+                          <a:effectLst/>
+                        </a:rPr>
+                        <a:t>(a == b) is not true.</a:t>
+                      </a:r>
+                      <a:endParaRPr lang="en-US" sz="1200" b="0" i="0" u="none" strike="noStrike">
+                        <a:solidFill>
+                          <a:srgbClr val="313131"/>
+                        </a:solidFill>
+                        <a:effectLst/>
+                        <a:latin typeface="Calibri" panose="020F0502020204030204" pitchFamily="34" charset="0"/>
+                      </a:endParaRPr>
+                    </a:p>
+                  </a:txBody>
+                  <a:tcPr marL="7975" marR="7975" marT="7975" marB="38281" anchor="b"/>
+                </a:tc>
+                <a:extLst>
+                  <a:ext uri="{0D108BD9-81ED-4DB2-BD59-A6C34878D82A}">
+                    <a16:rowId xmlns:a16="http://schemas.microsoft.com/office/drawing/2014/main" val="190444923"/>
+                  </a:ext>
+                </a:extLst>
+              </a:tr>
+              <a:tr h="470774">
+                <a:tc>
+                  <a:txBody>
+                    <a:bodyPr/>
+                    <a:lstStyle/>
+                    <a:p>
+                      <a:pPr algn="ctr" fontAlgn="b"/>
+                      <a:r>
+                        <a:rPr lang="en-US" sz="1200" u="none" strike="noStrike">
+                          <a:effectLst/>
+                        </a:rPr>
+                        <a:t>!=</a:t>
+                      </a:r>
+                      <a:endParaRPr lang="en-US" sz="1200" b="0" i="0" u="none" strike="noStrike">
+                        <a:solidFill>
+                          <a:srgbClr val="313131"/>
+                        </a:solidFill>
+                        <a:effectLst/>
+                        <a:latin typeface="Calibri" panose="020F0502020204030204" pitchFamily="34" charset="0"/>
+                      </a:endParaRPr>
+                    </a:p>
+                  </a:txBody>
+                  <a:tcPr marL="7975" marR="7975" marT="7975" marB="38281" anchor="b"/>
+                </a:tc>
+                <a:tc>
+                  <a:txBody>
+                    <a:bodyPr/>
+                    <a:lstStyle/>
+                    <a:p>
+                      <a:pPr algn="ctr" fontAlgn="b"/>
+                      <a:r>
+                        <a:rPr lang="en-US" sz="1200" u="none" strike="noStrike" dirty="0">
+                          <a:effectLst/>
+                        </a:rPr>
+                        <a:t>If values of two operands are not equal, then condition becomes true.</a:t>
+                      </a:r>
+                      <a:endParaRPr lang="en-US" sz="1200" b="0" i="0" u="none" strike="noStrike" dirty="0">
+                        <a:solidFill>
+                          <a:srgbClr val="313131"/>
+                        </a:solidFill>
+                        <a:effectLst/>
+                        <a:latin typeface="Calibri" panose="020F0502020204030204" pitchFamily="34" charset="0"/>
+                      </a:endParaRPr>
+                    </a:p>
+                  </a:txBody>
+                  <a:tcPr marL="7975" marR="7975" marT="7975" marB="38281" anchor="b"/>
+                </a:tc>
+                <a:tc>
+                  <a:txBody>
+                    <a:bodyPr/>
+                    <a:lstStyle/>
+                    <a:p>
+                      <a:pPr algn="ctr" fontAlgn="b"/>
+                      <a:r>
+                        <a:rPr lang="en-US" sz="1200" u="none" strike="noStrike">
+                          <a:effectLst/>
+                        </a:rPr>
+                        <a:t>(a!= b) is true.</a:t>
+                      </a:r>
+                      <a:endParaRPr lang="en-US" sz="1200" b="0" i="0" u="none" strike="noStrike">
+                        <a:solidFill>
+                          <a:srgbClr val="313131"/>
+                        </a:solidFill>
+                        <a:effectLst/>
+                        <a:latin typeface="Calibri" panose="020F0502020204030204" pitchFamily="34" charset="0"/>
+                      </a:endParaRPr>
+                    </a:p>
+                  </a:txBody>
+                  <a:tcPr marL="7975" marR="7975" marT="7975" marB="38281" anchor="b"/>
+                </a:tc>
+                <a:extLst>
+                  <a:ext uri="{0D108BD9-81ED-4DB2-BD59-A6C34878D82A}">
+                    <a16:rowId xmlns:a16="http://schemas.microsoft.com/office/drawing/2014/main" val="2792079111"/>
+                  </a:ext>
+                </a:extLst>
+              </a:tr>
+              <a:tr h="679734">
+                <a:tc>
+                  <a:txBody>
+                    <a:bodyPr/>
+                    <a:lstStyle/>
+                    <a:p>
+                      <a:pPr algn="ctr" fontAlgn="b"/>
+                      <a:r>
+                        <a:rPr lang="en-US" sz="1200" u="none" strike="noStrike" dirty="0">
+                          <a:effectLst/>
+                        </a:rPr>
+                        <a:t>&gt;</a:t>
+                      </a:r>
+                      <a:endParaRPr lang="en-US" sz="1200" b="0" i="0" u="none" strike="noStrike" dirty="0">
+                        <a:solidFill>
+                          <a:srgbClr val="313131"/>
+                        </a:solidFill>
+                        <a:effectLst/>
+                        <a:latin typeface="Calibri" panose="020F0502020204030204" pitchFamily="34" charset="0"/>
+                      </a:endParaRPr>
+                    </a:p>
+                  </a:txBody>
+                  <a:tcPr marL="7975" marR="7975" marT="7975" marB="38281" anchor="b"/>
+                </a:tc>
+                <a:tc>
+                  <a:txBody>
+                    <a:bodyPr/>
+                    <a:lstStyle/>
+                    <a:p>
+                      <a:pPr algn="ctr" fontAlgn="b"/>
+                      <a:r>
+                        <a:rPr lang="en-US" sz="1200" u="none" strike="noStrike" dirty="0">
+                          <a:effectLst/>
+                        </a:rPr>
+                        <a:t>If the value of left operand is greater than the value of right operand, then condition becomes true.</a:t>
+                      </a:r>
+                      <a:endParaRPr lang="en-US" sz="1200" b="0" i="0" u="none" strike="noStrike" dirty="0">
+                        <a:solidFill>
+                          <a:srgbClr val="313131"/>
+                        </a:solidFill>
+                        <a:effectLst/>
+                        <a:latin typeface="Calibri" panose="020F0502020204030204" pitchFamily="34" charset="0"/>
+                      </a:endParaRPr>
+                    </a:p>
+                  </a:txBody>
+                  <a:tcPr marL="7975" marR="7975" marT="7975" marB="38281" anchor="b"/>
+                </a:tc>
+                <a:tc>
+                  <a:txBody>
+                    <a:bodyPr/>
+                    <a:lstStyle/>
+                    <a:p>
+                      <a:pPr algn="ctr" fontAlgn="b"/>
+                      <a:r>
+                        <a:rPr lang="en-US" sz="1200" u="none" strike="noStrike">
+                          <a:effectLst/>
+                        </a:rPr>
+                        <a:t>(a &gt; b) is not true.</a:t>
+                      </a:r>
+                      <a:endParaRPr lang="en-US" sz="1200" b="0" i="0" u="none" strike="noStrike">
+                        <a:solidFill>
+                          <a:srgbClr val="313131"/>
+                        </a:solidFill>
+                        <a:effectLst/>
+                        <a:latin typeface="Calibri" panose="020F0502020204030204" pitchFamily="34" charset="0"/>
+                      </a:endParaRPr>
+                    </a:p>
+                  </a:txBody>
+                  <a:tcPr marL="7975" marR="7975" marT="7975" marB="38281" anchor="b"/>
+                </a:tc>
+                <a:extLst>
+                  <a:ext uri="{0D108BD9-81ED-4DB2-BD59-A6C34878D82A}">
+                    <a16:rowId xmlns:a16="http://schemas.microsoft.com/office/drawing/2014/main" val="1965343076"/>
+                  </a:ext>
+                </a:extLst>
+              </a:tr>
+              <a:tr h="679734">
+                <a:tc>
+                  <a:txBody>
+                    <a:bodyPr/>
+                    <a:lstStyle/>
+                    <a:p>
+                      <a:pPr algn="ctr" fontAlgn="b"/>
+                      <a:r>
+                        <a:rPr lang="en-US" sz="1200" u="none" strike="noStrike">
+                          <a:effectLst/>
+                        </a:rPr>
+                        <a:t>&lt;</a:t>
+                      </a:r>
+                      <a:endParaRPr lang="en-US" sz="1200" b="0" i="0" u="none" strike="noStrike">
+                        <a:solidFill>
+                          <a:srgbClr val="313131"/>
+                        </a:solidFill>
+                        <a:effectLst/>
+                        <a:latin typeface="Calibri" panose="020F0502020204030204" pitchFamily="34" charset="0"/>
+                      </a:endParaRPr>
+                    </a:p>
+                  </a:txBody>
+                  <a:tcPr marL="7975" marR="7975" marT="7975" marB="38281" anchor="b"/>
+                </a:tc>
+                <a:tc>
+                  <a:txBody>
+                    <a:bodyPr/>
+                    <a:lstStyle/>
+                    <a:p>
+                      <a:pPr algn="ctr" fontAlgn="b"/>
+                      <a:r>
+                        <a:rPr lang="en-US" sz="1200" u="none" strike="noStrike">
+                          <a:effectLst/>
+                        </a:rPr>
+                        <a:t>If the value of left operand is less than the value of right operand, then condition becomes true.</a:t>
+                      </a:r>
+                      <a:endParaRPr lang="en-US" sz="1200" b="0" i="0" u="none" strike="noStrike">
+                        <a:solidFill>
+                          <a:srgbClr val="313131"/>
+                        </a:solidFill>
+                        <a:effectLst/>
+                        <a:latin typeface="Calibri" panose="020F0502020204030204" pitchFamily="34" charset="0"/>
+                      </a:endParaRPr>
+                    </a:p>
+                  </a:txBody>
+                  <a:tcPr marL="7975" marR="7975" marT="7975" marB="38281" anchor="b"/>
+                </a:tc>
+                <a:tc>
+                  <a:txBody>
+                    <a:bodyPr/>
+                    <a:lstStyle/>
+                    <a:p>
+                      <a:pPr algn="ctr" fontAlgn="b"/>
+                      <a:r>
+                        <a:rPr lang="en-US" sz="1200" u="none" strike="noStrike">
+                          <a:effectLst/>
+                        </a:rPr>
+                        <a:t>(a &lt; b) is true.</a:t>
+                      </a:r>
+                      <a:endParaRPr lang="en-US" sz="1200" b="0" i="0" u="none" strike="noStrike">
+                        <a:solidFill>
+                          <a:srgbClr val="313131"/>
+                        </a:solidFill>
+                        <a:effectLst/>
+                        <a:latin typeface="Calibri" panose="020F0502020204030204" pitchFamily="34" charset="0"/>
+                      </a:endParaRPr>
+                    </a:p>
+                  </a:txBody>
+                  <a:tcPr marL="7975" marR="7975" marT="7975" marB="38281" anchor="b"/>
+                </a:tc>
+                <a:extLst>
+                  <a:ext uri="{0D108BD9-81ED-4DB2-BD59-A6C34878D82A}">
+                    <a16:rowId xmlns:a16="http://schemas.microsoft.com/office/drawing/2014/main" val="1662353630"/>
+                  </a:ext>
+                </a:extLst>
+              </a:tr>
+              <a:tr h="679734">
+                <a:tc>
+                  <a:txBody>
+                    <a:bodyPr/>
+                    <a:lstStyle/>
+                    <a:p>
+                      <a:pPr algn="ctr" fontAlgn="b"/>
+                      <a:r>
+                        <a:rPr lang="en-US" sz="1200" u="none" strike="noStrike" dirty="0">
+                          <a:effectLst/>
+                        </a:rPr>
+                        <a:t>&gt;=</a:t>
+                      </a:r>
+                      <a:endParaRPr lang="en-US" sz="1200" b="0" i="0" u="none" strike="noStrike" dirty="0">
+                        <a:solidFill>
+                          <a:srgbClr val="313131"/>
+                        </a:solidFill>
+                        <a:effectLst/>
+                        <a:latin typeface="Calibri" panose="020F0502020204030204" pitchFamily="34" charset="0"/>
+                      </a:endParaRPr>
+                    </a:p>
+                  </a:txBody>
+                  <a:tcPr marL="7975" marR="7975" marT="7975" marB="38281" anchor="b"/>
+                </a:tc>
+                <a:tc>
+                  <a:txBody>
+                    <a:bodyPr/>
+                    <a:lstStyle/>
+                    <a:p>
+                      <a:pPr algn="ctr" fontAlgn="b"/>
+                      <a:r>
+                        <a:rPr lang="en-US" sz="1200" u="none" strike="noStrike">
+                          <a:effectLst/>
+                        </a:rPr>
+                        <a:t>If the value of left operand is greater than or equal to the value of right operand, then condition becomes true.</a:t>
+                      </a:r>
+                      <a:endParaRPr lang="en-US" sz="1200" b="0" i="0" u="none" strike="noStrike">
+                        <a:solidFill>
+                          <a:srgbClr val="313131"/>
+                        </a:solidFill>
+                        <a:effectLst/>
+                        <a:latin typeface="Calibri" panose="020F0502020204030204" pitchFamily="34" charset="0"/>
+                      </a:endParaRPr>
+                    </a:p>
+                  </a:txBody>
+                  <a:tcPr marL="7975" marR="7975" marT="7975" marB="38281" anchor="b"/>
+                </a:tc>
+                <a:tc>
+                  <a:txBody>
+                    <a:bodyPr/>
+                    <a:lstStyle/>
+                    <a:p>
+                      <a:pPr algn="ctr" fontAlgn="b"/>
+                      <a:r>
+                        <a:rPr lang="en-US" sz="1200" u="none" strike="noStrike">
+                          <a:effectLst/>
+                        </a:rPr>
+                        <a:t>(a &gt;= b) is not true.</a:t>
+                      </a:r>
+                      <a:endParaRPr lang="en-US" sz="1200" b="0" i="0" u="none" strike="noStrike">
+                        <a:solidFill>
+                          <a:srgbClr val="313131"/>
+                        </a:solidFill>
+                        <a:effectLst/>
+                        <a:latin typeface="Calibri" panose="020F0502020204030204" pitchFamily="34" charset="0"/>
+                      </a:endParaRPr>
+                    </a:p>
+                  </a:txBody>
+                  <a:tcPr marL="7975" marR="7975" marT="7975" marB="38281" anchor="b"/>
+                </a:tc>
+                <a:extLst>
+                  <a:ext uri="{0D108BD9-81ED-4DB2-BD59-A6C34878D82A}">
+                    <a16:rowId xmlns:a16="http://schemas.microsoft.com/office/drawing/2014/main" val="2966968413"/>
+                  </a:ext>
+                </a:extLst>
+              </a:tr>
+              <a:tr h="679734">
+                <a:tc>
+                  <a:txBody>
+                    <a:bodyPr/>
+                    <a:lstStyle/>
+                    <a:p>
+                      <a:pPr algn="ctr" fontAlgn="b"/>
+                      <a:r>
+                        <a:rPr lang="en-US" sz="1200" u="none" strike="noStrike">
+                          <a:effectLst/>
+                        </a:rPr>
+                        <a:t>&lt;=</a:t>
+                      </a:r>
+                      <a:endParaRPr lang="en-US" sz="1200" b="0" i="0" u="none" strike="noStrike">
+                        <a:solidFill>
+                          <a:srgbClr val="313131"/>
+                        </a:solidFill>
+                        <a:effectLst/>
+                        <a:latin typeface="Calibri" panose="020F0502020204030204" pitchFamily="34" charset="0"/>
+                      </a:endParaRPr>
+                    </a:p>
+                  </a:txBody>
+                  <a:tcPr marL="7975" marR="7975" marT="7975" marB="38281" anchor="b"/>
+                </a:tc>
+                <a:tc>
+                  <a:txBody>
+                    <a:bodyPr/>
+                    <a:lstStyle/>
+                    <a:p>
+                      <a:pPr algn="ctr" fontAlgn="b"/>
+                      <a:r>
+                        <a:rPr lang="en-US" sz="1200" u="none" strike="noStrike">
+                          <a:effectLst/>
+                        </a:rPr>
+                        <a:t>If the value of left operand is less than or equal to the value of right operand, then condition becomes true.</a:t>
+                      </a:r>
+                      <a:endParaRPr lang="en-US" sz="1200" b="0" i="0" u="none" strike="noStrike">
+                        <a:solidFill>
+                          <a:srgbClr val="313131"/>
+                        </a:solidFill>
+                        <a:effectLst/>
+                        <a:latin typeface="Calibri" panose="020F0502020204030204" pitchFamily="34" charset="0"/>
+                      </a:endParaRPr>
+                    </a:p>
+                  </a:txBody>
+                  <a:tcPr marL="7975" marR="7975" marT="7975" marB="38281" anchor="b"/>
+                </a:tc>
+                <a:tc>
+                  <a:txBody>
+                    <a:bodyPr/>
+                    <a:lstStyle/>
+                    <a:p>
+                      <a:pPr algn="ctr" fontAlgn="b"/>
+                      <a:r>
+                        <a:rPr lang="en-US" sz="1200" u="none" strike="noStrike" dirty="0">
+                          <a:effectLst/>
+                        </a:rPr>
+                        <a:t>(a &lt;= b) is true.</a:t>
+                      </a:r>
+                      <a:endParaRPr lang="en-US" sz="1200" b="0" i="0" u="none" strike="noStrike" dirty="0">
+                        <a:solidFill>
+                          <a:srgbClr val="313131"/>
+                        </a:solidFill>
+                        <a:effectLst/>
+                        <a:latin typeface="Calibri" panose="020F0502020204030204" pitchFamily="34" charset="0"/>
+                      </a:endParaRPr>
+                    </a:p>
+                  </a:txBody>
+                  <a:tcPr marL="7975" marR="7975" marT="7975" marB="38281" anchor="b"/>
+                </a:tc>
+                <a:extLst>
+                  <a:ext uri="{0D108BD9-81ED-4DB2-BD59-A6C34878D82A}">
+                    <a16:rowId xmlns:a16="http://schemas.microsoft.com/office/drawing/2014/main" val="3778414738"/>
+                  </a:ext>
+                </a:extLst>
+              </a:tr>
+            </a:tbl>
+          </a:graphicData>
+        </a:graphic>
+      </p:graphicFrame>
+    </p:spTree>
+    <p:extLst>
+      <p:ext uri="{BB962C8B-B14F-4D97-AF65-F5344CB8AC3E}">
+        <p14:creationId xmlns:p14="http://schemas.microsoft.com/office/powerpoint/2010/main" val="1682986801"/>
+      </p:ext>
+    </p:extLst>
+  </p:cSld>
+  <p:clrMapOvr>
+    <a:masterClrMapping/>
+  </p:clrMapOvr>
+</p:sld>
+</file>
+
+<file path=ppt/slides/slide29.xml><?xml version="1.0" encoding="utf-8"?>
+<p:sld xmlns:a="http://schemas.openxmlformats.org/drawingml/2006/main" xmlns:r="http://schemas.openxmlformats.org/officeDocument/2006/relationships" xmlns:p="http://schemas.openxmlformats.org/presentationml/2006/main">
+  <p:cSld>
+    <p:spTree>
+      <p:nvGrpSpPr>
+        <p:cNvPr id="1" name=""/>
+        <p:cNvGrpSpPr/>
+        <p:nvPr/>
+      </p:nvGrpSpPr>
+      <p:grpSpPr>
+        <a:xfrm>
+          <a:off x="0" y="0"/>
+          <a:ext cx="0" cy="0"/>
+          <a:chOff x="0" y="0"/>
+          <a:chExt cx="0" cy="0"/>
+        </a:xfrm>
+      </p:grpSpPr>
+      <p:sp>
+        <p:nvSpPr>
+          <p:cNvPr id="2" name="Title 1">
+            <a:extLst>
+              <a:ext uri="{FF2B5EF4-FFF2-40B4-BE49-F238E27FC236}">
+                <a16:creationId xmlns:a16="http://schemas.microsoft.com/office/drawing/2014/main" id="{1B7BBD58-76D6-4E44-9E05-32D4FEA04851}"/>
+              </a:ext>
+            </a:extLst>
+          </p:cNvPr>
+          <p:cNvSpPr>
+            <a:spLocks noGrp="1"/>
+          </p:cNvSpPr>
+          <p:nvPr>
+            <p:ph type="title"/>
+          </p:nvPr>
+        </p:nvSpPr>
+        <p:spPr/>
+        <p:txBody>
+          <a:bodyPr/>
+          <a:lstStyle/>
+          <a:p>
+            <a:r>
+              <a:rPr lang="en-US" dirty="0"/>
+              <a:t>Python Assignment Operators</a:t>
+            </a:r>
+          </a:p>
+        </p:txBody>
+      </p:sp>
+      <p:graphicFrame>
+        <p:nvGraphicFramePr>
+          <p:cNvPr id="4" name="Content Placeholder 3">
+            <a:extLst>
+              <a:ext uri="{FF2B5EF4-FFF2-40B4-BE49-F238E27FC236}">
+                <a16:creationId xmlns:a16="http://schemas.microsoft.com/office/drawing/2014/main" id="{A4AA234C-254B-4479-BEFE-CA28A79A617F}"/>
+              </a:ext>
+            </a:extLst>
+          </p:cNvPr>
+          <p:cNvGraphicFramePr>
+            <a:graphicFrameLocks noGrp="1"/>
+          </p:cNvGraphicFramePr>
+          <p:nvPr>
+            <p:ph idx="1"/>
+            <p:extLst>
+              <p:ext uri="{D42A27DB-BD31-4B8C-83A1-F6EECF244321}">
+                <p14:modId xmlns:p14="http://schemas.microsoft.com/office/powerpoint/2010/main" val="433826608"/>
+              </p:ext>
+            </p:extLst>
+          </p:nvPr>
+        </p:nvGraphicFramePr>
+        <p:xfrm>
+          <a:off x="3266520" y="1846262"/>
+          <a:ext cx="5719286" cy="4676634"/>
+        </p:xfrm>
+        <a:graphic>
+          <a:graphicData uri="http://schemas.openxmlformats.org/drawingml/2006/table">
+            <a:tbl>
+              <a:tblPr>
+                <a:tableStyleId>{5C22544A-7EE6-4342-B048-85BDC9FD1C3A}</a:tableStyleId>
+              </a:tblPr>
+              <a:tblGrid>
+                <a:gridCol w="1107830">
+                  <a:extLst>
+                    <a:ext uri="{9D8B030D-6E8A-4147-A177-3AD203B41FA5}">
+                      <a16:colId xmlns:a16="http://schemas.microsoft.com/office/drawing/2014/main" val="202458727"/>
+                    </a:ext>
+                  </a:extLst>
+                </a:gridCol>
+                <a:gridCol w="2305728">
+                  <a:extLst>
+                    <a:ext uri="{9D8B030D-6E8A-4147-A177-3AD203B41FA5}">
+                      <a16:colId xmlns:a16="http://schemas.microsoft.com/office/drawing/2014/main" val="2845686926"/>
+                    </a:ext>
+                  </a:extLst>
+                </a:gridCol>
+                <a:gridCol w="2305728">
+                  <a:extLst>
+                    <a:ext uri="{9D8B030D-6E8A-4147-A177-3AD203B41FA5}">
+                      <a16:colId xmlns:a16="http://schemas.microsoft.com/office/drawing/2014/main" val="3610247576"/>
+                    </a:ext>
+                  </a:extLst>
+                </a:gridCol>
+              </a:tblGrid>
+              <a:tr h="210869">
+                <a:tc>
+                  <a:txBody>
+                    <a:bodyPr/>
+                    <a:lstStyle/>
+                    <a:p>
+                      <a:pPr algn="ctr" fontAlgn="b"/>
+                      <a:r>
+                        <a:rPr lang="en-US" sz="1200" u="none" strike="noStrike">
+                          <a:effectLst/>
+                        </a:rPr>
+                        <a:t>Operator</a:t>
+                      </a:r>
+                      <a:endParaRPr lang="en-US" sz="1200" b="1" i="0" u="none" strike="noStrike">
+                        <a:solidFill>
+                          <a:srgbClr val="313131"/>
+                        </a:solidFill>
+                        <a:effectLst/>
+                        <a:latin typeface="Calibri" panose="020F0502020204030204" pitchFamily="34" charset="0"/>
+                      </a:endParaRPr>
+                    </a:p>
+                  </a:txBody>
+                  <a:tcPr marL="9011" marR="9011" marT="9011" marB="43255" anchor="b"/>
+                </a:tc>
+                <a:tc>
+                  <a:txBody>
+                    <a:bodyPr/>
+                    <a:lstStyle/>
+                    <a:p>
+                      <a:pPr algn="ctr" fontAlgn="b"/>
+                      <a:r>
+                        <a:rPr lang="en-US" sz="1200" u="none" strike="noStrike">
+                          <a:effectLst/>
+                        </a:rPr>
+                        <a:t>Description</a:t>
+                      </a:r>
+                      <a:endParaRPr lang="en-US" sz="1200" b="1" i="0" u="none" strike="noStrike">
+                        <a:solidFill>
+                          <a:srgbClr val="313131"/>
+                        </a:solidFill>
+                        <a:effectLst/>
+                        <a:latin typeface="Calibri" panose="020F0502020204030204" pitchFamily="34" charset="0"/>
+                      </a:endParaRPr>
+                    </a:p>
+                  </a:txBody>
+                  <a:tcPr marL="9011" marR="9011" marT="9011" marB="43255" anchor="b"/>
+                </a:tc>
+                <a:tc>
+                  <a:txBody>
+                    <a:bodyPr/>
+                    <a:lstStyle/>
+                    <a:p>
+                      <a:pPr algn="ctr" fontAlgn="b"/>
+                      <a:r>
+                        <a:rPr lang="en-US" sz="1200" u="none" strike="noStrike">
+                          <a:effectLst/>
+                        </a:rPr>
+                        <a:t>Example</a:t>
+                      </a:r>
+                      <a:endParaRPr lang="en-US" sz="1200" b="1" i="0" u="none" strike="noStrike">
+                        <a:solidFill>
+                          <a:srgbClr val="313131"/>
+                        </a:solidFill>
+                        <a:effectLst/>
+                        <a:latin typeface="Calibri" panose="020F0502020204030204" pitchFamily="34" charset="0"/>
+                      </a:endParaRPr>
+                    </a:p>
+                  </a:txBody>
+                  <a:tcPr marL="9011" marR="9011" marT="9011" marB="43255" anchor="b"/>
+                </a:tc>
+                <a:extLst>
+                  <a:ext uri="{0D108BD9-81ED-4DB2-BD59-A6C34878D82A}">
+                    <a16:rowId xmlns:a16="http://schemas.microsoft.com/office/drawing/2014/main" val="1120499467"/>
+                  </a:ext>
+                </a:extLst>
+              </a:tr>
+              <a:tr h="369471">
+                <a:tc>
+                  <a:txBody>
+                    <a:bodyPr/>
+                    <a:lstStyle/>
+                    <a:p>
+                      <a:pPr algn="ctr" fontAlgn="b"/>
+                      <a:r>
+                        <a:rPr lang="en-US" sz="1200" u="none" strike="noStrike">
+                          <a:effectLst/>
+                        </a:rPr>
+                        <a:t>=</a:t>
+                      </a:r>
+                      <a:endParaRPr lang="en-US" sz="1200" b="0" i="0" u="none" strike="noStrike">
+                        <a:solidFill>
+                          <a:srgbClr val="313131"/>
+                        </a:solidFill>
+                        <a:effectLst/>
+                        <a:latin typeface="Calibri" panose="020F0502020204030204" pitchFamily="34" charset="0"/>
+                      </a:endParaRPr>
+                    </a:p>
+                  </a:txBody>
+                  <a:tcPr marL="9011" marR="9011" marT="9011" marB="43255" anchor="b"/>
+                </a:tc>
+                <a:tc>
+                  <a:txBody>
+                    <a:bodyPr/>
+                    <a:lstStyle/>
+                    <a:p>
+                      <a:pPr algn="ctr" fontAlgn="b"/>
+                      <a:r>
+                        <a:rPr lang="en-US" sz="1200" u="none" strike="noStrike">
+                          <a:effectLst/>
+                        </a:rPr>
+                        <a:t>Assigns values from right side operands to left side operand</a:t>
+                      </a:r>
+                      <a:endParaRPr lang="en-US" sz="1200" b="0" i="0" u="none" strike="noStrike">
+                        <a:solidFill>
+                          <a:srgbClr val="313131"/>
+                        </a:solidFill>
+                        <a:effectLst/>
+                        <a:latin typeface="Calibri" panose="020F0502020204030204" pitchFamily="34" charset="0"/>
+                      </a:endParaRPr>
+                    </a:p>
+                  </a:txBody>
+                  <a:tcPr marL="9011" marR="9011" marT="9011" marB="43255" anchor="b"/>
+                </a:tc>
+                <a:tc>
+                  <a:txBody>
+                    <a:bodyPr/>
+                    <a:lstStyle/>
+                    <a:p>
+                      <a:pPr algn="ctr" fontAlgn="b"/>
+                      <a:r>
+                        <a:rPr lang="en-US" sz="1200" u="none" strike="noStrike">
+                          <a:effectLst/>
+                        </a:rPr>
+                        <a:t>c = a + b assigns value of a + b into c</a:t>
+                      </a:r>
+                      <a:endParaRPr lang="en-US" sz="1200" b="0" i="0" u="none" strike="noStrike">
+                        <a:solidFill>
+                          <a:srgbClr val="313131"/>
+                        </a:solidFill>
+                        <a:effectLst/>
+                        <a:latin typeface="Calibri" panose="020F0502020204030204" pitchFamily="34" charset="0"/>
+                      </a:endParaRPr>
+                    </a:p>
+                  </a:txBody>
+                  <a:tcPr marL="9011" marR="9011" marT="9011" marB="43255" anchor="b"/>
+                </a:tc>
+                <a:extLst>
+                  <a:ext uri="{0D108BD9-81ED-4DB2-BD59-A6C34878D82A}">
+                    <a16:rowId xmlns:a16="http://schemas.microsoft.com/office/drawing/2014/main" val="2442457691"/>
+                  </a:ext>
+                </a:extLst>
+              </a:tr>
+              <a:tr h="540689">
+                <a:tc>
+                  <a:txBody>
+                    <a:bodyPr/>
+                    <a:lstStyle/>
+                    <a:p>
+                      <a:pPr algn="ctr" fontAlgn="b"/>
+                      <a:r>
+                        <a:rPr lang="en-US" sz="1200" u="none" strike="noStrike">
+                          <a:effectLst/>
+                        </a:rPr>
+                        <a:t>+= Add AND</a:t>
+                      </a:r>
+                      <a:endParaRPr lang="en-US" sz="1200" b="0" i="0" u="none" strike="noStrike">
+                        <a:solidFill>
+                          <a:srgbClr val="313131"/>
+                        </a:solidFill>
+                        <a:effectLst/>
+                        <a:latin typeface="Calibri" panose="020F0502020204030204" pitchFamily="34" charset="0"/>
+                      </a:endParaRPr>
+                    </a:p>
+                  </a:txBody>
+                  <a:tcPr marL="9011" marR="9011" marT="9011" marB="43255" anchor="b"/>
+                </a:tc>
+                <a:tc>
+                  <a:txBody>
+                    <a:bodyPr/>
+                    <a:lstStyle/>
+                    <a:p>
+                      <a:pPr algn="ctr" fontAlgn="b"/>
+                      <a:r>
+                        <a:rPr lang="en-US" sz="1200" u="none" strike="noStrike">
+                          <a:effectLst/>
+                        </a:rPr>
+                        <a:t>It adds right operand to the left operand and assign the result to left operand</a:t>
+                      </a:r>
+                      <a:endParaRPr lang="en-US" sz="1200" b="0" i="0" u="none" strike="noStrike">
+                        <a:solidFill>
+                          <a:srgbClr val="313131"/>
+                        </a:solidFill>
+                        <a:effectLst/>
+                        <a:latin typeface="Calibri" panose="020F0502020204030204" pitchFamily="34" charset="0"/>
+                      </a:endParaRPr>
+                    </a:p>
+                  </a:txBody>
+                  <a:tcPr marL="9011" marR="9011" marT="9011" marB="43255" anchor="b"/>
+                </a:tc>
+                <a:tc>
+                  <a:txBody>
+                    <a:bodyPr/>
+                    <a:lstStyle/>
+                    <a:p>
+                      <a:pPr algn="ctr" fontAlgn="b"/>
+                      <a:r>
+                        <a:rPr lang="en-US" sz="1200" u="none" strike="noStrike">
+                          <a:effectLst/>
+                        </a:rPr>
+                        <a:t>c += a is equivalent to c = c + a</a:t>
+                      </a:r>
+                      <a:endParaRPr lang="en-US" sz="1200" b="0" i="0" u="none" strike="noStrike">
+                        <a:solidFill>
+                          <a:srgbClr val="313131"/>
+                        </a:solidFill>
+                        <a:effectLst/>
+                        <a:latin typeface="Calibri" panose="020F0502020204030204" pitchFamily="34" charset="0"/>
+                      </a:endParaRPr>
+                    </a:p>
+                  </a:txBody>
+                  <a:tcPr marL="9011" marR="9011" marT="9011" marB="43255" anchor="b"/>
+                </a:tc>
+                <a:extLst>
+                  <a:ext uri="{0D108BD9-81ED-4DB2-BD59-A6C34878D82A}">
+                    <a16:rowId xmlns:a16="http://schemas.microsoft.com/office/drawing/2014/main" val="1057608605"/>
+                  </a:ext>
+                </a:extLst>
+              </a:tr>
+              <a:tr h="540689">
+                <a:tc>
+                  <a:txBody>
+                    <a:bodyPr/>
+                    <a:lstStyle/>
+                    <a:p>
+                      <a:pPr algn="ctr" fontAlgn="b"/>
+                      <a:r>
+                        <a:rPr lang="en-US" sz="1200" u="none" strike="noStrike">
+                          <a:effectLst/>
+                        </a:rPr>
+                        <a:t>-= Subtract AND</a:t>
+                      </a:r>
+                      <a:endParaRPr lang="en-US" sz="1200" b="0" i="0" u="none" strike="noStrike">
+                        <a:solidFill>
+                          <a:srgbClr val="313131"/>
+                        </a:solidFill>
+                        <a:effectLst/>
+                        <a:latin typeface="Calibri" panose="020F0502020204030204" pitchFamily="34" charset="0"/>
+                      </a:endParaRPr>
+                    </a:p>
+                  </a:txBody>
+                  <a:tcPr marL="9011" marR="9011" marT="9011" marB="43255" anchor="b"/>
+                </a:tc>
+                <a:tc>
+                  <a:txBody>
+                    <a:bodyPr/>
+                    <a:lstStyle/>
+                    <a:p>
+                      <a:pPr algn="ctr" fontAlgn="b"/>
+                      <a:r>
+                        <a:rPr lang="en-US" sz="1200" u="none" strike="noStrike">
+                          <a:effectLst/>
+                        </a:rPr>
+                        <a:t>It subtracts right operand from the left operand and assign the result to left operand</a:t>
+                      </a:r>
+                      <a:endParaRPr lang="en-US" sz="1200" b="0" i="0" u="none" strike="noStrike">
+                        <a:solidFill>
+                          <a:srgbClr val="313131"/>
+                        </a:solidFill>
+                        <a:effectLst/>
+                        <a:latin typeface="Calibri" panose="020F0502020204030204" pitchFamily="34" charset="0"/>
+                      </a:endParaRPr>
+                    </a:p>
+                  </a:txBody>
+                  <a:tcPr marL="9011" marR="9011" marT="9011" marB="43255" anchor="b"/>
+                </a:tc>
+                <a:tc>
+                  <a:txBody>
+                    <a:bodyPr/>
+                    <a:lstStyle/>
+                    <a:p>
+                      <a:pPr algn="ctr" fontAlgn="b"/>
+                      <a:r>
+                        <a:rPr lang="en-US" sz="1200" u="none" strike="noStrike">
+                          <a:effectLst/>
+                        </a:rPr>
+                        <a:t>c -= a is equivalent to c = c - a</a:t>
+                      </a:r>
+                      <a:endParaRPr lang="en-US" sz="1200" b="0" i="0" u="none" strike="noStrike">
+                        <a:solidFill>
+                          <a:srgbClr val="313131"/>
+                        </a:solidFill>
+                        <a:effectLst/>
+                        <a:latin typeface="Calibri" panose="020F0502020204030204" pitchFamily="34" charset="0"/>
+                      </a:endParaRPr>
+                    </a:p>
+                  </a:txBody>
+                  <a:tcPr marL="9011" marR="9011" marT="9011" marB="43255" anchor="b"/>
+                </a:tc>
+                <a:extLst>
+                  <a:ext uri="{0D108BD9-81ED-4DB2-BD59-A6C34878D82A}">
+                    <a16:rowId xmlns:a16="http://schemas.microsoft.com/office/drawing/2014/main" val="2393728548"/>
+                  </a:ext>
+                </a:extLst>
+              </a:tr>
+              <a:tr h="540689">
+                <a:tc>
+                  <a:txBody>
+                    <a:bodyPr/>
+                    <a:lstStyle/>
+                    <a:p>
+                      <a:pPr algn="ctr" fontAlgn="b"/>
+                      <a:r>
+                        <a:rPr lang="en-US" sz="1200" u="none" strike="noStrike">
+                          <a:effectLst/>
+                        </a:rPr>
+                        <a:t>*= Multiply AND</a:t>
+                      </a:r>
+                      <a:endParaRPr lang="en-US" sz="1200" b="0" i="0" u="none" strike="noStrike">
+                        <a:solidFill>
+                          <a:srgbClr val="313131"/>
+                        </a:solidFill>
+                        <a:effectLst/>
+                        <a:latin typeface="Calibri" panose="020F0502020204030204" pitchFamily="34" charset="0"/>
+                      </a:endParaRPr>
+                    </a:p>
+                  </a:txBody>
+                  <a:tcPr marL="9011" marR="9011" marT="9011" marB="43255" anchor="b"/>
+                </a:tc>
+                <a:tc>
+                  <a:txBody>
+                    <a:bodyPr/>
+                    <a:lstStyle/>
+                    <a:p>
+                      <a:pPr algn="ctr" fontAlgn="b"/>
+                      <a:r>
+                        <a:rPr lang="en-US" sz="1200" u="none" strike="noStrike">
+                          <a:effectLst/>
+                        </a:rPr>
+                        <a:t>It multiplies right operand with the left operand and assign the result to left operand</a:t>
+                      </a:r>
+                      <a:endParaRPr lang="en-US" sz="1200" b="0" i="0" u="none" strike="noStrike">
+                        <a:solidFill>
+                          <a:srgbClr val="313131"/>
+                        </a:solidFill>
+                        <a:effectLst/>
+                        <a:latin typeface="Calibri" panose="020F0502020204030204" pitchFamily="34" charset="0"/>
+                      </a:endParaRPr>
+                    </a:p>
+                  </a:txBody>
+                  <a:tcPr marL="9011" marR="9011" marT="9011" marB="43255" anchor="b"/>
+                </a:tc>
+                <a:tc>
+                  <a:txBody>
+                    <a:bodyPr/>
+                    <a:lstStyle/>
+                    <a:p>
+                      <a:pPr algn="ctr" fontAlgn="b"/>
+                      <a:r>
+                        <a:rPr lang="en-US" sz="1200" u="none" strike="noStrike">
+                          <a:effectLst/>
+                        </a:rPr>
+                        <a:t>c *= a is equivalent to c = c * a</a:t>
+                      </a:r>
+                      <a:endParaRPr lang="en-US" sz="1200" b="0" i="0" u="none" strike="noStrike">
+                        <a:solidFill>
+                          <a:srgbClr val="313131"/>
+                        </a:solidFill>
+                        <a:effectLst/>
+                        <a:latin typeface="Calibri" panose="020F0502020204030204" pitchFamily="34" charset="0"/>
+                      </a:endParaRPr>
+                    </a:p>
+                  </a:txBody>
+                  <a:tcPr marL="9011" marR="9011" marT="9011" marB="43255" anchor="b"/>
+                </a:tc>
+                <a:extLst>
+                  <a:ext uri="{0D108BD9-81ED-4DB2-BD59-A6C34878D82A}">
+                    <a16:rowId xmlns:a16="http://schemas.microsoft.com/office/drawing/2014/main" val="2004821622"/>
+                  </a:ext>
+                </a:extLst>
+              </a:tr>
+              <a:tr h="540689">
+                <a:tc>
+                  <a:txBody>
+                    <a:bodyPr/>
+                    <a:lstStyle/>
+                    <a:p>
+                      <a:pPr algn="ctr" fontAlgn="b"/>
+                      <a:r>
+                        <a:rPr lang="en-US" sz="1200" u="none" strike="noStrike">
+                          <a:effectLst/>
+                        </a:rPr>
+                        <a:t>/= Divide AND</a:t>
+                      </a:r>
+                      <a:endParaRPr lang="en-US" sz="1200" b="0" i="0" u="none" strike="noStrike">
+                        <a:solidFill>
+                          <a:srgbClr val="313131"/>
+                        </a:solidFill>
+                        <a:effectLst/>
+                        <a:latin typeface="Calibri" panose="020F0502020204030204" pitchFamily="34" charset="0"/>
+                      </a:endParaRPr>
+                    </a:p>
+                  </a:txBody>
+                  <a:tcPr marL="9011" marR="9011" marT="9011" marB="43255" anchor="b"/>
+                </a:tc>
+                <a:tc>
+                  <a:txBody>
+                    <a:bodyPr/>
+                    <a:lstStyle/>
+                    <a:p>
+                      <a:pPr algn="ctr" fontAlgn="b"/>
+                      <a:r>
+                        <a:rPr lang="en-US" sz="1200" u="none" strike="noStrike" dirty="0">
+                          <a:effectLst/>
+                        </a:rPr>
+                        <a:t>It divides left operand with the right operand and assign the result to left operand</a:t>
+                      </a:r>
+                      <a:endParaRPr lang="en-US" sz="1200" b="0" i="0" u="none" strike="noStrike" dirty="0">
+                        <a:solidFill>
+                          <a:srgbClr val="313131"/>
+                        </a:solidFill>
+                        <a:effectLst/>
+                        <a:latin typeface="Calibri" panose="020F0502020204030204" pitchFamily="34" charset="0"/>
+                      </a:endParaRPr>
+                    </a:p>
+                  </a:txBody>
+                  <a:tcPr marL="9011" marR="9011" marT="9011" marB="43255" anchor="b"/>
+                </a:tc>
+                <a:tc>
+                  <a:txBody>
+                    <a:bodyPr/>
+                    <a:lstStyle/>
+                    <a:p>
+                      <a:pPr algn="ctr" fontAlgn="b"/>
+                      <a:r>
+                        <a:rPr lang="en-US" sz="1200" u="none" strike="noStrike">
+                          <a:effectLst/>
+                        </a:rPr>
+                        <a:t>c /= a is equivalent to c = c / ac /= a is equivalent to c = c / a</a:t>
+                      </a:r>
+                      <a:endParaRPr lang="en-US" sz="1200" b="0" i="0" u="none" strike="noStrike">
+                        <a:solidFill>
+                          <a:srgbClr val="313131"/>
+                        </a:solidFill>
+                        <a:effectLst/>
+                        <a:latin typeface="Calibri" panose="020F0502020204030204" pitchFamily="34" charset="0"/>
+                      </a:endParaRPr>
+                    </a:p>
+                  </a:txBody>
+                  <a:tcPr marL="9011" marR="9011" marT="9011" marB="43255" anchor="b"/>
+                </a:tc>
+                <a:extLst>
+                  <a:ext uri="{0D108BD9-81ED-4DB2-BD59-A6C34878D82A}">
+                    <a16:rowId xmlns:a16="http://schemas.microsoft.com/office/drawing/2014/main" val="1392741258"/>
+                  </a:ext>
+                </a:extLst>
+              </a:tr>
+              <a:tr h="369471">
+                <a:tc>
+                  <a:txBody>
+                    <a:bodyPr/>
+                    <a:lstStyle/>
+                    <a:p>
+                      <a:pPr algn="ctr" fontAlgn="b"/>
+                      <a:r>
+                        <a:rPr lang="en-US" sz="1200" u="none" strike="noStrike">
+                          <a:effectLst/>
+                        </a:rPr>
+                        <a:t>%= Modulus AND</a:t>
+                      </a:r>
+                      <a:endParaRPr lang="en-US" sz="1200" b="0" i="0" u="none" strike="noStrike">
+                        <a:solidFill>
+                          <a:srgbClr val="313131"/>
+                        </a:solidFill>
+                        <a:effectLst/>
+                        <a:latin typeface="Calibri" panose="020F0502020204030204" pitchFamily="34" charset="0"/>
+                      </a:endParaRPr>
+                    </a:p>
+                  </a:txBody>
+                  <a:tcPr marL="9011" marR="9011" marT="9011" marB="43255" anchor="b"/>
+                </a:tc>
+                <a:tc>
+                  <a:txBody>
+                    <a:bodyPr/>
+                    <a:lstStyle/>
+                    <a:p>
+                      <a:pPr algn="ctr" fontAlgn="b"/>
+                      <a:r>
+                        <a:rPr lang="en-US" sz="1200" u="none" strike="noStrike">
+                          <a:effectLst/>
+                        </a:rPr>
+                        <a:t>It takes modulus using two operands and assign the result to left operand</a:t>
+                      </a:r>
+                      <a:endParaRPr lang="en-US" sz="1200" b="0" i="0" u="none" strike="noStrike">
+                        <a:solidFill>
+                          <a:srgbClr val="313131"/>
+                        </a:solidFill>
+                        <a:effectLst/>
+                        <a:latin typeface="Calibri" panose="020F0502020204030204" pitchFamily="34" charset="0"/>
+                      </a:endParaRPr>
+                    </a:p>
+                  </a:txBody>
+                  <a:tcPr marL="9011" marR="9011" marT="9011" marB="43255" anchor="b"/>
+                </a:tc>
+                <a:tc>
+                  <a:txBody>
+                    <a:bodyPr/>
+                    <a:lstStyle/>
+                    <a:p>
+                      <a:pPr algn="ctr" fontAlgn="b"/>
+                      <a:r>
+                        <a:rPr lang="en-US" sz="1200" u="none" strike="noStrike">
+                          <a:effectLst/>
+                        </a:rPr>
+                        <a:t>c %= a is equivalent to c = c % a</a:t>
+                      </a:r>
+                      <a:endParaRPr lang="en-US" sz="1200" b="0" i="0" u="none" strike="noStrike">
+                        <a:solidFill>
+                          <a:srgbClr val="313131"/>
+                        </a:solidFill>
+                        <a:effectLst/>
+                        <a:latin typeface="Calibri" panose="020F0502020204030204" pitchFamily="34" charset="0"/>
+                      </a:endParaRPr>
+                    </a:p>
+                  </a:txBody>
+                  <a:tcPr marL="9011" marR="9011" marT="9011" marB="43255" anchor="b"/>
+                </a:tc>
+                <a:extLst>
+                  <a:ext uri="{0D108BD9-81ED-4DB2-BD59-A6C34878D82A}">
+                    <a16:rowId xmlns:a16="http://schemas.microsoft.com/office/drawing/2014/main" val="1613701764"/>
+                  </a:ext>
+                </a:extLst>
+              </a:tr>
+              <a:tr h="540689">
+                <a:tc>
+                  <a:txBody>
+                    <a:bodyPr/>
+                    <a:lstStyle/>
+                    <a:p>
+                      <a:pPr algn="ctr" fontAlgn="b"/>
+                      <a:r>
+                        <a:rPr lang="en-US" sz="1200" u="none" strike="noStrike">
+                          <a:effectLst/>
+                        </a:rPr>
+                        <a:t>**= Exponent AND</a:t>
+                      </a:r>
+                      <a:endParaRPr lang="en-US" sz="1200" b="0" i="0" u="none" strike="noStrike">
+                        <a:solidFill>
+                          <a:srgbClr val="313131"/>
+                        </a:solidFill>
+                        <a:effectLst/>
+                        <a:latin typeface="Calibri" panose="020F0502020204030204" pitchFamily="34" charset="0"/>
+                      </a:endParaRPr>
+                    </a:p>
+                  </a:txBody>
+                  <a:tcPr marL="9011" marR="9011" marT="9011" marB="43255" anchor="b"/>
+                </a:tc>
+                <a:tc>
+                  <a:txBody>
+                    <a:bodyPr/>
+                    <a:lstStyle/>
+                    <a:p>
+                      <a:pPr algn="ctr" fontAlgn="b"/>
+                      <a:r>
+                        <a:rPr lang="en-US" sz="1200" u="none" strike="noStrike">
+                          <a:effectLst/>
+                        </a:rPr>
+                        <a:t>Performs exponential (power) calculation on operators and assign value to the left operand</a:t>
+                      </a:r>
+                      <a:endParaRPr lang="en-US" sz="1200" b="0" i="0" u="none" strike="noStrike">
+                        <a:solidFill>
+                          <a:srgbClr val="313131"/>
+                        </a:solidFill>
+                        <a:effectLst/>
+                        <a:latin typeface="Calibri" panose="020F0502020204030204" pitchFamily="34" charset="0"/>
+                      </a:endParaRPr>
+                    </a:p>
+                  </a:txBody>
+                  <a:tcPr marL="9011" marR="9011" marT="9011" marB="43255" anchor="b"/>
+                </a:tc>
+                <a:tc>
+                  <a:txBody>
+                    <a:bodyPr/>
+                    <a:lstStyle/>
+                    <a:p>
+                      <a:pPr algn="ctr" fontAlgn="b"/>
+                      <a:r>
+                        <a:rPr lang="en-US" sz="1200" u="none" strike="noStrike">
+                          <a:effectLst/>
+                        </a:rPr>
+                        <a:t>c **= a is equivalent to c = c ** a</a:t>
+                      </a:r>
+                      <a:endParaRPr lang="en-US" sz="1200" b="0" i="0" u="none" strike="noStrike">
+                        <a:solidFill>
+                          <a:srgbClr val="313131"/>
+                        </a:solidFill>
+                        <a:effectLst/>
+                        <a:latin typeface="Calibri" panose="020F0502020204030204" pitchFamily="34" charset="0"/>
+                      </a:endParaRPr>
+                    </a:p>
+                  </a:txBody>
+                  <a:tcPr marL="9011" marR="9011" marT="9011" marB="43255" anchor="b"/>
+                </a:tc>
+                <a:extLst>
+                  <a:ext uri="{0D108BD9-81ED-4DB2-BD59-A6C34878D82A}">
+                    <a16:rowId xmlns:a16="http://schemas.microsoft.com/office/drawing/2014/main" val="3871251216"/>
+                  </a:ext>
+                </a:extLst>
+              </a:tr>
+              <a:tr h="369471">
+                <a:tc>
+                  <a:txBody>
+                    <a:bodyPr/>
+                    <a:lstStyle/>
+                    <a:p>
+                      <a:pPr algn="ctr" fontAlgn="b"/>
+                      <a:r>
+                        <a:rPr lang="en-US" sz="1200" u="none" strike="noStrike">
+                          <a:effectLst/>
+                        </a:rPr>
+                        <a:t>//= Floor Division</a:t>
+                      </a:r>
+                      <a:endParaRPr lang="en-US" sz="1200" b="0" i="0" u="none" strike="noStrike">
+                        <a:solidFill>
+                          <a:srgbClr val="313131"/>
+                        </a:solidFill>
+                        <a:effectLst/>
+                        <a:latin typeface="Calibri" panose="020F0502020204030204" pitchFamily="34" charset="0"/>
+                      </a:endParaRPr>
+                    </a:p>
+                  </a:txBody>
+                  <a:tcPr marL="9011" marR="9011" marT="9011" marB="43255" anchor="b"/>
+                </a:tc>
+                <a:tc>
+                  <a:txBody>
+                    <a:bodyPr/>
+                    <a:lstStyle/>
+                    <a:p>
+                      <a:pPr algn="ctr" fontAlgn="b"/>
+                      <a:r>
+                        <a:rPr lang="en-US" sz="1200" u="none" strike="noStrike">
+                          <a:effectLst/>
+                        </a:rPr>
+                        <a:t>It performs floor division on operators and assign value to the left operand</a:t>
+                      </a:r>
+                      <a:endParaRPr lang="en-US" sz="1200" b="0" i="0" u="none" strike="noStrike">
+                        <a:solidFill>
+                          <a:srgbClr val="313131"/>
+                        </a:solidFill>
+                        <a:effectLst/>
+                        <a:latin typeface="Calibri" panose="020F0502020204030204" pitchFamily="34" charset="0"/>
+                      </a:endParaRPr>
+                    </a:p>
+                  </a:txBody>
+                  <a:tcPr marL="9011" marR="9011" marT="9011" marB="43255" anchor="b"/>
+                </a:tc>
+                <a:tc>
+                  <a:txBody>
+                    <a:bodyPr/>
+                    <a:lstStyle/>
+                    <a:p>
+                      <a:pPr algn="ctr" fontAlgn="b"/>
+                      <a:r>
+                        <a:rPr lang="en-US" sz="1200" u="none" strike="noStrike" dirty="0">
+                          <a:effectLst/>
+                        </a:rPr>
+                        <a:t>c //= a is equivalent to c = c // a</a:t>
+                      </a:r>
+                      <a:endParaRPr lang="en-US" sz="1200" b="0" i="0" u="none" strike="noStrike" dirty="0">
+                        <a:solidFill>
+                          <a:srgbClr val="313131"/>
+                        </a:solidFill>
+                        <a:effectLst/>
+                        <a:latin typeface="Calibri" panose="020F0502020204030204" pitchFamily="34" charset="0"/>
+                      </a:endParaRPr>
+                    </a:p>
+                  </a:txBody>
+                  <a:tcPr marL="9011" marR="9011" marT="9011" marB="43255" anchor="b"/>
+                </a:tc>
+                <a:extLst>
+                  <a:ext uri="{0D108BD9-81ED-4DB2-BD59-A6C34878D82A}">
+                    <a16:rowId xmlns:a16="http://schemas.microsoft.com/office/drawing/2014/main" val="3041135353"/>
+                  </a:ext>
+                </a:extLst>
+              </a:tr>
+            </a:tbl>
+          </a:graphicData>
+        </a:graphic>
+      </p:graphicFrame>
+    </p:spTree>
+    <p:extLst>
+      <p:ext uri="{BB962C8B-B14F-4D97-AF65-F5344CB8AC3E}">
+        <p14:creationId xmlns:p14="http://schemas.microsoft.com/office/powerpoint/2010/main" val="3631522163"/>
+      </p:ext>
+    </p:extLst>
+  </p:cSld>
+  <p:clrMapOvr>
+    <a:masterClrMapping/>
+  </p:clrMapOvr>
+</p:sld>
+</file>
+
 <file path=ppt/slides/slide3.xml><?xml version="1.0" encoding="utf-8"?>
 <p:sld xmlns:a="http://schemas.openxmlformats.org/drawingml/2006/main" xmlns:r="http://schemas.openxmlformats.org/officeDocument/2006/relationships" xmlns:p="http://schemas.openxmlformats.org/presentationml/2006/main">
   <p:cSld>
@@ -8753,13 +11471,4302 @@
   <p:clrMapOvr>
     <a:masterClrMapping/>
   </p:clrMapOvr>
-  <p:timing>
-    <p:tnLst>
-      <p:par>
-        <p:cTn id="1" dur="indefinite" restart="never" nodeType="tmRoot"/>
-      </p:par>
-    </p:tnLst>
-  </p:timing>
+</p:sld>
+</file>
+
+<file path=ppt/slides/slide30.xml><?xml version="1.0" encoding="utf-8"?>
+<p:sld xmlns:a="http://schemas.openxmlformats.org/drawingml/2006/main" xmlns:r="http://schemas.openxmlformats.org/officeDocument/2006/relationships" xmlns:p="http://schemas.openxmlformats.org/presentationml/2006/main">
+  <p:cSld>
+    <p:spTree>
+      <p:nvGrpSpPr>
+        <p:cNvPr id="1" name=""/>
+        <p:cNvGrpSpPr/>
+        <p:nvPr/>
+      </p:nvGrpSpPr>
+      <p:grpSpPr>
+        <a:xfrm>
+          <a:off x="0" y="0"/>
+          <a:ext cx="0" cy="0"/>
+          <a:chOff x="0" y="0"/>
+          <a:chExt cx="0" cy="0"/>
+        </a:xfrm>
+      </p:grpSpPr>
+      <p:sp>
+        <p:nvSpPr>
+          <p:cNvPr id="2" name="Title 1">
+            <a:extLst>
+              <a:ext uri="{FF2B5EF4-FFF2-40B4-BE49-F238E27FC236}">
+                <a16:creationId xmlns:a16="http://schemas.microsoft.com/office/drawing/2014/main" id="{33EB13F1-A810-466C-A1B8-AFA772666A2B}"/>
+              </a:ext>
+            </a:extLst>
+          </p:cNvPr>
+          <p:cNvSpPr>
+            <a:spLocks noGrp="1"/>
+          </p:cNvSpPr>
+          <p:nvPr>
+            <p:ph type="title"/>
+          </p:nvPr>
+        </p:nvSpPr>
+        <p:spPr/>
+        <p:txBody>
+          <a:bodyPr/>
+          <a:lstStyle/>
+          <a:p>
+            <a:r>
+              <a:rPr lang="en-US" dirty="0"/>
+              <a:t>Python Bitwise Operators</a:t>
+            </a:r>
+          </a:p>
+        </p:txBody>
+      </p:sp>
+      <p:graphicFrame>
+        <p:nvGraphicFramePr>
+          <p:cNvPr id="4" name="Content Placeholder 3">
+            <a:extLst>
+              <a:ext uri="{FF2B5EF4-FFF2-40B4-BE49-F238E27FC236}">
+                <a16:creationId xmlns:a16="http://schemas.microsoft.com/office/drawing/2014/main" id="{36629321-B4E5-4064-B0B4-EC1CA5B96F1C}"/>
+              </a:ext>
+            </a:extLst>
+          </p:cNvPr>
+          <p:cNvGraphicFramePr>
+            <a:graphicFrameLocks noGrp="1"/>
+          </p:cNvGraphicFramePr>
+          <p:nvPr>
+            <p:ph idx="1"/>
+            <p:extLst>
+              <p:ext uri="{D42A27DB-BD31-4B8C-83A1-F6EECF244321}">
+                <p14:modId xmlns:p14="http://schemas.microsoft.com/office/powerpoint/2010/main" val="975853660"/>
+              </p:ext>
+            </p:extLst>
+          </p:nvPr>
+        </p:nvGraphicFramePr>
+        <p:xfrm>
+          <a:off x="2615636" y="1953947"/>
+          <a:ext cx="6578601" cy="4227195"/>
+        </p:xfrm>
+        <a:graphic>
+          <a:graphicData uri="http://schemas.openxmlformats.org/drawingml/2006/table">
+            <a:tbl>
+              <a:tblPr>
+                <a:tableStyleId>{5C22544A-7EE6-4342-B048-85BDC9FD1C3A}</a:tableStyleId>
+              </a:tblPr>
+              <a:tblGrid>
+                <a:gridCol w="1704153">
+                  <a:extLst>
+                    <a:ext uri="{9D8B030D-6E8A-4147-A177-3AD203B41FA5}">
+                      <a16:colId xmlns:a16="http://schemas.microsoft.com/office/drawing/2014/main" val="1455084211"/>
+                    </a:ext>
+                  </a:extLst>
+                </a:gridCol>
+                <a:gridCol w="2437224">
+                  <a:extLst>
+                    <a:ext uri="{9D8B030D-6E8A-4147-A177-3AD203B41FA5}">
+                      <a16:colId xmlns:a16="http://schemas.microsoft.com/office/drawing/2014/main" val="2940713864"/>
+                    </a:ext>
+                  </a:extLst>
+                </a:gridCol>
+                <a:gridCol w="2437224">
+                  <a:extLst>
+                    <a:ext uri="{9D8B030D-6E8A-4147-A177-3AD203B41FA5}">
+                      <a16:colId xmlns:a16="http://schemas.microsoft.com/office/drawing/2014/main" val="1042924065"/>
+                    </a:ext>
+                  </a:extLst>
+                </a:gridCol>
+              </a:tblGrid>
+              <a:tr h="190500">
+                <a:tc>
+                  <a:txBody>
+                    <a:bodyPr/>
+                    <a:lstStyle/>
+                    <a:p>
+                      <a:pPr algn="ctr" fontAlgn="b"/>
+                      <a:r>
+                        <a:rPr lang="en-US" sz="1400" u="none" strike="noStrike">
+                          <a:effectLst/>
+                        </a:rPr>
+                        <a:t>Operator</a:t>
+                      </a:r>
+                      <a:endParaRPr lang="en-US" sz="1400" b="1" i="0" u="none" strike="noStrike">
+                        <a:solidFill>
+                          <a:srgbClr val="313131"/>
+                        </a:solidFill>
+                        <a:effectLst/>
+                        <a:latin typeface="Calibri" panose="020F0502020204030204" pitchFamily="34" charset="0"/>
+                      </a:endParaRPr>
+                    </a:p>
+                  </a:txBody>
+                  <a:tcPr marL="9525" marR="9525" marT="9525" anchor="b"/>
+                </a:tc>
+                <a:tc>
+                  <a:txBody>
+                    <a:bodyPr/>
+                    <a:lstStyle/>
+                    <a:p>
+                      <a:pPr algn="ctr" fontAlgn="b"/>
+                      <a:r>
+                        <a:rPr lang="en-US" sz="1400" u="none" strike="noStrike">
+                          <a:effectLst/>
+                        </a:rPr>
+                        <a:t>Description</a:t>
+                      </a:r>
+                      <a:endParaRPr lang="en-US" sz="1400" b="1" i="0" u="none" strike="noStrike">
+                        <a:solidFill>
+                          <a:srgbClr val="313131"/>
+                        </a:solidFill>
+                        <a:effectLst/>
+                        <a:latin typeface="Calibri" panose="020F0502020204030204" pitchFamily="34" charset="0"/>
+                      </a:endParaRPr>
+                    </a:p>
+                  </a:txBody>
+                  <a:tcPr marL="9525" marR="9525" marT="9525" anchor="b"/>
+                </a:tc>
+                <a:tc>
+                  <a:txBody>
+                    <a:bodyPr/>
+                    <a:lstStyle/>
+                    <a:p>
+                      <a:pPr algn="ctr" fontAlgn="b"/>
+                      <a:r>
+                        <a:rPr lang="en-US" sz="1400" u="none" strike="noStrike">
+                          <a:effectLst/>
+                        </a:rPr>
+                        <a:t>Example</a:t>
+                      </a:r>
+                      <a:endParaRPr lang="en-US" sz="1400" b="1" i="0" u="none" strike="noStrike">
+                        <a:solidFill>
+                          <a:srgbClr val="313131"/>
+                        </a:solidFill>
+                        <a:effectLst/>
+                        <a:latin typeface="Calibri" panose="020F0502020204030204" pitchFamily="34" charset="0"/>
+                      </a:endParaRPr>
+                    </a:p>
+                  </a:txBody>
+                  <a:tcPr marL="9525" marR="9525" marT="9525" anchor="b"/>
+                </a:tc>
+                <a:extLst>
+                  <a:ext uri="{0D108BD9-81ED-4DB2-BD59-A6C34878D82A}">
+                    <a16:rowId xmlns:a16="http://schemas.microsoft.com/office/drawing/2014/main" val="458093972"/>
+                  </a:ext>
+                </a:extLst>
+              </a:tr>
+              <a:tr h="381000">
+                <a:tc>
+                  <a:txBody>
+                    <a:bodyPr/>
+                    <a:lstStyle/>
+                    <a:p>
+                      <a:pPr algn="ctr" fontAlgn="b"/>
+                      <a:r>
+                        <a:rPr lang="en-US" sz="1400" u="none" strike="noStrike" dirty="0">
+                          <a:effectLst/>
+                        </a:rPr>
+                        <a:t>&amp; Binary AND</a:t>
+                      </a:r>
+                      <a:endParaRPr lang="en-US" sz="1400" b="0" i="0" u="none" strike="noStrike" dirty="0">
+                        <a:solidFill>
+                          <a:srgbClr val="313131"/>
+                        </a:solidFill>
+                        <a:effectLst/>
+                        <a:latin typeface="Calibri" panose="020F0502020204030204" pitchFamily="34" charset="0"/>
+                      </a:endParaRPr>
+                    </a:p>
+                  </a:txBody>
+                  <a:tcPr marL="9525" marR="9525" marT="9525" anchor="b"/>
+                </a:tc>
+                <a:tc>
+                  <a:txBody>
+                    <a:bodyPr/>
+                    <a:lstStyle/>
+                    <a:p>
+                      <a:pPr algn="ctr" fontAlgn="b"/>
+                      <a:r>
+                        <a:rPr lang="en-US" sz="1400" u="none" strike="noStrike">
+                          <a:effectLst/>
+                        </a:rPr>
+                        <a:t>Operator copies a bit, to the result, if it exists in both operands</a:t>
+                      </a:r>
+                      <a:endParaRPr lang="en-US" sz="1400" b="0" i="0" u="none" strike="noStrike">
+                        <a:solidFill>
+                          <a:srgbClr val="313131"/>
+                        </a:solidFill>
+                        <a:effectLst/>
+                        <a:latin typeface="Calibri" panose="020F0502020204030204" pitchFamily="34" charset="0"/>
+                      </a:endParaRPr>
+                    </a:p>
+                  </a:txBody>
+                  <a:tcPr marL="9525" marR="9525" marT="9525" anchor="b"/>
+                </a:tc>
+                <a:tc>
+                  <a:txBody>
+                    <a:bodyPr/>
+                    <a:lstStyle/>
+                    <a:p>
+                      <a:pPr algn="ctr" fontAlgn="b"/>
+                      <a:r>
+                        <a:rPr lang="en-US" sz="1400" u="none" strike="noStrike">
+                          <a:effectLst/>
+                        </a:rPr>
+                        <a:t>(a &amp; b) (means 0000 1100)</a:t>
+                      </a:r>
+                      <a:endParaRPr lang="en-US" sz="1400" b="0" i="0" u="none" strike="noStrike">
+                        <a:solidFill>
+                          <a:srgbClr val="313131"/>
+                        </a:solidFill>
+                        <a:effectLst/>
+                        <a:latin typeface="Calibri" panose="020F0502020204030204" pitchFamily="34" charset="0"/>
+                      </a:endParaRPr>
+                    </a:p>
+                  </a:txBody>
+                  <a:tcPr marL="9525" marR="9525" marT="9525" anchor="b"/>
+                </a:tc>
+                <a:extLst>
+                  <a:ext uri="{0D108BD9-81ED-4DB2-BD59-A6C34878D82A}">
+                    <a16:rowId xmlns:a16="http://schemas.microsoft.com/office/drawing/2014/main" val="2619990561"/>
+                  </a:ext>
+                </a:extLst>
+              </a:tr>
+              <a:tr h="381000">
+                <a:tc>
+                  <a:txBody>
+                    <a:bodyPr/>
+                    <a:lstStyle/>
+                    <a:p>
+                      <a:pPr algn="ctr" fontAlgn="b"/>
+                      <a:r>
+                        <a:rPr lang="en-US" sz="1400" u="none" strike="noStrike">
+                          <a:effectLst/>
+                        </a:rPr>
+                        <a:t>| Binary OR</a:t>
+                      </a:r>
+                      <a:endParaRPr lang="en-US" sz="1400" b="0" i="0" u="none" strike="noStrike">
+                        <a:solidFill>
+                          <a:srgbClr val="313131"/>
+                        </a:solidFill>
+                        <a:effectLst/>
+                        <a:latin typeface="Calibri" panose="020F0502020204030204" pitchFamily="34" charset="0"/>
+                      </a:endParaRPr>
+                    </a:p>
+                  </a:txBody>
+                  <a:tcPr marL="9525" marR="9525" marT="9525" anchor="b"/>
+                </a:tc>
+                <a:tc>
+                  <a:txBody>
+                    <a:bodyPr/>
+                    <a:lstStyle/>
+                    <a:p>
+                      <a:pPr algn="ctr" fontAlgn="b"/>
+                      <a:r>
+                        <a:rPr lang="en-US" sz="1400" u="none" strike="noStrike">
+                          <a:effectLst/>
+                        </a:rPr>
+                        <a:t>It copies a bit, if it exists in either operand.</a:t>
+                      </a:r>
+                      <a:endParaRPr lang="en-US" sz="1400" b="0" i="0" u="none" strike="noStrike">
+                        <a:solidFill>
+                          <a:srgbClr val="313131"/>
+                        </a:solidFill>
+                        <a:effectLst/>
+                        <a:latin typeface="Calibri" panose="020F0502020204030204" pitchFamily="34" charset="0"/>
+                      </a:endParaRPr>
+                    </a:p>
+                  </a:txBody>
+                  <a:tcPr marL="9525" marR="9525" marT="9525" anchor="b"/>
+                </a:tc>
+                <a:tc>
+                  <a:txBody>
+                    <a:bodyPr/>
+                    <a:lstStyle/>
+                    <a:p>
+                      <a:pPr algn="ctr" fontAlgn="b"/>
+                      <a:r>
+                        <a:rPr lang="en-US" sz="1400" u="none" strike="noStrike">
+                          <a:effectLst/>
+                        </a:rPr>
+                        <a:t>(a | b) = 61 (means 0011 1101)</a:t>
+                      </a:r>
+                      <a:endParaRPr lang="en-US" sz="1400" b="0" i="0" u="none" strike="noStrike">
+                        <a:solidFill>
+                          <a:srgbClr val="313131"/>
+                        </a:solidFill>
+                        <a:effectLst/>
+                        <a:latin typeface="Calibri" panose="020F0502020204030204" pitchFamily="34" charset="0"/>
+                      </a:endParaRPr>
+                    </a:p>
+                  </a:txBody>
+                  <a:tcPr marL="9525" marR="9525" marT="9525" anchor="b"/>
+                </a:tc>
+                <a:extLst>
+                  <a:ext uri="{0D108BD9-81ED-4DB2-BD59-A6C34878D82A}">
+                    <a16:rowId xmlns:a16="http://schemas.microsoft.com/office/drawing/2014/main" val="1087947905"/>
+                  </a:ext>
+                </a:extLst>
+              </a:tr>
+              <a:tr h="381000">
+                <a:tc>
+                  <a:txBody>
+                    <a:bodyPr/>
+                    <a:lstStyle/>
+                    <a:p>
+                      <a:pPr algn="ctr" fontAlgn="b"/>
+                      <a:r>
+                        <a:rPr lang="en-US" sz="1400" u="none" strike="noStrike">
+                          <a:effectLst/>
+                        </a:rPr>
+                        <a:t>^ Binary XOR</a:t>
+                      </a:r>
+                      <a:endParaRPr lang="en-US" sz="1400" b="0" i="0" u="none" strike="noStrike">
+                        <a:solidFill>
+                          <a:srgbClr val="313131"/>
+                        </a:solidFill>
+                        <a:effectLst/>
+                        <a:latin typeface="Calibri" panose="020F0502020204030204" pitchFamily="34" charset="0"/>
+                      </a:endParaRPr>
+                    </a:p>
+                  </a:txBody>
+                  <a:tcPr marL="9525" marR="9525" marT="9525" anchor="b"/>
+                </a:tc>
+                <a:tc>
+                  <a:txBody>
+                    <a:bodyPr/>
+                    <a:lstStyle/>
+                    <a:p>
+                      <a:pPr algn="ctr" fontAlgn="b"/>
+                      <a:r>
+                        <a:rPr lang="en-US" sz="1400" u="none" strike="noStrike">
+                          <a:effectLst/>
+                        </a:rPr>
+                        <a:t>It copies the bit, if it is set in one operand but not both.</a:t>
+                      </a:r>
+                      <a:endParaRPr lang="en-US" sz="1400" b="0" i="0" u="none" strike="noStrike">
+                        <a:solidFill>
+                          <a:srgbClr val="313131"/>
+                        </a:solidFill>
+                        <a:effectLst/>
+                        <a:latin typeface="Calibri" panose="020F0502020204030204" pitchFamily="34" charset="0"/>
+                      </a:endParaRPr>
+                    </a:p>
+                  </a:txBody>
+                  <a:tcPr marL="9525" marR="9525" marT="9525" anchor="b"/>
+                </a:tc>
+                <a:tc>
+                  <a:txBody>
+                    <a:bodyPr/>
+                    <a:lstStyle/>
+                    <a:p>
+                      <a:pPr algn="ctr" fontAlgn="b"/>
+                      <a:r>
+                        <a:rPr lang="en-US" sz="1400" u="none" strike="noStrike">
+                          <a:effectLst/>
+                        </a:rPr>
+                        <a:t>(a ^ b) = 49 (means 0011 0001)</a:t>
+                      </a:r>
+                      <a:endParaRPr lang="en-US" sz="1400" b="0" i="0" u="none" strike="noStrike">
+                        <a:solidFill>
+                          <a:srgbClr val="313131"/>
+                        </a:solidFill>
+                        <a:effectLst/>
+                        <a:latin typeface="Calibri" panose="020F0502020204030204" pitchFamily="34" charset="0"/>
+                      </a:endParaRPr>
+                    </a:p>
+                  </a:txBody>
+                  <a:tcPr marL="9525" marR="9525" marT="9525" anchor="b"/>
+                </a:tc>
+                <a:extLst>
+                  <a:ext uri="{0D108BD9-81ED-4DB2-BD59-A6C34878D82A}">
+                    <a16:rowId xmlns:a16="http://schemas.microsoft.com/office/drawing/2014/main" val="3670015425"/>
+                  </a:ext>
+                </a:extLst>
+              </a:tr>
+              <a:tr h="571500">
+                <a:tc>
+                  <a:txBody>
+                    <a:bodyPr/>
+                    <a:lstStyle/>
+                    <a:p>
+                      <a:pPr algn="ctr" fontAlgn="b"/>
+                      <a:r>
+                        <a:rPr lang="en-US" sz="1400" u="none" strike="noStrike">
+                          <a:effectLst/>
+                        </a:rPr>
+                        <a:t>~ Binary Ones Complement</a:t>
+                      </a:r>
+                      <a:endParaRPr lang="en-US" sz="1400" b="0" i="0" u="none" strike="noStrike">
+                        <a:solidFill>
+                          <a:srgbClr val="313131"/>
+                        </a:solidFill>
+                        <a:effectLst/>
+                        <a:latin typeface="Calibri" panose="020F0502020204030204" pitchFamily="34" charset="0"/>
+                      </a:endParaRPr>
+                    </a:p>
+                  </a:txBody>
+                  <a:tcPr marL="9525" marR="9525" marT="9525" anchor="b"/>
+                </a:tc>
+                <a:tc>
+                  <a:txBody>
+                    <a:bodyPr/>
+                    <a:lstStyle/>
+                    <a:p>
+                      <a:pPr algn="ctr" fontAlgn="b"/>
+                      <a:r>
+                        <a:rPr lang="en-US" sz="1400" u="none" strike="noStrike">
+                          <a:effectLst/>
+                        </a:rPr>
+                        <a:t>It is unary and has the effect of 'flipping' bits.</a:t>
+                      </a:r>
+                      <a:endParaRPr lang="en-US" sz="1400" b="0" i="0" u="none" strike="noStrike">
+                        <a:solidFill>
+                          <a:srgbClr val="313131"/>
+                        </a:solidFill>
+                        <a:effectLst/>
+                        <a:latin typeface="Calibri" panose="020F0502020204030204" pitchFamily="34" charset="0"/>
+                      </a:endParaRPr>
+                    </a:p>
+                  </a:txBody>
+                  <a:tcPr marL="9525" marR="9525" marT="9525" anchor="b"/>
+                </a:tc>
+                <a:tc>
+                  <a:txBody>
+                    <a:bodyPr/>
+                    <a:lstStyle/>
+                    <a:p>
+                      <a:pPr algn="ctr" fontAlgn="b"/>
+                      <a:r>
+                        <a:rPr lang="en-US" sz="1400" u="none" strike="noStrike">
+                          <a:effectLst/>
+                        </a:rPr>
+                        <a:t>(~a ) = -61 (means 1100 0011 in 2's complement form due to a signed binary number.</a:t>
+                      </a:r>
+                      <a:endParaRPr lang="en-US" sz="1400" b="0" i="0" u="none" strike="noStrike">
+                        <a:solidFill>
+                          <a:srgbClr val="313131"/>
+                        </a:solidFill>
+                        <a:effectLst/>
+                        <a:latin typeface="Calibri" panose="020F0502020204030204" pitchFamily="34" charset="0"/>
+                      </a:endParaRPr>
+                    </a:p>
+                  </a:txBody>
+                  <a:tcPr marL="9525" marR="9525" marT="9525" anchor="b"/>
+                </a:tc>
+                <a:extLst>
+                  <a:ext uri="{0D108BD9-81ED-4DB2-BD59-A6C34878D82A}">
+                    <a16:rowId xmlns:a16="http://schemas.microsoft.com/office/drawing/2014/main" val="749467304"/>
+                  </a:ext>
+                </a:extLst>
+              </a:tr>
+              <a:tr h="571500">
+                <a:tc>
+                  <a:txBody>
+                    <a:bodyPr/>
+                    <a:lstStyle/>
+                    <a:p>
+                      <a:pPr algn="ctr" fontAlgn="b"/>
+                      <a:r>
+                        <a:rPr lang="en-US" sz="1400" u="none" strike="noStrike">
+                          <a:effectLst/>
+                        </a:rPr>
+                        <a:t>&lt;&lt; Binary Left Shift</a:t>
+                      </a:r>
+                      <a:endParaRPr lang="en-US" sz="1400" b="0" i="0" u="none" strike="noStrike">
+                        <a:solidFill>
+                          <a:srgbClr val="313131"/>
+                        </a:solidFill>
+                        <a:effectLst/>
+                        <a:latin typeface="Calibri" panose="020F0502020204030204" pitchFamily="34" charset="0"/>
+                      </a:endParaRPr>
+                    </a:p>
+                  </a:txBody>
+                  <a:tcPr marL="9525" marR="9525" marT="9525" anchor="b"/>
+                </a:tc>
+                <a:tc>
+                  <a:txBody>
+                    <a:bodyPr/>
+                    <a:lstStyle/>
+                    <a:p>
+                      <a:pPr algn="ctr" fontAlgn="b"/>
+                      <a:r>
+                        <a:rPr lang="en-US" sz="1400" u="none" strike="noStrike">
+                          <a:effectLst/>
+                        </a:rPr>
+                        <a:t>The left operand's value is moved left by the number of bits specified by the right operand.</a:t>
+                      </a:r>
+                      <a:endParaRPr lang="en-US" sz="1400" b="0" i="0" u="none" strike="noStrike">
+                        <a:solidFill>
+                          <a:srgbClr val="313131"/>
+                        </a:solidFill>
+                        <a:effectLst/>
+                        <a:latin typeface="Calibri" panose="020F0502020204030204" pitchFamily="34" charset="0"/>
+                      </a:endParaRPr>
+                    </a:p>
+                  </a:txBody>
+                  <a:tcPr marL="9525" marR="9525" marT="9525" anchor="b"/>
+                </a:tc>
+                <a:tc>
+                  <a:txBody>
+                    <a:bodyPr/>
+                    <a:lstStyle/>
+                    <a:p>
+                      <a:pPr algn="ctr" fontAlgn="b"/>
+                      <a:r>
+                        <a:rPr lang="en-US" sz="1400" u="none" strike="noStrike">
+                          <a:effectLst/>
+                        </a:rPr>
+                        <a:t>a &lt;&lt; = 240 (means 1111 0000)</a:t>
+                      </a:r>
+                      <a:endParaRPr lang="en-US" sz="1400" b="0" i="0" u="none" strike="noStrike">
+                        <a:solidFill>
+                          <a:srgbClr val="313131"/>
+                        </a:solidFill>
+                        <a:effectLst/>
+                        <a:latin typeface="Calibri" panose="020F0502020204030204" pitchFamily="34" charset="0"/>
+                      </a:endParaRPr>
+                    </a:p>
+                  </a:txBody>
+                  <a:tcPr marL="9525" marR="9525" marT="9525" anchor="b"/>
+                </a:tc>
+                <a:extLst>
+                  <a:ext uri="{0D108BD9-81ED-4DB2-BD59-A6C34878D82A}">
+                    <a16:rowId xmlns:a16="http://schemas.microsoft.com/office/drawing/2014/main" val="1529378840"/>
+                  </a:ext>
+                </a:extLst>
+              </a:tr>
+              <a:tr h="571500">
+                <a:tc>
+                  <a:txBody>
+                    <a:bodyPr/>
+                    <a:lstStyle/>
+                    <a:p>
+                      <a:pPr algn="ctr" fontAlgn="b"/>
+                      <a:r>
+                        <a:rPr lang="en-US" sz="1400" u="none" strike="noStrike">
+                          <a:effectLst/>
+                        </a:rPr>
+                        <a:t>&gt;&gt; Binary Right Shift</a:t>
+                      </a:r>
+                      <a:endParaRPr lang="en-US" sz="1400" b="0" i="0" u="none" strike="noStrike">
+                        <a:solidFill>
+                          <a:srgbClr val="313131"/>
+                        </a:solidFill>
+                        <a:effectLst/>
+                        <a:latin typeface="Calibri" panose="020F0502020204030204" pitchFamily="34" charset="0"/>
+                      </a:endParaRPr>
+                    </a:p>
+                  </a:txBody>
+                  <a:tcPr marL="9525" marR="9525" marT="9525" anchor="b"/>
+                </a:tc>
+                <a:tc>
+                  <a:txBody>
+                    <a:bodyPr/>
+                    <a:lstStyle/>
+                    <a:p>
+                      <a:pPr algn="ctr" fontAlgn="b"/>
+                      <a:r>
+                        <a:rPr lang="en-US" sz="1400" u="none" strike="noStrike">
+                          <a:effectLst/>
+                        </a:rPr>
+                        <a:t>The left operand's value is moved right by the number of bits specified by the right operand.</a:t>
+                      </a:r>
+                      <a:endParaRPr lang="en-US" sz="1400" b="0" i="0" u="none" strike="noStrike">
+                        <a:solidFill>
+                          <a:srgbClr val="313131"/>
+                        </a:solidFill>
+                        <a:effectLst/>
+                        <a:latin typeface="Calibri" panose="020F0502020204030204" pitchFamily="34" charset="0"/>
+                      </a:endParaRPr>
+                    </a:p>
+                  </a:txBody>
+                  <a:tcPr marL="9525" marR="9525" marT="9525" anchor="b"/>
+                </a:tc>
+                <a:tc>
+                  <a:txBody>
+                    <a:bodyPr/>
+                    <a:lstStyle/>
+                    <a:p>
+                      <a:pPr algn="ctr" fontAlgn="b"/>
+                      <a:r>
+                        <a:rPr lang="en-US" sz="1400" u="none" strike="noStrike" dirty="0">
+                          <a:effectLst/>
+                        </a:rPr>
+                        <a:t>a &gt;&gt; = 15 (means 0000 1111)</a:t>
+                      </a:r>
+                      <a:endParaRPr lang="en-US" sz="1400" b="0" i="0" u="none" strike="noStrike" dirty="0">
+                        <a:solidFill>
+                          <a:srgbClr val="313131"/>
+                        </a:solidFill>
+                        <a:effectLst/>
+                        <a:latin typeface="Calibri" panose="020F0502020204030204" pitchFamily="34" charset="0"/>
+                      </a:endParaRPr>
+                    </a:p>
+                  </a:txBody>
+                  <a:tcPr marL="9525" marR="9525" marT="9525" anchor="b"/>
+                </a:tc>
+                <a:extLst>
+                  <a:ext uri="{0D108BD9-81ED-4DB2-BD59-A6C34878D82A}">
+                    <a16:rowId xmlns:a16="http://schemas.microsoft.com/office/drawing/2014/main" val="3787403932"/>
+                  </a:ext>
+                </a:extLst>
+              </a:tr>
+            </a:tbl>
+          </a:graphicData>
+        </a:graphic>
+      </p:graphicFrame>
+    </p:spTree>
+    <p:extLst>
+      <p:ext uri="{BB962C8B-B14F-4D97-AF65-F5344CB8AC3E}">
+        <p14:creationId xmlns:p14="http://schemas.microsoft.com/office/powerpoint/2010/main" val="1566406740"/>
+      </p:ext>
+    </p:extLst>
+  </p:cSld>
+  <p:clrMapOvr>
+    <a:masterClrMapping/>
+  </p:clrMapOvr>
+</p:sld>
+</file>
+
+<file path=ppt/slides/slide31.xml><?xml version="1.0" encoding="utf-8"?>
+<p:sld xmlns:a="http://schemas.openxmlformats.org/drawingml/2006/main" xmlns:r="http://schemas.openxmlformats.org/officeDocument/2006/relationships" xmlns:p="http://schemas.openxmlformats.org/presentationml/2006/main">
+  <p:cSld>
+    <p:spTree>
+      <p:nvGrpSpPr>
+        <p:cNvPr id="1" name=""/>
+        <p:cNvGrpSpPr/>
+        <p:nvPr/>
+      </p:nvGrpSpPr>
+      <p:grpSpPr>
+        <a:xfrm>
+          <a:off x="0" y="0"/>
+          <a:ext cx="0" cy="0"/>
+          <a:chOff x="0" y="0"/>
+          <a:chExt cx="0" cy="0"/>
+        </a:xfrm>
+      </p:grpSpPr>
+      <p:sp>
+        <p:nvSpPr>
+          <p:cNvPr id="2" name="Title 1">
+            <a:extLst>
+              <a:ext uri="{FF2B5EF4-FFF2-40B4-BE49-F238E27FC236}">
+                <a16:creationId xmlns:a16="http://schemas.microsoft.com/office/drawing/2014/main" id="{F8FA7A2F-6FFC-4E36-ABA5-E27CB60E6629}"/>
+              </a:ext>
+            </a:extLst>
+          </p:cNvPr>
+          <p:cNvSpPr>
+            <a:spLocks noGrp="1"/>
+          </p:cNvSpPr>
+          <p:nvPr>
+            <p:ph type="title"/>
+          </p:nvPr>
+        </p:nvSpPr>
+        <p:spPr/>
+        <p:txBody>
+          <a:bodyPr/>
+          <a:lstStyle/>
+          <a:p>
+            <a:r>
+              <a:rPr lang="en-US" dirty="0"/>
+              <a:t>Python Logical Operators</a:t>
+            </a:r>
+          </a:p>
+        </p:txBody>
+      </p:sp>
+      <p:graphicFrame>
+        <p:nvGraphicFramePr>
+          <p:cNvPr id="4" name="Content Placeholder 3">
+            <a:extLst>
+              <a:ext uri="{FF2B5EF4-FFF2-40B4-BE49-F238E27FC236}">
+                <a16:creationId xmlns:a16="http://schemas.microsoft.com/office/drawing/2014/main" id="{160E43E2-146F-46BF-81AE-7B8DFABD8F9E}"/>
+              </a:ext>
+            </a:extLst>
+          </p:cNvPr>
+          <p:cNvGraphicFramePr>
+            <a:graphicFrameLocks noGrp="1"/>
+          </p:cNvGraphicFramePr>
+          <p:nvPr>
+            <p:ph idx="1"/>
+            <p:extLst>
+              <p:ext uri="{D42A27DB-BD31-4B8C-83A1-F6EECF244321}">
+                <p14:modId xmlns:p14="http://schemas.microsoft.com/office/powerpoint/2010/main" val="1312315017"/>
+              </p:ext>
+            </p:extLst>
+          </p:nvPr>
+        </p:nvGraphicFramePr>
+        <p:xfrm>
+          <a:off x="2240577" y="2142756"/>
+          <a:ext cx="6591300" cy="2415540"/>
+        </p:xfrm>
+        <a:graphic>
+          <a:graphicData uri="http://schemas.openxmlformats.org/drawingml/2006/table">
+            <a:tbl>
+              <a:tblPr>
+                <a:tableStyleId>{5C22544A-7EE6-4342-B048-85BDC9FD1C3A}</a:tableStyleId>
+              </a:tblPr>
+              <a:tblGrid>
+                <a:gridCol w="1714500">
+                  <a:extLst>
+                    <a:ext uri="{9D8B030D-6E8A-4147-A177-3AD203B41FA5}">
+                      <a16:colId xmlns:a16="http://schemas.microsoft.com/office/drawing/2014/main" val="1931085444"/>
+                    </a:ext>
+                  </a:extLst>
+                </a:gridCol>
+                <a:gridCol w="2438400">
+                  <a:extLst>
+                    <a:ext uri="{9D8B030D-6E8A-4147-A177-3AD203B41FA5}">
+                      <a16:colId xmlns:a16="http://schemas.microsoft.com/office/drawing/2014/main" val="1132238178"/>
+                    </a:ext>
+                  </a:extLst>
+                </a:gridCol>
+                <a:gridCol w="2438400">
+                  <a:extLst>
+                    <a:ext uri="{9D8B030D-6E8A-4147-A177-3AD203B41FA5}">
+                      <a16:colId xmlns:a16="http://schemas.microsoft.com/office/drawing/2014/main" val="3618769843"/>
+                    </a:ext>
+                  </a:extLst>
+                </a:gridCol>
+              </a:tblGrid>
+              <a:tr h="190500">
+                <a:tc>
+                  <a:txBody>
+                    <a:bodyPr/>
+                    <a:lstStyle/>
+                    <a:p>
+                      <a:pPr algn="ctr" fontAlgn="b"/>
+                      <a:r>
+                        <a:rPr lang="en-US" sz="1600" u="none" strike="noStrike" dirty="0">
+                          <a:effectLst/>
+                        </a:rPr>
+                        <a:t>Operator</a:t>
+                      </a:r>
+                      <a:endParaRPr lang="en-US" sz="1600" b="1" i="0" u="none" strike="noStrike" dirty="0">
+                        <a:solidFill>
+                          <a:srgbClr val="313131"/>
+                        </a:solidFill>
+                        <a:effectLst/>
+                        <a:latin typeface="Calibri" panose="020F0502020204030204" pitchFamily="34" charset="0"/>
+                      </a:endParaRPr>
+                    </a:p>
+                  </a:txBody>
+                  <a:tcPr marL="9525" marR="9525" marT="9525" anchor="b">
+                    <a:solidFill>
+                      <a:schemeClr val="bg1">
+                        <a:lumMod val="85000"/>
+                      </a:schemeClr>
+                    </a:solidFill>
+                  </a:tcPr>
+                </a:tc>
+                <a:tc>
+                  <a:txBody>
+                    <a:bodyPr/>
+                    <a:lstStyle/>
+                    <a:p>
+                      <a:pPr algn="ctr" fontAlgn="b"/>
+                      <a:r>
+                        <a:rPr lang="en-US" sz="1600" u="none" strike="noStrike" dirty="0">
+                          <a:effectLst/>
+                        </a:rPr>
+                        <a:t>Description</a:t>
+                      </a:r>
+                      <a:endParaRPr lang="en-US" sz="1600" b="1" i="0" u="none" strike="noStrike" dirty="0">
+                        <a:solidFill>
+                          <a:srgbClr val="313131"/>
+                        </a:solidFill>
+                        <a:effectLst/>
+                        <a:latin typeface="Calibri" panose="020F0502020204030204" pitchFamily="34" charset="0"/>
+                      </a:endParaRPr>
+                    </a:p>
+                  </a:txBody>
+                  <a:tcPr marL="9525" marR="9525" marT="9525" anchor="b">
+                    <a:solidFill>
+                      <a:schemeClr val="bg1">
+                        <a:lumMod val="85000"/>
+                      </a:schemeClr>
+                    </a:solidFill>
+                  </a:tcPr>
+                </a:tc>
+                <a:tc>
+                  <a:txBody>
+                    <a:bodyPr/>
+                    <a:lstStyle/>
+                    <a:p>
+                      <a:pPr algn="ctr" fontAlgn="b"/>
+                      <a:r>
+                        <a:rPr lang="en-US" sz="1600" u="none" strike="noStrike" dirty="0">
+                          <a:effectLst/>
+                        </a:rPr>
+                        <a:t>Example</a:t>
+                      </a:r>
+                      <a:endParaRPr lang="en-US" sz="1600" b="1" i="0" u="none" strike="noStrike" dirty="0">
+                        <a:solidFill>
+                          <a:srgbClr val="313131"/>
+                        </a:solidFill>
+                        <a:effectLst/>
+                        <a:latin typeface="Calibri" panose="020F0502020204030204" pitchFamily="34" charset="0"/>
+                      </a:endParaRPr>
+                    </a:p>
+                  </a:txBody>
+                  <a:tcPr marL="9525" marR="9525" marT="9525" anchor="b">
+                    <a:solidFill>
+                      <a:schemeClr val="bg1">
+                        <a:lumMod val="85000"/>
+                      </a:schemeClr>
+                    </a:solidFill>
+                  </a:tcPr>
+                </a:tc>
+                <a:extLst>
+                  <a:ext uri="{0D108BD9-81ED-4DB2-BD59-A6C34878D82A}">
+                    <a16:rowId xmlns:a16="http://schemas.microsoft.com/office/drawing/2014/main" val="1589433745"/>
+                  </a:ext>
+                </a:extLst>
+              </a:tr>
+              <a:tr h="381000">
+                <a:tc>
+                  <a:txBody>
+                    <a:bodyPr/>
+                    <a:lstStyle/>
+                    <a:p>
+                      <a:pPr algn="ctr" fontAlgn="b"/>
+                      <a:r>
+                        <a:rPr lang="en-US" sz="1600" u="none" strike="noStrike">
+                          <a:effectLst/>
+                        </a:rPr>
+                        <a:t>and Logical AND</a:t>
+                      </a:r>
+                      <a:endParaRPr lang="en-US" sz="1600" b="0" i="0" u="none" strike="noStrike">
+                        <a:solidFill>
+                          <a:srgbClr val="313131"/>
+                        </a:solidFill>
+                        <a:effectLst/>
+                        <a:latin typeface="Calibri" panose="020F0502020204030204" pitchFamily="34" charset="0"/>
+                      </a:endParaRPr>
+                    </a:p>
+                  </a:txBody>
+                  <a:tcPr marL="9525" marR="9525" marT="9525" anchor="b"/>
+                </a:tc>
+                <a:tc>
+                  <a:txBody>
+                    <a:bodyPr/>
+                    <a:lstStyle/>
+                    <a:p>
+                      <a:pPr algn="ctr" fontAlgn="b"/>
+                      <a:r>
+                        <a:rPr lang="en-US" sz="1600" u="none" strike="noStrike" dirty="0">
+                          <a:effectLst/>
+                        </a:rPr>
+                        <a:t>If both the operands are true then condition becomes true.</a:t>
+                      </a:r>
+                      <a:endParaRPr lang="en-US" sz="1600" b="0" i="0" u="none" strike="noStrike" dirty="0">
+                        <a:solidFill>
+                          <a:srgbClr val="313131"/>
+                        </a:solidFill>
+                        <a:effectLst/>
+                        <a:latin typeface="Calibri" panose="020F0502020204030204" pitchFamily="34" charset="0"/>
+                      </a:endParaRPr>
+                    </a:p>
+                  </a:txBody>
+                  <a:tcPr marL="9525" marR="9525" marT="9525" anchor="b"/>
+                </a:tc>
+                <a:tc>
+                  <a:txBody>
+                    <a:bodyPr/>
+                    <a:lstStyle/>
+                    <a:p>
+                      <a:pPr algn="ctr" fontAlgn="b"/>
+                      <a:r>
+                        <a:rPr lang="en-US" sz="1600" u="none" strike="noStrike">
+                          <a:effectLst/>
+                        </a:rPr>
+                        <a:t>(a and b) is False.</a:t>
+                      </a:r>
+                      <a:endParaRPr lang="en-US" sz="1600" b="0" i="0" u="none" strike="noStrike">
+                        <a:solidFill>
+                          <a:srgbClr val="313131"/>
+                        </a:solidFill>
+                        <a:effectLst/>
+                        <a:latin typeface="Calibri" panose="020F0502020204030204" pitchFamily="34" charset="0"/>
+                      </a:endParaRPr>
+                    </a:p>
+                  </a:txBody>
+                  <a:tcPr marL="9525" marR="9525" marT="9525" anchor="b"/>
+                </a:tc>
+                <a:extLst>
+                  <a:ext uri="{0D108BD9-81ED-4DB2-BD59-A6C34878D82A}">
+                    <a16:rowId xmlns:a16="http://schemas.microsoft.com/office/drawing/2014/main" val="1858071873"/>
+                  </a:ext>
+                </a:extLst>
+              </a:tr>
+              <a:tr h="381000">
+                <a:tc>
+                  <a:txBody>
+                    <a:bodyPr/>
+                    <a:lstStyle/>
+                    <a:p>
+                      <a:pPr algn="ctr" fontAlgn="b"/>
+                      <a:r>
+                        <a:rPr lang="en-US" sz="1600" u="none" strike="noStrike">
+                          <a:effectLst/>
+                        </a:rPr>
+                        <a:t>or Logical OR</a:t>
+                      </a:r>
+                      <a:endParaRPr lang="en-US" sz="1600" b="0" i="0" u="none" strike="noStrike">
+                        <a:solidFill>
+                          <a:srgbClr val="313131"/>
+                        </a:solidFill>
+                        <a:effectLst/>
+                        <a:latin typeface="Calibri" panose="020F0502020204030204" pitchFamily="34" charset="0"/>
+                      </a:endParaRPr>
+                    </a:p>
+                  </a:txBody>
+                  <a:tcPr marL="9525" marR="9525" marT="9525" anchor="b"/>
+                </a:tc>
+                <a:tc>
+                  <a:txBody>
+                    <a:bodyPr/>
+                    <a:lstStyle/>
+                    <a:p>
+                      <a:pPr algn="ctr" fontAlgn="b"/>
+                      <a:r>
+                        <a:rPr lang="en-US" sz="1600" u="none" strike="noStrike" dirty="0">
+                          <a:effectLst/>
+                        </a:rPr>
+                        <a:t>If any of the two operands are non-zero then condition becomes true.</a:t>
+                      </a:r>
+                      <a:endParaRPr lang="en-US" sz="1600" b="0" i="0" u="none" strike="noStrike" dirty="0">
+                        <a:solidFill>
+                          <a:srgbClr val="313131"/>
+                        </a:solidFill>
+                        <a:effectLst/>
+                        <a:latin typeface="Calibri" panose="020F0502020204030204" pitchFamily="34" charset="0"/>
+                      </a:endParaRPr>
+                    </a:p>
+                  </a:txBody>
+                  <a:tcPr marL="9525" marR="9525" marT="9525" anchor="b"/>
+                </a:tc>
+                <a:tc>
+                  <a:txBody>
+                    <a:bodyPr/>
+                    <a:lstStyle/>
+                    <a:p>
+                      <a:pPr algn="ctr" fontAlgn="b"/>
+                      <a:r>
+                        <a:rPr lang="en-US" sz="1600" u="none" strike="noStrike">
+                          <a:effectLst/>
+                        </a:rPr>
+                        <a:t>(a or b) is True.</a:t>
+                      </a:r>
+                      <a:endParaRPr lang="en-US" sz="1600" b="0" i="0" u="none" strike="noStrike">
+                        <a:solidFill>
+                          <a:srgbClr val="313131"/>
+                        </a:solidFill>
+                        <a:effectLst/>
+                        <a:latin typeface="Calibri" panose="020F0502020204030204" pitchFamily="34" charset="0"/>
+                      </a:endParaRPr>
+                    </a:p>
+                  </a:txBody>
+                  <a:tcPr marL="9525" marR="9525" marT="9525" anchor="b"/>
+                </a:tc>
+                <a:extLst>
+                  <a:ext uri="{0D108BD9-81ED-4DB2-BD59-A6C34878D82A}">
+                    <a16:rowId xmlns:a16="http://schemas.microsoft.com/office/drawing/2014/main" val="2716917766"/>
+                  </a:ext>
+                </a:extLst>
+              </a:tr>
+              <a:tr h="381000">
+                <a:tc>
+                  <a:txBody>
+                    <a:bodyPr/>
+                    <a:lstStyle/>
+                    <a:p>
+                      <a:pPr algn="ctr" fontAlgn="b"/>
+                      <a:r>
+                        <a:rPr lang="en-US" sz="1600" u="none" strike="noStrike">
+                          <a:effectLst/>
+                        </a:rPr>
+                        <a:t>not Logical NOT</a:t>
+                      </a:r>
+                      <a:endParaRPr lang="en-US" sz="1600" b="0" i="0" u="none" strike="noStrike">
+                        <a:solidFill>
+                          <a:srgbClr val="313131"/>
+                        </a:solidFill>
+                        <a:effectLst/>
+                        <a:latin typeface="Calibri" panose="020F0502020204030204" pitchFamily="34" charset="0"/>
+                      </a:endParaRPr>
+                    </a:p>
+                  </a:txBody>
+                  <a:tcPr marL="9525" marR="9525" marT="9525" anchor="b"/>
+                </a:tc>
+                <a:tc>
+                  <a:txBody>
+                    <a:bodyPr/>
+                    <a:lstStyle/>
+                    <a:p>
+                      <a:pPr algn="ctr" fontAlgn="b"/>
+                      <a:r>
+                        <a:rPr lang="en-US" sz="1600" u="none" strike="noStrike">
+                          <a:effectLst/>
+                        </a:rPr>
+                        <a:t>Used to reverse the logical state of its operand.</a:t>
+                      </a:r>
+                      <a:endParaRPr lang="en-US" sz="1600" b="0" i="0" u="none" strike="noStrike">
+                        <a:solidFill>
+                          <a:srgbClr val="313131"/>
+                        </a:solidFill>
+                        <a:effectLst/>
+                        <a:latin typeface="Calibri" panose="020F0502020204030204" pitchFamily="34" charset="0"/>
+                      </a:endParaRPr>
+                    </a:p>
+                  </a:txBody>
+                  <a:tcPr marL="9525" marR="9525" marT="9525" anchor="b"/>
+                </a:tc>
+                <a:tc>
+                  <a:txBody>
+                    <a:bodyPr/>
+                    <a:lstStyle/>
+                    <a:p>
+                      <a:pPr algn="ctr" fontAlgn="b"/>
+                      <a:r>
+                        <a:rPr lang="en-US" sz="1600" u="none" strike="noStrike" dirty="0">
+                          <a:effectLst/>
+                        </a:rPr>
+                        <a:t>Not(a and b) is True.</a:t>
+                      </a:r>
+                      <a:endParaRPr lang="en-US" sz="1600" b="0" i="0" u="none" strike="noStrike" dirty="0">
+                        <a:solidFill>
+                          <a:srgbClr val="313131"/>
+                        </a:solidFill>
+                        <a:effectLst/>
+                        <a:latin typeface="Calibri" panose="020F0502020204030204" pitchFamily="34" charset="0"/>
+                      </a:endParaRPr>
+                    </a:p>
+                  </a:txBody>
+                  <a:tcPr marL="9525" marR="9525" marT="9525" anchor="b"/>
+                </a:tc>
+                <a:extLst>
+                  <a:ext uri="{0D108BD9-81ED-4DB2-BD59-A6C34878D82A}">
+                    <a16:rowId xmlns:a16="http://schemas.microsoft.com/office/drawing/2014/main" val="3733906251"/>
+                  </a:ext>
+                </a:extLst>
+              </a:tr>
+            </a:tbl>
+          </a:graphicData>
+        </a:graphic>
+      </p:graphicFrame>
+    </p:spTree>
+    <p:extLst>
+      <p:ext uri="{BB962C8B-B14F-4D97-AF65-F5344CB8AC3E}">
+        <p14:creationId xmlns:p14="http://schemas.microsoft.com/office/powerpoint/2010/main" val="318397213"/>
+      </p:ext>
+    </p:extLst>
+  </p:cSld>
+  <p:clrMapOvr>
+    <a:masterClrMapping/>
+  </p:clrMapOvr>
+</p:sld>
+</file>
+
+<file path=ppt/slides/slide32.xml><?xml version="1.0" encoding="utf-8"?>
+<p:sld xmlns:a="http://schemas.openxmlformats.org/drawingml/2006/main" xmlns:r="http://schemas.openxmlformats.org/officeDocument/2006/relationships" xmlns:p="http://schemas.openxmlformats.org/presentationml/2006/main">
+  <p:cSld>
+    <p:spTree>
+      <p:nvGrpSpPr>
+        <p:cNvPr id="1" name=""/>
+        <p:cNvGrpSpPr/>
+        <p:nvPr/>
+      </p:nvGrpSpPr>
+      <p:grpSpPr>
+        <a:xfrm>
+          <a:off x="0" y="0"/>
+          <a:ext cx="0" cy="0"/>
+          <a:chOff x="0" y="0"/>
+          <a:chExt cx="0" cy="0"/>
+        </a:xfrm>
+      </p:grpSpPr>
+      <p:sp>
+        <p:nvSpPr>
+          <p:cNvPr id="2" name="Title 1">
+            <a:extLst>
+              <a:ext uri="{FF2B5EF4-FFF2-40B4-BE49-F238E27FC236}">
+                <a16:creationId xmlns:a16="http://schemas.microsoft.com/office/drawing/2014/main" id="{F5997B3F-6C17-42B4-8DF0-01DDE89351D7}"/>
+              </a:ext>
+            </a:extLst>
+          </p:cNvPr>
+          <p:cNvSpPr>
+            <a:spLocks noGrp="1"/>
+          </p:cNvSpPr>
+          <p:nvPr>
+            <p:ph type="title"/>
+          </p:nvPr>
+        </p:nvSpPr>
+        <p:spPr/>
+        <p:txBody>
+          <a:bodyPr/>
+          <a:lstStyle/>
+          <a:p>
+            <a:r>
+              <a:rPr lang="en-US" dirty="0"/>
+              <a:t>Python Membership Operators</a:t>
+            </a:r>
+          </a:p>
+        </p:txBody>
+      </p:sp>
+      <p:graphicFrame>
+        <p:nvGraphicFramePr>
+          <p:cNvPr id="4" name="Content Placeholder 3">
+            <a:extLst>
+              <a:ext uri="{FF2B5EF4-FFF2-40B4-BE49-F238E27FC236}">
+                <a16:creationId xmlns:a16="http://schemas.microsoft.com/office/drawing/2014/main" id="{BAC01301-BA13-44F3-A9AC-19B831761527}"/>
+              </a:ext>
+            </a:extLst>
+          </p:cNvPr>
+          <p:cNvGraphicFramePr>
+            <a:graphicFrameLocks noGrp="1"/>
+          </p:cNvGraphicFramePr>
+          <p:nvPr>
+            <p:ph idx="1"/>
+            <p:extLst>
+              <p:ext uri="{D42A27DB-BD31-4B8C-83A1-F6EECF244321}">
+                <p14:modId xmlns:p14="http://schemas.microsoft.com/office/powerpoint/2010/main" val="450671985"/>
+              </p:ext>
+            </p:extLst>
+          </p:nvPr>
+        </p:nvGraphicFramePr>
+        <p:xfrm>
+          <a:off x="2824163" y="3174683"/>
+          <a:ext cx="6604000" cy="1659255"/>
+        </p:xfrm>
+        <a:graphic>
+          <a:graphicData uri="http://schemas.openxmlformats.org/drawingml/2006/table">
+            <a:tbl>
+              <a:tblPr>
+                <a:tableStyleId>{5C22544A-7EE6-4342-B048-85BDC9FD1C3A}</a:tableStyleId>
+              </a:tblPr>
+              <a:tblGrid>
+                <a:gridCol w="1727200">
+                  <a:extLst>
+                    <a:ext uri="{9D8B030D-6E8A-4147-A177-3AD203B41FA5}">
+                      <a16:colId xmlns:a16="http://schemas.microsoft.com/office/drawing/2014/main" val="2375822161"/>
+                    </a:ext>
+                  </a:extLst>
+                </a:gridCol>
+                <a:gridCol w="2438400">
+                  <a:extLst>
+                    <a:ext uri="{9D8B030D-6E8A-4147-A177-3AD203B41FA5}">
+                      <a16:colId xmlns:a16="http://schemas.microsoft.com/office/drawing/2014/main" val="491536009"/>
+                    </a:ext>
+                  </a:extLst>
+                </a:gridCol>
+                <a:gridCol w="2438400">
+                  <a:extLst>
+                    <a:ext uri="{9D8B030D-6E8A-4147-A177-3AD203B41FA5}">
+                      <a16:colId xmlns:a16="http://schemas.microsoft.com/office/drawing/2014/main" val="1610787039"/>
+                    </a:ext>
+                  </a:extLst>
+                </a:gridCol>
+              </a:tblGrid>
+              <a:tr h="190500">
+                <a:tc>
+                  <a:txBody>
+                    <a:bodyPr/>
+                    <a:lstStyle/>
+                    <a:p>
+                      <a:pPr algn="ctr" fontAlgn="b"/>
+                      <a:r>
+                        <a:rPr lang="en-US" sz="1400" b="1" u="none" strike="noStrike" dirty="0">
+                          <a:effectLst/>
+                        </a:rPr>
+                        <a:t>Operator</a:t>
+                      </a:r>
+                      <a:endParaRPr lang="en-US" sz="1400" b="1" i="0" u="none" strike="noStrike" dirty="0">
+                        <a:solidFill>
+                          <a:srgbClr val="313131"/>
+                        </a:solidFill>
+                        <a:effectLst/>
+                        <a:latin typeface="Calibri" panose="020F0502020204030204" pitchFamily="34" charset="0"/>
+                      </a:endParaRPr>
+                    </a:p>
+                  </a:txBody>
+                  <a:tcPr marL="9525" marR="9525" marT="9525" anchor="b">
+                    <a:solidFill>
+                      <a:schemeClr val="bg1">
+                        <a:lumMod val="85000"/>
+                      </a:schemeClr>
+                    </a:solidFill>
+                  </a:tcPr>
+                </a:tc>
+                <a:tc>
+                  <a:txBody>
+                    <a:bodyPr/>
+                    <a:lstStyle/>
+                    <a:p>
+                      <a:pPr algn="ctr" fontAlgn="b"/>
+                      <a:r>
+                        <a:rPr lang="en-US" sz="1400" b="1" u="none" strike="noStrike" dirty="0">
+                          <a:effectLst/>
+                        </a:rPr>
+                        <a:t>Description</a:t>
+                      </a:r>
+                      <a:endParaRPr lang="en-US" sz="1400" b="1" i="0" u="none" strike="noStrike" dirty="0">
+                        <a:solidFill>
+                          <a:srgbClr val="313131"/>
+                        </a:solidFill>
+                        <a:effectLst/>
+                        <a:latin typeface="Calibri" panose="020F0502020204030204" pitchFamily="34" charset="0"/>
+                      </a:endParaRPr>
+                    </a:p>
+                  </a:txBody>
+                  <a:tcPr marL="9525" marR="9525" marT="9525" anchor="b">
+                    <a:solidFill>
+                      <a:schemeClr val="bg1">
+                        <a:lumMod val="85000"/>
+                      </a:schemeClr>
+                    </a:solidFill>
+                  </a:tcPr>
+                </a:tc>
+                <a:tc>
+                  <a:txBody>
+                    <a:bodyPr/>
+                    <a:lstStyle/>
+                    <a:p>
+                      <a:pPr algn="ctr" fontAlgn="b"/>
+                      <a:r>
+                        <a:rPr lang="en-US" sz="1400" b="1" u="none" strike="noStrike" dirty="0">
+                          <a:effectLst/>
+                        </a:rPr>
+                        <a:t>Example</a:t>
+                      </a:r>
+                      <a:endParaRPr lang="en-US" sz="1400" b="1" i="0" u="none" strike="noStrike" dirty="0">
+                        <a:solidFill>
+                          <a:srgbClr val="313131"/>
+                        </a:solidFill>
+                        <a:effectLst/>
+                        <a:latin typeface="Calibri" panose="020F0502020204030204" pitchFamily="34" charset="0"/>
+                      </a:endParaRPr>
+                    </a:p>
+                  </a:txBody>
+                  <a:tcPr marL="9525" marR="9525" marT="9525" anchor="b">
+                    <a:solidFill>
+                      <a:schemeClr val="bg1">
+                        <a:lumMod val="85000"/>
+                      </a:schemeClr>
+                    </a:solidFill>
+                  </a:tcPr>
+                </a:tc>
+                <a:extLst>
+                  <a:ext uri="{0D108BD9-81ED-4DB2-BD59-A6C34878D82A}">
+                    <a16:rowId xmlns:a16="http://schemas.microsoft.com/office/drawing/2014/main" val="1216404982"/>
+                  </a:ext>
+                </a:extLst>
+              </a:tr>
+              <a:tr h="571500">
+                <a:tc>
+                  <a:txBody>
+                    <a:bodyPr/>
+                    <a:lstStyle/>
+                    <a:p>
+                      <a:pPr algn="ctr" fontAlgn="b"/>
+                      <a:r>
+                        <a:rPr lang="en-US" sz="1400" u="none" strike="noStrike" dirty="0">
+                          <a:effectLst/>
+                        </a:rPr>
+                        <a:t>in</a:t>
+                      </a:r>
+                      <a:endParaRPr lang="en-US" sz="1400" b="0" i="0" u="none" strike="noStrike" dirty="0">
+                        <a:solidFill>
+                          <a:srgbClr val="313131"/>
+                        </a:solidFill>
+                        <a:effectLst/>
+                        <a:latin typeface="Calibri" panose="020F0502020204030204" pitchFamily="34" charset="0"/>
+                      </a:endParaRPr>
+                    </a:p>
+                  </a:txBody>
+                  <a:tcPr marL="9525" marR="9525" marT="9525" anchor="b"/>
+                </a:tc>
+                <a:tc>
+                  <a:txBody>
+                    <a:bodyPr/>
+                    <a:lstStyle/>
+                    <a:p>
+                      <a:pPr algn="ctr" fontAlgn="b"/>
+                      <a:r>
+                        <a:rPr lang="en-US" sz="1400" u="none" strike="noStrike" dirty="0">
+                          <a:effectLst/>
+                        </a:rPr>
+                        <a:t>Evaluates to true if it finds a variable in the specified sequence and false otherwise.</a:t>
+                      </a:r>
+                      <a:endParaRPr lang="en-US" sz="1400" b="0" i="0" u="none" strike="noStrike" dirty="0">
+                        <a:solidFill>
+                          <a:srgbClr val="313131"/>
+                        </a:solidFill>
+                        <a:effectLst/>
+                        <a:latin typeface="Calibri" panose="020F0502020204030204" pitchFamily="34" charset="0"/>
+                      </a:endParaRPr>
+                    </a:p>
+                  </a:txBody>
+                  <a:tcPr marL="9525" marR="9525" marT="9525" anchor="b"/>
+                </a:tc>
+                <a:tc>
+                  <a:txBody>
+                    <a:bodyPr/>
+                    <a:lstStyle/>
+                    <a:p>
+                      <a:pPr algn="ctr" fontAlgn="b"/>
+                      <a:r>
+                        <a:rPr lang="en-US" sz="1400" u="none" strike="noStrike">
+                          <a:effectLst/>
+                        </a:rPr>
+                        <a:t>x in y, here in results in a 1 if x is a member of sequence y.</a:t>
+                      </a:r>
+                      <a:endParaRPr lang="en-US" sz="1400" b="0" i="0" u="none" strike="noStrike">
+                        <a:solidFill>
+                          <a:srgbClr val="313131"/>
+                        </a:solidFill>
+                        <a:effectLst/>
+                        <a:latin typeface="Calibri" panose="020F0502020204030204" pitchFamily="34" charset="0"/>
+                      </a:endParaRPr>
+                    </a:p>
+                  </a:txBody>
+                  <a:tcPr marL="9525" marR="9525" marT="9525" anchor="b"/>
+                </a:tc>
+                <a:extLst>
+                  <a:ext uri="{0D108BD9-81ED-4DB2-BD59-A6C34878D82A}">
+                    <a16:rowId xmlns:a16="http://schemas.microsoft.com/office/drawing/2014/main" val="513695552"/>
+                  </a:ext>
+                </a:extLst>
+              </a:tr>
+              <a:tr h="571500">
+                <a:tc>
+                  <a:txBody>
+                    <a:bodyPr/>
+                    <a:lstStyle/>
+                    <a:p>
+                      <a:pPr algn="ctr" fontAlgn="b"/>
+                      <a:r>
+                        <a:rPr lang="en-US" sz="1400" u="none" strike="noStrike">
+                          <a:effectLst/>
+                        </a:rPr>
+                        <a:t>not in</a:t>
+                      </a:r>
+                      <a:endParaRPr lang="en-US" sz="1400" b="0" i="0" u="none" strike="noStrike">
+                        <a:solidFill>
+                          <a:srgbClr val="313131"/>
+                        </a:solidFill>
+                        <a:effectLst/>
+                        <a:latin typeface="Calibri" panose="020F0502020204030204" pitchFamily="34" charset="0"/>
+                      </a:endParaRPr>
+                    </a:p>
+                  </a:txBody>
+                  <a:tcPr marL="9525" marR="9525" marT="9525" anchor="b"/>
+                </a:tc>
+                <a:tc>
+                  <a:txBody>
+                    <a:bodyPr/>
+                    <a:lstStyle/>
+                    <a:p>
+                      <a:pPr algn="ctr" fontAlgn="b"/>
+                      <a:r>
+                        <a:rPr lang="en-US" sz="1400" u="none" strike="noStrike">
+                          <a:effectLst/>
+                        </a:rPr>
+                        <a:t>Evaluates to true if it does not finds a variable in the specified sequence and false otherwise.</a:t>
+                      </a:r>
+                      <a:endParaRPr lang="en-US" sz="1400" b="0" i="0" u="none" strike="noStrike">
+                        <a:solidFill>
+                          <a:srgbClr val="313131"/>
+                        </a:solidFill>
+                        <a:effectLst/>
+                        <a:latin typeface="Calibri" panose="020F0502020204030204" pitchFamily="34" charset="0"/>
+                      </a:endParaRPr>
+                    </a:p>
+                  </a:txBody>
+                  <a:tcPr marL="9525" marR="9525" marT="9525" anchor="b"/>
+                </a:tc>
+                <a:tc>
+                  <a:txBody>
+                    <a:bodyPr/>
+                    <a:lstStyle/>
+                    <a:p>
+                      <a:pPr algn="ctr" fontAlgn="b"/>
+                      <a:r>
+                        <a:rPr lang="en-US" sz="1400" u="none" strike="noStrike" dirty="0">
+                          <a:effectLst/>
+                        </a:rPr>
+                        <a:t>x not in y, here not in results in a 1 if x is not a member of sequence y.</a:t>
+                      </a:r>
+                      <a:endParaRPr lang="en-US" sz="1400" b="0" i="0" u="none" strike="noStrike" dirty="0">
+                        <a:solidFill>
+                          <a:srgbClr val="313131"/>
+                        </a:solidFill>
+                        <a:effectLst/>
+                        <a:latin typeface="Calibri" panose="020F0502020204030204" pitchFamily="34" charset="0"/>
+                      </a:endParaRPr>
+                    </a:p>
+                  </a:txBody>
+                  <a:tcPr marL="9525" marR="9525" marT="9525" anchor="b"/>
+                </a:tc>
+                <a:extLst>
+                  <a:ext uri="{0D108BD9-81ED-4DB2-BD59-A6C34878D82A}">
+                    <a16:rowId xmlns:a16="http://schemas.microsoft.com/office/drawing/2014/main" val="62745245"/>
+                  </a:ext>
+                </a:extLst>
+              </a:tr>
+            </a:tbl>
+          </a:graphicData>
+        </a:graphic>
+      </p:graphicFrame>
+      <p:sp>
+        <p:nvSpPr>
+          <p:cNvPr id="5" name="Rectangle 4">
+            <a:extLst>
+              <a:ext uri="{FF2B5EF4-FFF2-40B4-BE49-F238E27FC236}">
+                <a16:creationId xmlns:a16="http://schemas.microsoft.com/office/drawing/2014/main" id="{568DE949-D779-44BC-9CA2-60E63AAC03CD}"/>
+              </a:ext>
+            </a:extLst>
+          </p:cNvPr>
+          <p:cNvSpPr/>
+          <p:nvPr/>
+        </p:nvSpPr>
+        <p:spPr>
+          <a:xfrm>
+            <a:off x="1097280" y="1994356"/>
+            <a:ext cx="10332720" cy="646331"/>
+          </a:xfrm>
+          <a:prstGeom prst="rect">
+            <a:avLst/>
+          </a:prstGeom>
+        </p:spPr>
+        <p:txBody>
+          <a:bodyPr wrap="square">
+            <a:spAutoFit/>
+          </a:bodyPr>
+          <a:lstStyle/>
+          <a:p>
+            <a:r>
+              <a:rPr lang="en-US" dirty="0">
+                <a:solidFill>
+                  <a:srgbClr val="000000"/>
+                </a:solidFill>
+                <a:latin typeface="Verdana" panose="020B0604030504040204" pitchFamily="34" charset="0"/>
+              </a:rPr>
+              <a:t>Python’s membership operators test for membership in a sequence, such as strings, lists, or tuples. There are two membership operators as explained below −</a:t>
+            </a:r>
+            <a:endParaRPr lang="en-US" dirty="0"/>
+          </a:p>
+        </p:txBody>
+      </p:sp>
+    </p:spTree>
+    <p:extLst>
+      <p:ext uri="{BB962C8B-B14F-4D97-AF65-F5344CB8AC3E}">
+        <p14:creationId xmlns:p14="http://schemas.microsoft.com/office/powerpoint/2010/main" val="3435376750"/>
+      </p:ext>
+    </p:extLst>
+  </p:cSld>
+  <p:clrMapOvr>
+    <a:masterClrMapping/>
+  </p:clrMapOvr>
+</p:sld>
+</file>
+
+<file path=ppt/slides/slide33.xml><?xml version="1.0" encoding="utf-8"?>
+<p:sld xmlns:a="http://schemas.openxmlformats.org/drawingml/2006/main" xmlns:r="http://schemas.openxmlformats.org/officeDocument/2006/relationships" xmlns:p="http://schemas.openxmlformats.org/presentationml/2006/main">
+  <p:cSld>
+    <p:spTree>
+      <p:nvGrpSpPr>
+        <p:cNvPr id="1" name=""/>
+        <p:cNvGrpSpPr/>
+        <p:nvPr/>
+      </p:nvGrpSpPr>
+      <p:grpSpPr>
+        <a:xfrm>
+          <a:off x="0" y="0"/>
+          <a:ext cx="0" cy="0"/>
+          <a:chOff x="0" y="0"/>
+          <a:chExt cx="0" cy="0"/>
+        </a:xfrm>
+      </p:grpSpPr>
+      <p:sp>
+        <p:nvSpPr>
+          <p:cNvPr id="2" name="Title 1">
+            <a:extLst>
+              <a:ext uri="{FF2B5EF4-FFF2-40B4-BE49-F238E27FC236}">
+                <a16:creationId xmlns:a16="http://schemas.microsoft.com/office/drawing/2014/main" id="{697B55D7-0F6E-428D-9DE8-31C88BBCB3AB}"/>
+              </a:ext>
+            </a:extLst>
+          </p:cNvPr>
+          <p:cNvSpPr>
+            <a:spLocks noGrp="1"/>
+          </p:cNvSpPr>
+          <p:nvPr>
+            <p:ph type="title"/>
+          </p:nvPr>
+        </p:nvSpPr>
+        <p:spPr/>
+        <p:txBody>
+          <a:bodyPr/>
+          <a:lstStyle/>
+          <a:p>
+            <a:r>
+              <a:rPr lang="en-US" dirty="0"/>
+              <a:t>Python Identity Operators</a:t>
+            </a:r>
+          </a:p>
+        </p:txBody>
+      </p:sp>
+      <p:graphicFrame>
+        <p:nvGraphicFramePr>
+          <p:cNvPr id="4" name="Content Placeholder 3">
+            <a:extLst>
+              <a:ext uri="{FF2B5EF4-FFF2-40B4-BE49-F238E27FC236}">
+                <a16:creationId xmlns:a16="http://schemas.microsoft.com/office/drawing/2014/main" id="{70E328B2-2725-42FE-AB63-EB68FF283988}"/>
+              </a:ext>
+            </a:extLst>
+          </p:cNvPr>
+          <p:cNvGraphicFramePr>
+            <a:graphicFrameLocks noGrp="1"/>
+          </p:cNvGraphicFramePr>
+          <p:nvPr>
+            <p:ph idx="1"/>
+            <p:extLst>
+              <p:ext uri="{D42A27DB-BD31-4B8C-83A1-F6EECF244321}">
+                <p14:modId xmlns:p14="http://schemas.microsoft.com/office/powerpoint/2010/main" val="3542121868"/>
+              </p:ext>
+            </p:extLst>
+          </p:nvPr>
+        </p:nvGraphicFramePr>
+        <p:xfrm>
+          <a:off x="2817813" y="3174683"/>
+          <a:ext cx="6616700" cy="2085975"/>
+        </p:xfrm>
+        <a:graphic>
+          <a:graphicData uri="http://schemas.openxmlformats.org/drawingml/2006/table">
+            <a:tbl>
+              <a:tblPr>
+                <a:tableStyleId>{5C22544A-7EE6-4342-B048-85BDC9FD1C3A}</a:tableStyleId>
+              </a:tblPr>
+              <a:tblGrid>
+                <a:gridCol w="1739900">
+                  <a:extLst>
+                    <a:ext uri="{9D8B030D-6E8A-4147-A177-3AD203B41FA5}">
+                      <a16:colId xmlns:a16="http://schemas.microsoft.com/office/drawing/2014/main" val="563893850"/>
+                    </a:ext>
+                  </a:extLst>
+                </a:gridCol>
+                <a:gridCol w="2438400">
+                  <a:extLst>
+                    <a:ext uri="{9D8B030D-6E8A-4147-A177-3AD203B41FA5}">
+                      <a16:colId xmlns:a16="http://schemas.microsoft.com/office/drawing/2014/main" val="82359363"/>
+                    </a:ext>
+                  </a:extLst>
+                </a:gridCol>
+                <a:gridCol w="2438400">
+                  <a:extLst>
+                    <a:ext uri="{9D8B030D-6E8A-4147-A177-3AD203B41FA5}">
+                      <a16:colId xmlns:a16="http://schemas.microsoft.com/office/drawing/2014/main" val="1230219376"/>
+                    </a:ext>
+                  </a:extLst>
+                </a:gridCol>
+              </a:tblGrid>
+              <a:tr h="190500">
+                <a:tc>
+                  <a:txBody>
+                    <a:bodyPr/>
+                    <a:lstStyle/>
+                    <a:p>
+                      <a:pPr algn="ctr" fontAlgn="b"/>
+                      <a:r>
+                        <a:rPr lang="en-US" sz="1400" b="1" u="none" strike="noStrike" dirty="0">
+                          <a:effectLst/>
+                        </a:rPr>
+                        <a:t>Operator</a:t>
+                      </a:r>
+                      <a:endParaRPr lang="en-US" sz="1400" b="1" i="0" u="none" strike="noStrike" dirty="0">
+                        <a:solidFill>
+                          <a:srgbClr val="313131"/>
+                        </a:solidFill>
+                        <a:effectLst/>
+                        <a:latin typeface="Calibri" panose="020F0502020204030204" pitchFamily="34" charset="0"/>
+                      </a:endParaRPr>
+                    </a:p>
+                  </a:txBody>
+                  <a:tcPr marL="9525" marR="9525" marT="9525" anchor="b">
+                    <a:solidFill>
+                      <a:schemeClr val="bg1">
+                        <a:lumMod val="85000"/>
+                      </a:schemeClr>
+                    </a:solidFill>
+                  </a:tcPr>
+                </a:tc>
+                <a:tc>
+                  <a:txBody>
+                    <a:bodyPr/>
+                    <a:lstStyle/>
+                    <a:p>
+                      <a:pPr algn="ctr" fontAlgn="b"/>
+                      <a:r>
+                        <a:rPr lang="en-US" sz="1400" b="1" u="none" strike="noStrike">
+                          <a:effectLst/>
+                        </a:rPr>
+                        <a:t>Description</a:t>
+                      </a:r>
+                      <a:endParaRPr lang="en-US" sz="1400" b="1" i="0" u="none" strike="noStrike">
+                        <a:solidFill>
+                          <a:srgbClr val="313131"/>
+                        </a:solidFill>
+                        <a:effectLst/>
+                        <a:latin typeface="Calibri" panose="020F0502020204030204" pitchFamily="34" charset="0"/>
+                      </a:endParaRPr>
+                    </a:p>
+                  </a:txBody>
+                  <a:tcPr marL="9525" marR="9525" marT="9525" anchor="b">
+                    <a:solidFill>
+                      <a:schemeClr val="bg1">
+                        <a:lumMod val="85000"/>
+                      </a:schemeClr>
+                    </a:solidFill>
+                  </a:tcPr>
+                </a:tc>
+                <a:tc>
+                  <a:txBody>
+                    <a:bodyPr/>
+                    <a:lstStyle/>
+                    <a:p>
+                      <a:pPr algn="ctr" fontAlgn="b"/>
+                      <a:r>
+                        <a:rPr lang="en-US" sz="1400" b="1" u="none" strike="noStrike" dirty="0">
+                          <a:effectLst/>
+                        </a:rPr>
+                        <a:t>Example</a:t>
+                      </a:r>
+                      <a:endParaRPr lang="en-US" sz="1400" b="1" i="0" u="none" strike="noStrike" dirty="0">
+                        <a:solidFill>
+                          <a:srgbClr val="313131"/>
+                        </a:solidFill>
+                        <a:effectLst/>
+                        <a:latin typeface="Calibri" panose="020F0502020204030204" pitchFamily="34" charset="0"/>
+                      </a:endParaRPr>
+                    </a:p>
+                  </a:txBody>
+                  <a:tcPr marL="9525" marR="9525" marT="9525" anchor="b">
+                    <a:solidFill>
+                      <a:schemeClr val="bg1">
+                        <a:lumMod val="85000"/>
+                      </a:schemeClr>
+                    </a:solidFill>
+                  </a:tcPr>
+                </a:tc>
+                <a:extLst>
+                  <a:ext uri="{0D108BD9-81ED-4DB2-BD59-A6C34878D82A}">
+                    <a16:rowId xmlns:a16="http://schemas.microsoft.com/office/drawing/2014/main" val="1936394287"/>
+                  </a:ext>
+                </a:extLst>
+              </a:tr>
+              <a:tr h="571500">
+                <a:tc>
+                  <a:txBody>
+                    <a:bodyPr/>
+                    <a:lstStyle/>
+                    <a:p>
+                      <a:pPr algn="ctr" fontAlgn="b"/>
+                      <a:r>
+                        <a:rPr lang="en-US" sz="1400" u="none" strike="noStrike">
+                          <a:effectLst/>
+                        </a:rPr>
+                        <a:t>is</a:t>
+                      </a:r>
+                      <a:endParaRPr lang="en-US" sz="1400" b="0" i="0" u="none" strike="noStrike">
+                        <a:solidFill>
+                          <a:srgbClr val="313131"/>
+                        </a:solidFill>
+                        <a:effectLst/>
+                        <a:latin typeface="Calibri" panose="020F0502020204030204" pitchFamily="34" charset="0"/>
+                      </a:endParaRPr>
+                    </a:p>
+                  </a:txBody>
+                  <a:tcPr marL="9525" marR="9525" marT="9525" anchor="b"/>
+                </a:tc>
+                <a:tc>
+                  <a:txBody>
+                    <a:bodyPr/>
+                    <a:lstStyle/>
+                    <a:p>
+                      <a:pPr algn="ctr" fontAlgn="b"/>
+                      <a:r>
+                        <a:rPr lang="en-US" sz="1400" u="none" strike="noStrike" dirty="0">
+                          <a:effectLst/>
+                        </a:rPr>
+                        <a:t>Evaluates to true if the variables on either side of the operator point to the same object and false otherwise.</a:t>
+                      </a:r>
+                      <a:endParaRPr lang="en-US" sz="1400" b="0" i="0" u="none" strike="noStrike" dirty="0">
+                        <a:solidFill>
+                          <a:srgbClr val="313131"/>
+                        </a:solidFill>
+                        <a:effectLst/>
+                        <a:latin typeface="Calibri" panose="020F0502020204030204" pitchFamily="34" charset="0"/>
+                      </a:endParaRPr>
+                    </a:p>
+                  </a:txBody>
+                  <a:tcPr marL="9525" marR="9525" marT="9525" anchor="b"/>
+                </a:tc>
+                <a:tc>
+                  <a:txBody>
+                    <a:bodyPr/>
+                    <a:lstStyle/>
+                    <a:p>
+                      <a:pPr algn="ctr" fontAlgn="b"/>
+                      <a:r>
+                        <a:rPr lang="en-US" sz="1400" u="none" strike="noStrike" dirty="0">
+                          <a:effectLst/>
+                        </a:rPr>
+                        <a:t>x is y, here is results in 1 if id(x) equals id(y).</a:t>
+                      </a:r>
+                      <a:endParaRPr lang="en-US" sz="1400" b="0" i="0" u="none" strike="noStrike" dirty="0">
+                        <a:solidFill>
+                          <a:srgbClr val="313131"/>
+                        </a:solidFill>
+                        <a:effectLst/>
+                        <a:latin typeface="Calibri" panose="020F0502020204030204" pitchFamily="34" charset="0"/>
+                      </a:endParaRPr>
+                    </a:p>
+                  </a:txBody>
+                  <a:tcPr marL="9525" marR="9525" marT="9525" anchor="b"/>
+                </a:tc>
+                <a:extLst>
+                  <a:ext uri="{0D108BD9-81ED-4DB2-BD59-A6C34878D82A}">
+                    <a16:rowId xmlns:a16="http://schemas.microsoft.com/office/drawing/2014/main" val="2078454619"/>
+                  </a:ext>
+                </a:extLst>
+              </a:tr>
+              <a:tr h="571500">
+                <a:tc>
+                  <a:txBody>
+                    <a:bodyPr/>
+                    <a:lstStyle/>
+                    <a:p>
+                      <a:pPr algn="ctr" fontAlgn="b"/>
+                      <a:r>
+                        <a:rPr lang="en-US" sz="1400" u="none" strike="noStrike">
+                          <a:effectLst/>
+                        </a:rPr>
+                        <a:t>is not</a:t>
+                      </a:r>
+                      <a:endParaRPr lang="en-US" sz="1400" b="0" i="0" u="none" strike="noStrike">
+                        <a:solidFill>
+                          <a:srgbClr val="313131"/>
+                        </a:solidFill>
+                        <a:effectLst/>
+                        <a:latin typeface="Calibri" panose="020F0502020204030204" pitchFamily="34" charset="0"/>
+                      </a:endParaRPr>
+                    </a:p>
+                  </a:txBody>
+                  <a:tcPr marL="9525" marR="9525" marT="9525" anchor="b"/>
+                </a:tc>
+                <a:tc>
+                  <a:txBody>
+                    <a:bodyPr/>
+                    <a:lstStyle/>
+                    <a:p>
+                      <a:pPr algn="ctr" fontAlgn="b"/>
+                      <a:r>
+                        <a:rPr lang="en-US" sz="1400" u="none" strike="noStrike">
+                          <a:effectLst/>
+                        </a:rPr>
+                        <a:t>Evaluates to false if the variables on either side of the operator point to the same object and true otherwise.</a:t>
+                      </a:r>
+                      <a:endParaRPr lang="en-US" sz="1400" b="0" i="0" u="none" strike="noStrike">
+                        <a:solidFill>
+                          <a:srgbClr val="313131"/>
+                        </a:solidFill>
+                        <a:effectLst/>
+                        <a:latin typeface="Calibri" panose="020F0502020204030204" pitchFamily="34" charset="0"/>
+                      </a:endParaRPr>
+                    </a:p>
+                  </a:txBody>
+                  <a:tcPr marL="9525" marR="9525" marT="9525" anchor="b"/>
+                </a:tc>
+                <a:tc>
+                  <a:txBody>
+                    <a:bodyPr/>
+                    <a:lstStyle/>
+                    <a:p>
+                      <a:pPr algn="ctr" fontAlgn="b"/>
+                      <a:r>
+                        <a:rPr lang="en-US" sz="1400" u="none" strike="noStrike" dirty="0">
+                          <a:effectLst/>
+                        </a:rPr>
+                        <a:t>x is not y, here is </a:t>
+                      </a:r>
+                      <a:r>
+                        <a:rPr lang="en-US" sz="1400" u="none" strike="noStrike" dirty="0" err="1">
+                          <a:effectLst/>
+                        </a:rPr>
+                        <a:t>notresults</a:t>
+                      </a:r>
+                      <a:r>
+                        <a:rPr lang="en-US" sz="1400" u="none" strike="noStrike" dirty="0">
+                          <a:effectLst/>
+                        </a:rPr>
+                        <a:t> in 1 if id(x) is not equal to id(y).</a:t>
+                      </a:r>
+                      <a:endParaRPr lang="en-US" sz="1400" b="0" i="0" u="none" strike="noStrike" dirty="0">
+                        <a:solidFill>
+                          <a:srgbClr val="313131"/>
+                        </a:solidFill>
+                        <a:effectLst/>
+                        <a:latin typeface="Calibri" panose="020F0502020204030204" pitchFamily="34" charset="0"/>
+                      </a:endParaRPr>
+                    </a:p>
+                  </a:txBody>
+                  <a:tcPr marL="9525" marR="9525" marT="9525" anchor="b"/>
+                </a:tc>
+                <a:extLst>
+                  <a:ext uri="{0D108BD9-81ED-4DB2-BD59-A6C34878D82A}">
+                    <a16:rowId xmlns:a16="http://schemas.microsoft.com/office/drawing/2014/main" val="1086719302"/>
+                  </a:ext>
+                </a:extLst>
+              </a:tr>
+            </a:tbl>
+          </a:graphicData>
+        </a:graphic>
+      </p:graphicFrame>
+      <p:sp>
+        <p:nvSpPr>
+          <p:cNvPr id="5" name="Rectangle 4">
+            <a:extLst>
+              <a:ext uri="{FF2B5EF4-FFF2-40B4-BE49-F238E27FC236}">
+                <a16:creationId xmlns:a16="http://schemas.microsoft.com/office/drawing/2014/main" id="{4D3662DD-DA41-4B9B-B9AA-2A09305311E6}"/>
+              </a:ext>
+            </a:extLst>
+          </p:cNvPr>
+          <p:cNvSpPr/>
+          <p:nvPr/>
+        </p:nvSpPr>
+        <p:spPr>
+          <a:xfrm>
+            <a:off x="964544" y="1979193"/>
+            <a:ext cx="10539197" cy="646331"/>
+          </a:xfrm>
+          <a:prstGeom prst="rect">
+            <a:avLst/>
+          </a:prstGeom>
+        </p:spPr>
+        <p:txBody>
+          <a:bodyPr wrap="square">
+            <a:spAutoFit/>
+          </a:bodyPr>
+          <a:lstStyle/>
+          <a:p>
+            <a:r>
+              <a:rPr lang="en-US" dirty="0">
+                <a:solidFill>
+                  <a:srgbClr val="000000"/>
+                </a:solidFill>
+                <a:latin typeface="Verdana" panose="020B0604030504040204" pitchFamily="34" charset="0"/>
+              </a:rPr>
+              <a:t>Identity operators compare the memory locations of two objects. There are two Identity operators as explained below −</a:t>
+            </a:r>
+            <a:endParaRPr lang="en-US" dirty="0"/>
+          </a:p>
+        </p:txBody>
+      </p:sp>
+    </p:spTree>
+    <p:extLst>
+      <p:ext uri="{BB962C8B-B14F-4D97-AF65-F5344CB8AC3E}">
+        <p14:creationId xmlns:p14="http://schemas.microsoft.com/office/powerpoint/2010/main" val="640597413"/>
+      </p:ext>
+    </p:extLst>
+  </p:cSld>
+  <p:clrMapOvr>
+    <a:masterClrMapping/>
+  </p:clrMapOvr>
+</p:sld>
+</file>
+
+<file path=ppt/slides/slide34.xml><?xml version="1.0" encoding="utf-8"?>
+<p:sld xmlns:a="http://schemas.openxmlformats.org/drawingml/2006/main" xmlns:r="http://schemas.openxmlformats.org/officeDocument/2006/relationships" xmlns:p="http://schemas.openxmlformats.org/presentationml/2006/main">
+  <p:cSld>
+    <p:spTree>
+      <p:nvGrpSpPr>
+        <p:cNvPr id="1" name=""/>
+        <p:cNvGrpSpPr/>
+        <p:nvPr/>
+      </p:nvGrpSpPr>
+      <p:grpSpPr>
+        <a:xfrm>
+          <a:off x="0" y="0"/>
+          <a:ext cx="0" cy="0"/>
+          <a:chOff x="0" y="0"/>
+          <a:chExt cx="0" cy="0"/>
+        </a:xfrm>
+      </p:grpSpPr>
+      <p:sp>
+        <p:nvSpPr>
+          <p:cNvPr id="2" name="Title 1">
+            <a:extLst>
+              <a:ext uri="{FF2B5EF4-FFF2-40B4-BE49-F238E27FC236}">
+                <a16:creationId xmlns:a16="http://schemas.microsoft.com/office/drawing/2014/main" id="{D66C4089-35ED-4913-8F95-25FB08E3C53C}"/>
+              </a:ext>
+            </a:extLst>
+          </p:cNvPr>
+          <p:cNvSpPr>
+            <a:spLocks noGrp="1"/>
+          </p:cNvSpPr>
+          <p:nvPr>
+            <p:ph type="title"/>
+          </p:nvPr>
+        </p:nvSpPr>
+        <p:spPr/>
+        <p:txBody>
+          <a:bodyPr/>
+          <a:lstStyle/>
+          <a:p>
+            <a:r>
+              <a:rPr lang="en-US" dirty="0"/>
+              <a:t>Decision Making</a:t>
+            </a:r>
+          </a:p>
+        </p:txBody>
+      </p:sp>
+      <p:sp>
+        <p:nvSpPr>
+          <p:cNvPr id="3" name="Content Placeholder 2">
+            <a:extLst>
+              <a:ext uri="{FF2B5EF4-FFF2-40B4-BE49-F238E27FC236}">
+                <a16:creationId xmlns:a16="http://schemas.microsoft.com/office/drawing/2014/main" id="{A6B9C209-D1D6-4E71-97E4-CCF716791FB5}"/>
+              </a:ext>
+            </a:extLst>
+          </p:cNvPr>
+          <p:cNvSpPr>
+            <a:spLocks noGrp="1"/>
+          </p:cNvSpPr>
+          <p:nvPr>
+            <p:ph idx="1"/>
+          </p:nvPr>
+        </p:nvSpPr>
+        <p:spPr>
+          <a:xfrm>
+            <a:off x="1097280" y="1768581"/>
+            <a:ext cx="10058400" cy="4023360"/>
+          </a:xfrm>
+        </p:spPr>
+        <p:txBody>
+          <a:bodyPr/>
+          <a:lstStyle/>
+          <a:p>
+            <a:r>
+              <a:rPr lang="en-US" dirty="0"/>
+              <a:t>Decision-making is the anticipation of conditions occurring during the execution of a program and specified actions taken according to the conditions.</a:t>
+            </a:r>
+          </a:p>
+          <a:p>
+            <a:endParaRPr lang="en-US" dirty="0"/>
+          </a:p>
+        </p:txBody>
+      </p:sp>
+      <p:pic>
+        <p:nvPicPr>
+          <p:cNvPr id="9218" name="Picture 2" descr="Decision making">
+            <a:extLst>
+              <a:ext uri="{FF2B5EF4-FFF2-40B4-BE49-F238E27FC236}">
+                <a16:creationId xmlns:a16="http://schemas.microsoft.com/office/drawing/2014/main" id="{B3A26BCC-CC44-4C03-8121-1E613ED8A25B}"/>
+              </a:ext>
+            </a:extLst>
+          </p:cNvPr>
+          <p:cNvPicPr>
+            <a:picLocks noChangeAspect="1" noChangeArrowheads="1"/>
+          </p:cNvPicPr>
+          <p:nvPr/>
+        </p:nvPicPr>
+        <p:blipFill>
+          <a:blip r:embed="rId2">
+            <a:extLst>
+              <a:ext uri="{28A0092B-C50C-407E-A947-70E740481C1C}">
+                <a14:useLocalDpi xmlns:a14="http://schemas.microsoft.com/office/drawing/2010/main" val="0"/>
+              </a:ext>
+            </a:extLst>
+          </a:blip>
+          <a:srcRect/>
+          <a:stretch>
+            <a:fillRect/>
+          </a:stretch>
+        </p:blipFill>
+        <p:spPr bwMode="auto">
+          <a:xfrm>
+            <a:off x="4701203" y="2474778"/>
+            <a:ext cx="2524125" cy="3228975"/>
+          </a:xfrm>
+          <a:prstGeom prst="rect">
+            <a:avLst/>
+          </a:prstGeom>
+          <a:noFill/>
+          <a:extLst>
+            <a:ext uri="{909E8E84-426E-40DD-AFC4-6F175D3DCCD1}">
+              <a14:hiddenFill xmlns:a14="http://schemas.microsoft.com/office/drawing/2010/main">
+                <a:solidFill>
+                  <a:srgbClr val="FFFFFF"/>
+                </a:solidFill>
+              </a14:hiddenFill>
+            </a:ext>
+          </a:extLst>
+        </p:spPr>
+      </p:pic>
+    </p:spTree>
+    <p:extLst>
+      <p:ext uri="{BB962C8B-B14F-4D97-AF65-F5344CB8AC3E}">
+        <p14:creationId xmlns:p14="http://schemas.microsoft.com/office/powerpoint/2010/main" val="655136661"/>
+      </p:ext>
+    </p:extLst>
+  </p:cSld>
+  <p:clrMapOvr>
+    <a:masterClrMapping/>
+  </p:clrMapOvr>
+</p:sld>
+</file>
+
+<file path=ppt/slides/slide35.xml><?xml version="1.0" encoding="utf-8"?>
+<p:sld xmlns:a="http://schemas.openxmlformats.org/drawingml/2006/main" xmlns:r="http://schemas.openxmlformats.org/officeDocument/2006/relationships" xmlns:p="http://schemas.openxmlformats.org/presentationml/2006/main">
+  <p:cSld>
+    <p:spTree>
+      <p:nvGrpSpPr>
+        <p:cNvPr id="1" name=""/>
+        <p:cNvGrpSpPr/>
+        <p:nvPr/>
+      </p:nvGrpSpPr>
+      <p:grpSpPr>
+        <a:xfrm>
+          <a:off x="0" y="0"/>
+          <a:ext cx="0" cy="0"/>
+          <a:chOff x="0" y="0"/>
+          <a:chExt cx="0" cy="0"/>
+        </a:xfrm>
+      </p:grpSpPr>
+      <p:sp>
+        <p:nvSpPr>
+          <p:cNvPr id="2" name="Title 1">
+            <a:extLst>
+              <a:ext uri="{FF2B5EF4-FFF2-40B4-BE49-F238E27FC236}">
+                <a16:creationId xmlns:a16="http://schemas.microsoft.com/office/drawing/2014/main" id="{2ABB4BD3-F599-4F2C-A575-4B2E0711CB69}"/>
+              </a:ext>
+            </a:extLst>
+          </p:cNvPr>
+          <p:cNvSpPr>
+            <a:spLocks noGrp="1"/>
+          </p:cNvSpPr>
+          <p:nvPr>
+            <p:ph type="title"/>
+          </p:nvPr>
+        </p:nvSpPr>
+        <p:spPr/>
+        <p:txBody>
+          <a:bodyPr/>
+          <a:lstStyle/>
+          <a:p>
+            <a:r>
+              <a:rPr lang="en-US" dirty="0"/>
+              <a:t>Types of “</a:t>
+            </a:r>
+            <a:r>
+              <a:rPr lang="en-US" i="1" dirty="0"/>
+              <a:t>if Statement”</a:t>
+            </a:r>
+          </a:p>
+        </p:txBody>
+      </p:sp>
+      <p:graphicFrame>
+        <p:nvGraphicFramePr>
+          <p:cNvPr id="4" name="Content Placeholder 3">
+            <a:extLst>
+              <a:ext uri="{FF2B5EF4-FFF2-40B4-BE49-F238E27FC236}">
+                <a16:creationId xmlns:a16="http://schemas.microsoft.com/office/drawing/2014/main" id="{3747A007-35B9-4C36-B9B1-60E92970E075}"/>
+              </a:ext>
+            </a:extLst>
+          </p:cNvPr>
+          <p:cNvGraphicFramePr>
+            <a:graphicFrameLocks noGrp="1"/>
+          </p:cNvGraphicFramePr>
+          <p:nvPr>
+            <p:ph idx="1"/>
+            <p:extLst>
+              <p:ext uri="{D42A27DB-BD31-4B8C-83A1-F6EECF244321}">
+                <p14:modId xmlns:p14="http://schemas.microsoft.com/office/powerpoint/2010/main" val="3138387737"/>
+              </p:ext>
+            </p:extLst>
+          </p:nvPr>
+        </p:nvGraphicFramePr>
+        <p:xfrm>
+          <a:off x="2999822" y="2212259"/>
+          <a:ext cx="6253316" cy="3227468"/>
+        </p:xfrm>
+        <a:graphic>
+          <a:graphicData uri="http://schemas.openxmlformats.org/drawingml/2006/table">
+            <a:tbl>
+              <a:tblPr>
+                <a:tableStyleId>{5C22544A-7EE6-4342-B048-85BDC9FD1C3A}</a:tableStyleId>
+              </a:tblPr>
+              <a:tblGrid>
+                <a:gridCol w="929148">
+                  <a:extLst>
+                    <a:ext uri="{9D8B030D-6E8A-4147-A177-3AD203B41FA5}">
+                      <a16:colId xmlns:a16="http://schemas.microsoft.com/office/drawing/2014/main" val="3742675200"/>
+                    </a:ext>
+                  </a:extLst>
+                </a:gridCol>
+                <a:gridCol w="5324168">
+                  <a:extLst>
+                    <a:ext uri="{9D8B030D-6E8A-4147-A177-3AD203B41FA5}">
+                      <a16:colId xmlns:a16="http://schemas.microsoft.com/office/drawing/2014/main" val="890909580"/>
+                    </a:ext>
+                  </a:extLst>
+                </a:gridCol>
+              </a:tblGrid>
+              <a:tr h="299982">
+                <a:tc>
+                  <a:txBody>
+                    <a:bodyPr/>
+                    <a:lstStyle/>
+                    <a:p>
+                      <a:pPr algn="ctr" fontAlgn="b"/>
+                      <a:r>
+                        <a:rPr lang="en-US" sz="1400" b="1" u="none" strike="noStrike">
+                          <a:effectLst/>
+                        </a:rPr>
+                        <a:t>S.No.</a:t>
+                      </a:r>
+                      <a:endParaRPr lang="en-US" sz="1400" b="1" i="0" u="none" strike="noStrike">
+                        <a:solidFill>
+                          <a:srgbClr val="313131"/>
+                        </a:solidFill>
+                        <a:effectLst/>
+                        <a:latin typeface="Calibri" panose="020F0502020204030204" pitchFamily="34" charset="0"/>
+                      </a:endParaRPr>
+                    </a:p>
+                  </a:txBody>
+                  <a:tcPr marL="9525" marR="9525" marT="9525" anchor="b">
+                    <a:solidFill>
+                      <a:schemeClr val="bg1">
+                        <a:lumMod val="85000"/>
+                      </a:schemeClr>
+                    </a:solidFill>
+                  </a:tcPr>
+                </a:tc>
+                <a:tc>
+                  <a:txBody>
+                    <a:bodyPr/>
+                    <a:lstStyle/>
+                    <a:p>
+                      <a:pPr algn="l" fontAlgn="b"/>
+                      <a:r>
+                        <a:rPr lang="en-US" sz="1400" b="1" u="none" strike="noStrike" dirty="0">
+                          <a:effectLst/>
+                        </a:rPr>
+                        <a:t>Statement &amp; Description</a:t>
+                      </a:r>
+                      <a:endParaRPr lang="en-US" sz="1400" b="1" i="0" u="none" strike="noStrike" dirty="0">
+                        <a:solidFill>
+                          <a:srgbClr val="313131"/>
+                        </a:solidFill>
+                        <a:effectLst/>
+                        <a:latin typeface="Calibri" panose="020F0502020204030204" pitchFamily="34" charset="0"/>
+                      </a:endParaRPr>
+                    </a:p>
+                  </a:txBody>
+                  <a:tcPr marL="9525" marR="9525" marT="9525" anchor="b">
+                    <a:solidFill>
+                      <a:schemeClr val="bg1">
+                        <a:lumMod val="85000"/>
+                      </a:schemeClr>
+                    </a:solidFill>
+                  </a:tcPr>
+                </a:tc>
+                <a:extLst>
+                  <a:ext uri="{0D108BD9-81ED-4DB2-BD59-A6C34878D82A}">
+                    <a16:rowId xmlns:a16="http://schemas.microsoft.com/office/drawing/2014/main" val="3458706472"/>
+                  </a:ext>
+                </a:extLst>
+              </a:tr>
+              <a:tr h="299982">
+                <a:tc>
+                  <a:txBody>
+                    <a:bodyPr/>
+                    <a:lstStyle/>
+                    <a:p>
+                      <a:pPr algn="ctr" fontAlgn="b"/>
+                      <a:r>
+                        <a:rPr lang="en-US" sz="1400" u="none" strike="noStrike">
+                          <a:effectLst/>
+                        </a:rPr>
+                        <a:t>1</a:t>
+                      </a:r>
+                      <a:endParaRPr lang="en-US" sz="1400" b="0" i="0" u="none" strike="noStrike">
+                        <a:solidFill>
+                          <a:srgbClr val="313131"/>
+                        </a:solidFill>
+                        <a:effectLst/>
+                        <a:latin typeface="Calibri" panose="020F0502020204030204" pitchFamily="34" charset="0"/>
+                      </a:endParaRPr>
+                    </a:p>
+                  </a:txBody>
+                  <a:tcPr marL="9525" marR="9525" marT="9525" anchor="b"/>
+                </a:tc>
+                <a:tc>
+                  <a:txBody>
+                    <a:bodyPr/>
+                    <a:lstStyle/>
+                    <a:p>
+                      <a:pPr algn="l" fontAlgn="b"/>
+                      <a:r>
+                        <a:rPr lang="en-US" sz="1400" u="sng" strike="noStrike" dirty="0">
+                          <a:effectLst/>
+                        </a:rPr>
+                        <a:t>If Statement</a:t>
+                      </a:r>
+                      <a:endParaRPr lang="en-US" sz="1400" b="0" i="0" u="sng" strike="noStrike" dirty="0">
+                        <a:solidFill>
+                          <a:srgbClr val="0563C1"/>
+                        </a:solidFill>
+                        <a:effectLst/>
+                        <a:latin typeface="Calibri" panose="020F0502020204030204" pitchFamily="34" charset="0"/>
+                      </a:endParaRPr>
+                    </a:p>
+                  </a:txBody>
+                  <a:tcPr marL="9525" marR="9525" marT="9525" anchor="b"/>
+                </a:tc>
+                <a:extLst>
+                  <a:ext uri="{0D108BD9-81ED-4DB2-BD59-A6C34878D82A}">
+                    <a16:rowId xmlns:a16="http://schemas.microsoft.com/office/drawing/2014/main" val="1686080525"/>
+                  </a:ext>
+                </a:extLst>
+              </a:tr>
+              <a:tr h="638260">
+                <a:tc>
+                  <a:txBody>
+                    <a:bodyPr/>
+                    <a:lstStyle/>
+                    <a:p>
+                      <a:pPr algn="ctr" fontAlgn="b"/>
+                      <a:endParaRPr lang="en-US" sz="1400" b="0" i="0" u="none" strike="noStrike">
+                        <a:solidFill>
+                          <a:srgbClr val="000000"/>
+                        </a:solidFill>
+                        <a:effectLst/>
+                        <a:latin typeface="Calibri" panose="020F0502020204030204" pitchFamily="34" charset="0"/>
+                      </a:endParaRPr>
+                    </a:p>
+                  </a:txBody>
+                  <a:tcPr marL="9525" marR="9525" marT="9525" anchor="b"/>
+                </a:tc>
+                <a:tc>
+                  <a:txBody>
+                    <a:bodyPr/>
+                    <a:lstStyle/>
+                    <a:p>
+                      <a:pPr algn="l" fontAlgn="b"/>
+                      <a:r>
+                        <a:rPr lang="en-US" sz="1400" u="none" strike="noStrike" dirty="0">
+                          <a:effectLst/>
+                        </a:rPr>
+                        <a:t>An if statement consists of a </a:t>
+                      </a:r>
+                      <a:r>
+                        <a:rPr lang="en-US" sz="1400" u="none" strike="noStrike" dirty="0" err="1">
+                          <a:effectLst/>
+                        </a:rPr>
+                        <a:t>boolean</a:t>
+                      </a:r>
+                      <a:r>
+                        <a:rPr lang="en-US" sz="1400" u="none" strike="noStrike" dirty="0">
+                          <a:effectLst/>
+                        </a:rPr>
+                        <a:t> expression followed by one or more statements.</a:t>
+                      </a:r>
+                      <a:endParaRPr lang="en-US" sz="1400" b="0" i="0" u="none" strike="noStrike" dirty="0">
+                        <a:solidFill>
+                          <a:srgbClr val="000000"/>
+                        </a:solidFill>
+                        <a:effectLst/>
+                        <a:latin typeface="Calibri" panose="020F0502020204030204" pitchFamily="34" charset="0"/>
+                      </a:endParaRPr>
+                    </a:p>
+                  </a:txBody>
+                  <a:tcPr marL="9525" marR="9525" marT="9525" anchor="b"/>
+                </a:tc>
+                <a:extLst>
+                  <a:ext uri="{0D108BD9-81ED-4DB2-BD59-A6C34878D82A}">
+                    <a16:rowId xmlns:a16="http://schemas.microsoft.com/office/drawing/2014/main" val="1601106780"/>
+                  </a:ext>
+                </a:extLst>
+              </a:tr>
+              <a:tr h="299982">
+                <a:tc>
+                  <a:txBody>
+                    <a:bodyPr/>
+                    <a:lstStyle/>
+                    <a:p>
+                      <a:pPr algn="ctr" fontAlgn="b"/>
+                      <a:r>
+                        <a:rPr lang="en-US" sz="1400" u="none" strike="noStrike">
+                          <a:effectLst/>
+                        </a:rPr>
+                        <a:t>2</a:t>
+                      </a:r>
+                      <a:endParaRPr lang="en-US" sz="1400" b="0" i="0" u="none" strike="noStrike">
+                        <a:solidFill>
+                          <a:srgbClr val="313131"/>
+                        </a:solidFill>
+                        <a:effectLst/>
+                        <a:latin typeface="Calibri" panose="020F0502020204030204" pitchFamily="34" charset="0"/>
+                      </a:endParaRPr>
+                    </a:p>
+                  </a:txBody>
+                  <a:tcPr marL="9525" marR="9525" marT="9525" anchor="b"/>
+                </a:tc>
+                <a:tc>
+                  <a:txBody>
+                    <a:bodyPr/>
+                    <a:lstStyle/>
+                    <a:p>
+                      <a:pPr algn="l" fontAlgn="b"/>
+                      <a:r>
+                        <a:rPr lang="en-US" sz="1400" u="sng" strike="noStrike" dirty="0">
+                          <a:effectLst/>
+                        </a:rPr>
+                        <a:t>If…else Statement</a:t>
+                      </a:r>
+                      <a:endParaRPr lang="en-US" sz="1400" b="0" i="0" u="sng" strike="noStrike" dirty="0">
+                        <a:solidFill>
+                          <a:srgbClr val="0563C1"/>
+                        </a:solidFill>
+                        <a:effectLst/>
+                        <a:latin typeface="Calibri" panose="020F0502020204030204" pitchFamily="34" charset="0"/>
+                      </a:endParaRPr>
+                    </a:p>
+                  </a:txBody>
+                  <a:tcPr marL="9525" marR="9525" marT="9525" anchor="b"/>
+                </a:tc>
+                <a:extLst>
+                  <a:ext uri="{0D108BD9-81ED-4DB2-BD59-A6C34878D82A}">
+                    <a16:rowId xmlns:a16="http://schemas.microsoft.com/office/drawing/2014/main" val="371038241"/>
+                  </a:ext>
+                </a:extLst>
+              </a:tr>
+              <a:tr h="851014">
+                <a:tc>
+                  <a:txBody>
+                    <a:bodyPr/>
+                    <a:lstStyle/>
+                    <a:p>
+                      <a:pPr algn="ctr" fontAlgn="b"/>
+                      <a:endParaRPr lang="en-US" sz="1400" b="0" i="0" u="none" strike="noStrike">
+                        <a:solidFill>
+                          <a:srgbClr val="000000"/>
+                        </a:solidFill>
+                        <a:effectLst/>
+                        <a:latin typeface="Calibri" panose="020F0502020204030204" pitchFamily="34" charset="0"/>
+                      </a:endParaRPr>
+                    </a:p>
+                  </a:txBody>
+                  <a:tcPr marL="9525" marR="9525" marT="9525" anchor="b"/>
+                </a:tc>
+                <a:tc>
+                  <a:txBody>
+                    <a:bodyPr/>
+                    <a:lstStyle/>
+                    <a:p>
+                      <a:pPr algn="l" fontAlgn="b"/>
+                      <a:r>
+                        <a:rPr lang="en-US" sz="1400" u="none" strike="noStrike">
+                          <a:effectLst/>
+                        </a:rPr>
+                        <a:t>An if statement can be followed by an optional else statement, which executes when the boolean expression is FALSE.</a:t>
+                      </a:r>
+                      <a:endParaRPr lang="en-US" sz="1400" b="0" i="0" u="none" strike="noStrike">
+                        <a:solidFill>
+                          <a:srgbClr val="000000"/>
+                        </a:solidFill>
+                        <a:effectLst/>
+                        <a:latin typeface="Calibri" panose="020F0502020204030204" pitchFamily="34" charset="0"/>
+                      </a:endParaRPr>
+                    </a:p>
+                  </a:txBody>
+                  <a:tcPr marL="9525" marR="9525" marT="9525" anchor="b"/>
+                </a:tc>
+                <a:extLst>
+                  <a:ext uri="{0D108BD9-81ED-4DB2-BD59-A6C34878D82A}">
+                    <a16:rowId xmlns:a16="http://schemas.microsoft.com/office/drawing/2014/main" val="2675813400"/>
+                  </a:ext>
+                </a:extLst>
+              </a:tr>
+              <a:tr h="299982">
+                <a:tc>
+                  <a:txBody>
+                    <a:bodyPr/>
+                    <a:lstStyle/>
+                    <a:p>
+                      <a:pPr algn="ctr" fontAlgn="b"/>
+                      <a:r>
+                        <a:rPr lang="en-US" sz="1400" u="none" strike="noStrike">
+                          <a:effectLst/>
+                        </a:rPr>
+                        <a:t>3</a:t>
+                      </a:r>
+                      <a:endParaRPr lang="en-US" sz="1400" b="0" i="0" u="none" strike="noStrike">
+                        <a:solidFill>
+                          <a:srgbClr val="313131"/>
+                        </a:solidFill>
+                        <a:effectLst/>
+                        <a:latin typeface="Calibri" panose="020F0502020204030204" pitchFamily="34" charset="0"/>
+                      </a:endParaRPr>
+                    </a:p>
+                  </a:txBody>
+                  <a:tcPr marL="9525" marR="9525" marT="9525" anchor="b"/>
+                </a:tc>
+                <a:tc>
+                  <a:txBody>
+                    <a:bodyPr/>
+                    <a:lstStyle/>
+                    <a:p>
+                      <a:pPr algn="l" fontAlgn="b"/>
+                      <a:r>
+                        <a:rPr lang="en-US" sz="1400" b="0" i="0" u="sng" strike="noStrike" dirty="0">
+                          <a:solidFill>
+                            <a:srgbClr val="0563C1"/>
+                          </a:solidFill>
+                          <a:effectLst/>
+                          <a:latin typeface="Calibri" panose="020F0502020204030204" pitchFamily="34" charset="0"/>
+                        </a:rPr>
+                        <a:t>Nested if Statement</a:t>
+                      </a:r>
+                    </a:p>
+                  </a:txBody>
+                  <a:tcPr marL="9525" marR="9525" marT="9525" anchor="b"/>
+                </a:tc>
+                <a:extLst>
+                  <a:ext uri="{0D108BD9-81ED-4DB2-BD59-A6C34878D82A}">
+                    <a16:rowId xmlns:a16="http://schemas.microsoft.com/office/drawing/2014/main" val="3207851610"/>
+                  </a:ext>
+                </a:extLst>
+              </a:tr>
+              <a:tr h="538266">
+                <a:tc>
+                  <a:txBody>
+                    <a:bodyPr/>
+                    <a:lstStyle/>
+                    <a:p>
+                      <a:pPr algn="ctr" fontAlgn="b"/>
+                      <a:endParaRPr lang="en-US" sz="1400" b="0" i="0" u="none" strike="noStrike" dirty="0">
+                        <a:solidFill>
+                          <a:srgbClr val="000000"/>
+                        </a:solidFill>
+                        <a:effectLst/>
+                        <a:latin typeface="Calibri" panose="020F0502020204030204" pitchFamily="34" charset="0"/>
+                      </a:endParaRPr>
+                    </a:p>
+                  </a:txBody>
+                  <a:tcPr marL="9525" marR="9525" marT="9525" anchor="b"/>
+                </a:tc>
+                <a:tc>
+                  <a:txBody>
+                    <a:bodyPr/>
+                    <a:lstStyle/>
+                    <a:p>
+                      <a:pPr algn="l" fontAlgn="b"/>
+                      <a:r>
+                        <a:rPr lang="en-US" sz="1400" u="none" strike="noStrike" dirty="0">
+                          <a:effectLst/>
+                        </a:rPr>
+                        <a:t>You can use one if or else if statement inside another if or else </a:t>
+                      </a:r>
+                      <a:r>
+                        <a:rPr lang="en-US" sz="1400" u="none" strike="noStrike" dirty="0" err="1">
+                          <a:effectLst/>
+                        </a:rPr>
+                        <a:t>ifstatement</a:t>
+                      </a:r>
+                      <a:r>
+                        <a:rPr lang="en-US" sz="1400" u="none" strike="noStrike" dirty="0">
+                          <a:effectLst/>
+                        </a:rPr>
+                        <a:t>(s).</a:t>
+                      </a:r>
+                      <a:endParaRPr lang="en-US" sz="1400" b="0" i="0" u="none" strike="noStrike" dirty="0">
+                        <a:solidFill>
+                          <a:srgbClr val="000000"/>
+                        </a:solidFill>
+                        <a:effectLst/>
+                        <a:latin typeface="Calibri" panose="020F0502020204030204" pitchFamily="34" charset="0"/>
+                      </a:endParaRPr>
+                    </a:p>
+                  </a:txBody>
+                  <a:tcPr marL="9525" marR="9525" marT="9525" anchor="b"/>
+                </a:tc>
+                <a:extLst>
+                  <a:ext uri="{0D108BD9-81ED-4DB2-BD59-A6C34878D82A}">
+                    <a16:rowId xmlns:a16="http://schemas.microsoft.com/office/drawing/2014/main" val="1221273953"/>
+                  </a:ext>
+                </a:extLst>
+              </a:tr>
+            </a:tbl>
+          </a:graphicData>
+        </a:graphic>
+      </p:graphicFrame>
+    </p:spTree>
+    <p:extLst>
+      <p:ext uri="{BB962C8B-B14F-4D97-AF65-F5344CB8AC3E}">
+        <p14:creationId xmlns:p14="http://schemas.microsoft.com/office/powerpoint/2010/main" val="2673863062"/>
+      </p:ext>
+    </p:extLst>
+  </p:cSld>
+  <p:clrMapOvr>
+    <a:masterClrMapping/>
+  </p:clrMapOvr>
+</p:sld>
+</file>
+
+<file path=ppt/slides/slide36.xml><?xml version="1.0" encoding="utf-8"?>
+<p:sld xmlns:a="http://schemas.openxmlformats.org/drawingml/2006/main" xmlns:r="http://schemas.openxmlformats.org/officeDocument/2006/relationships" xmlns:p="http://schemas.openxmlformats.org/presentationml/2006/main">
+  <p:cSld>
+    <p:spTree>
+      <p:nvGrpSpPr>
+        <p:cNvPr id="1" name=""/>
+        <p:cNvGrpSpPr/>
+        <p:nvPr/>
+      </p:nvGrpSpPr>
+      <p:grpSpPr>
+        <a:xfrm>
+          <a:off x="0" y="0"/>
+          <a:ext cx="0" cy="0"/>
+          <a:chOff x="0" y="0"/>
+          <a:chExt cx="0" cy="0"/>
+        </a:xfrm>
+      </p:grpSpPr>
+      <p:sp>
+        <p:nvSpPr>
+          <p:cNvPr id="2" name="Title 1">
+            <a:extLst>
+              <a:ext uri="{FF2B5EF4-FFF2-40B4-BE49-F238E27FC236}">
+                <a16:creationId xmlns:a16="http://schemas.microsoft.com/office/drawing/2014/main" id="{370E36EB-9E2A-4FDB-9686-C4751FBAE60B}"/>
+              </a:ext>
+            </a:extLst>
+          </p:cNvPr>
+          <p:cNvSpPr>
+            <a:spLocks noGrp="1"/>
+          </p:cNvSpPr>
+          <p:nvPr>
+            <p:ph type="title"/>
+          </p:nvPr>
+        </p:nvSpPr>
+        <p:spPr/>
+        <p:txBody>
+          <a:bodyPr/>
+          <a:lstStyle/>
+          <a:p>
+            <a:r>
+              <a:rPr lang="en-US" dirty="0"/>
+              <a:t>Single Statement Suites</a:t>
+            </a:r>
+          </a:p>
+        </p:txBody>
+      </p:sp>
+      <p:sp>
+        <p:nvSpPr>
+          <p:cNvPr id="3" name="Content Placeholder 2">
+            <a:extLst>
+              <a:ext uri="{FF2B5EF4-FFF2-40B4-BE49-F238E27FC236}">
+                <a16:creationId xmlns:a16="http://schemas.microsoft.com/office/drawing/2014/main" id="{F8A030A4-ADC3-4B01-B62B-23C2099C0319}"/>
+              </a:ext>
+            </a:extLst>
+          </p:cNvPr>
+          <p:cNvSpPr>
+            <a:spLocks noGrp="1"/>
+          </p:cNvSpPr>
+          <p:nvPr>
+            <p:ph idx="1"/>
+          </p:nvPr>
+        </p:nvSpPr>
+        <p:spPr/>
+        <p:txBody>
+          <a:bodyPr/>
+          <a:lstStyle/>
+          <a:p>
+            <a:endParaRPr lang="en-US" dirty="0"/>
+          </a:p>
+          <a:p>
+            <a:r>
+              <a:rPr lang="en-US" dirty="0"/>
+              <a:t>Example:</a:t>
+            </a:r>
+          </a:p>
+          <a:p>
+            <a:pPr marL="384048" lvl="2" indent="0">
+              <a:buNone/>
+            </a:pPr>
+            <a:r>
+              <a:rPr lang="en-US" sz="1800" dirty="0" err="1"/>
+              <a:t>var</a:t>
+            </a:r>
+            <a:r>
+              <a:rPr lang="en-US" sz="1800" dirty="0"/>
+              <a:t> = 100</a:t>
+            </a:r>
+          </a:p>
+          <a:p>
+            <a:pPr marL="384048" lvl="2" indent="0">
+              <a:buNone/>
+            </a:pPr>
+            <a:r>
+              <a:rPr lang="en-US" sz="1800" dirty="0"/>
+              <a:t>if ( </a:t>
+            </a:r>
+            <a:r>
+              <a:rPr lang="en-US" sz="1800" dirty="0" err="1"/>
+              <a:t>var</a:t>
+            </a:r>
+            <a:r>
+              <a:rPr lang="en-US" sz="1800" dirty="0"/>
+              <a:t>  == 100 ) : print ("Value of expression is 100")</a:t>
+            </a:r>
+          </a:p>
+          <a:p>
+            <a:pPr marL="384048" lvl="2" indent="0">
+              <a:buNone/>
+            </a:pPr>
+            <a:r>
+              <a:rPr lang="en-US" sz="1800" dirty="0"/>
+              <a:t>print ("Good bye!")</a:t>
+            </a:r>
+          </a:p>
+        </p:txBody>
+      </p:sp>
+    </p:spTree>
+    <p:extLst>
+      <p:ext uri="{BB962C8B-B14F-4D97-AF65-F5344CB8AC3E}">
+        <p14:creationId xmlns:p14="http://schemas.microsoft.com/office/powerpoint/2010/main" val="1530337941"/>
+      </p:ext>
+    </p:extLst>
+  </p:cSld>
+  <p:clrMapOvr>
+    <a:masterClrMapping/>
+  </p:clrMapOvr>
+</p:sld>
+</file>
+
+<file path=ppt/slides/slide37.xml><?xml version="1.0" encoding="utf-8"?>
+<p:sld xmlns:a="http://schemas.openxmlformats.org/drawingml/2006/main" xmlns:r="http://schemas.openxmlformats.org/officeDocument/2006/relationships" xmlns:p="http://schemas.openxmlformats.org/presentationml/2006/main">
+  <p:cSld>
+    <p:spTree>
+      <p:nvGrpSpPr>
+        <p:cNvPr id="1" name=""/>
+        <p:cNvGrpSpPr/>
+        <p:nvPr/>
+      </p:nvGrpSpPr>
+      <p:grpSpPr>
+        <a:xfrm>
+          <a:off x="0" y="0"/>
+          <a:ext cx="0" cy="0"/>
+          <a:chOff x="0" y="0"/>
+          <a:chExt cx="0" cy="0"/>
+        </a:xfrm>
+      </p:grpSpPr>
+      <p:sp>
+        <p:nvSpPr>
+          <p:cNvPr id="2" name="Title 1">
+            <a:extLst>
+              <a:ext uri="{FF2B5EF4-FFF2-40B4-BE49-F238E27FC236}">
+                <a16:creationId xmlns:a16="http://schemas.microsoft.com/office/drawing/2014/main" id="{9FB99613-8818-4387-9A80-EE3965952A5F}"/>
+              </a:ext>
+            </a:extLst>
+          </p:cNvPr>
+          <p:cNvSpPr>
+            <a:spLocks noGrp="1"/>
+          </p:cNvSpPr>
+          <p:nvPr>
+            <p:ph type="title"/>
+          </p:nvPr>
+        </p:nvSpPr>
+        <p:spPr/>
+        <p:txBody>
+          <a:bodyPr/>
+          <a:lstStyle/>
+          <a:p>
+            <a:r>
+              <a:rPr lang="en-US" dirty="0"/>
+              <a:t>Loops</a:t>
+            </a:r>
+          </a:p>
+        </p:txBody>
+      </p:sp>
+      <p:pic>
+        <p:nvPicPr>
+          <p:cNvPr id="12290" name="Picture 2" descr="Loop Architecture">
+            <a:extLst>
+              <a:ext uri="{FF2B5EF4-FFF2-40B4-BE49-F238E27FC236}">
+                <a16:creationId xmlns:a16="http://schemas.microsoft.com/office/drawing/2014/main" id="{5DE09C13-871C-4920-ADAE-101F9E19E448}"/>
+              </a:ext>
+            </a:extLst>
+          </p:cNvPr>
+          <p:cNvPicPr>
+            <a:picLocks noGrp="1" noChangeAspect="1" noChangeArrowheads="1"/>
+          </p:cNvPicPr>
+          <p:nvPr>
+            <p:ph idx="1"/>
+          </p:nvPr>
+        </p:nvPicPr>
+        <p:blipFill>
+          <a:blip r:embed="rId2">
+            <a:extLst>
+              <a:ext uri="{28A0092B-C50C-407E-A947-70E740481C1C}">
+                <a14:useLocalDpi xmlns:a14="http://schemas.microsoft.com/office/drawing/2010/main" val="0"/>
+              </a:ext>
+            </a:extLst>
+          </a:blip>
+          <a:srcRect/>
+          <a:stretch>
+            <a:fillRect/>
+          </a:stretch>
+        </p:blipFill>
+        <p:spPr bwMode="auto">
+          <a:xfrm>
+            <a:off x="3940944" y="2642726"/>
+            <a:ext cx="2895600" cy="3314700"/>
+          </a:xfrm>
+          <a:prstGeom prst="rect">
+            <a:avLst/>
+          </a:prstGeom>
+          <a:noFill/>
+          <a:extLst>
+            <a:ext uri="{909E8E84-426E-40DD-AFC4-6F175D3DCCD1}">
+              <a14:hiddenFill xmlns:a14="http://schemas.microsoft.com/office/drawing/2010/main">
+                <a:solidFill>
+                  <a:srgbClr val="FFFFFF"/>
+                </a:solidFill>
+              </a14:hiddenFill>
+            </a:ext>
+          </a:extLst>
+        </p:spPr>
+      </p:pic>
+      <p:sp>
+        <p:nvSpPr>
+          <p:cNvPr id="4" name="Rectangle 3">
+            <a:extLst>
+              <a:ext uri="{FF2B5EF4-FFF2-40B4-BE49-F238E27FC236}">
+                <a16:creationId xmlns:a16="http://schemas.microsoft.com/office/drawing/2014/main" id="{F36B3E0D-225E-4A77-AF76-D2E49C73195D}"/>
+              </a:ext>
+            </a:extLst>
+          </p:cNvPr>
+          <p:cNvSpPr/>
+          <p:nvPr/>
+        </p:nvSpPr>
+        <p:spPr>
+          <a:xfrm>
+            <a:off x="979293" y="1996395"/>
+            <a:ext cx="10294373" cy="646331"/>
+          </a:xfrm>
+          <a:prstGeom prst="rect">
+            <a:avLst/>
+          </a:prstGeom>
+        </p:spPr>
+        <p:txBody>
+          <a:bodyPr wrap="square">
+            <a:spAutoFit/>
+          </a:bodyPr>
+          <a:lstStyle/>
+          <a:p>
+            <a:r>
+              <a:rPr lang="en-US" dirty="0">
+                <a:solidFill>
+                  <a:srgbClr val="000000"/>
+                </a:solidFill>
+                <a:latin typeface="Verdana" panose="020B0604030504040204" pitchFamily="34" charset="0"/>
+              </a:rPr>
+              <a:t>A loop statement allows us to execute a statement or group of statements multiple times. </a:t>
+            </a:r>
+            <a:endParaRPr lang="en-US" dirty="0"/>
+          </a:p>
+        </p:txBody>
+      </p:sp>
+    </p:spTree>
+    <p:extLst>
+      <p:ext uri="{BB962C8B-B14F-4D97-AF65-F5344CB8AC3E}">
+        <p14:creationId xmlns:p14="http://schemas.microsoft.com/office/powerpoint/2010/main" val="3315773985"/>
+      </p:ext>
+    </p:extLst>
+  </p:cSld>
+  <p:clrMapOvr>
+    <a:masterClrMapping/>
+  </p:clrMapOvr>
+</p:sld>
+</file>
+
+<file path=ppt/slides/slide38.xml><?xml version="1.0" encoding="utf-8"?>
+<p:sld xmlns:a="http://schemas.openxmlformats.org/drawingml/2006/main" xmlns:r="http://schemas.openxmlformats.org/officeDocument/2006/relationships" xmlns:p="http://schemas.openxmlformats.org/presentationml/2006/main">
+  <p:cSld>
+    <p:spTree>
+      <p:nvGrpSpPr>
+        <p:cNvPr id="1" name=""/>
+        <p:cNvGrpSpPr/>
+        <p:nvPr/>
+      </p:nvGrpSpPr>
+      <p:grpSpPr>
+        <a:xfrm>
+          <a:off x="0" y="0"/>
+          <a:ext cx="0" cy="0"/>
+          <a:chOff x="0" y="0"/>
+          <a:chExt cx="0" cy="0"/>
+        </a:xfrm>
+      </p:grpSpPr>
+      <p:sp>
+        <p:nvSpPr>
+          <p:cNvPr id="2" name="Title 1">
+            <a:extLst>
+              <a:ext uri="{FF2B5EF4-FFF2-40B4-BE49-F238E27FC236}">
+                <a16:creationId xmlns:a16="http://schemas.microsoft.com/office/drawing/2014/main" id="{9C16083E-F4F2-4B62-B712-CE56B6F37284}"/>
+              </a:ext>
+            </a:extLst>
+          </p:cNvPr>
+          <p:cNvSpPr>
+            <a:spLocks noGrp="1"/>
+          </p:cNvSpPr>
+          <p:nvPr>
+            <p:ph type="title"/>
+          </p:nvPr>
+        </p:nvSpPr>
+        <p:spPr/>
+        <p:txBody>
+          <a:bodyPr/>
+          <a:lstStyle/>
+          <a:p>
+            <a:r>
+              <a:rPr lang="en-US" dirty="0"/>
+              <a:t>Type of Loops</a:t>
+            </a:r>
+          </a:p>
+        </p:txBody>
+      </p:sp>
+      <p:graphicFrame>
+        <p:nvGraphicFramePr>
+          <p:cNvPr id="4" name="Content Placeholder 3">
+            <a:extLst>
+              <a:ext uri="{FF2B5EF4-FFF2-40B4-BE49-F238E27FC236}">
+                <a16:creationId xmlns:a16="http://schemas.microsoft.com/office/drawing/2014/main" id="{7BA042DE-5D78-488D-8338-5914F1DE8440}"/>
+              </a:ext>
+            </a:extLst>
+          </p:cNvPr>
+          <p:cNvGraphicFramePr>
+            <a:graphicFrameLocks noGrp="1"/>
+          </p:cNvGraphicFramePr>
+          <p:nvPr>
+            <p:ph idx="1"/>
+            <p:extLst>
+              <p:ext uri="{D42A27DB-BD31-4B8C-83A1-F6EECF244321}">
+                <p14:modId xmlns:p14="http://schemas.microsoft.com/office/powerpoint/2010/main" val="66625221"/>
+              </p:ext>
+            </p:extLst>
+          </p:nvPr>
+        </p:nvGraphicFramePr>
+        <p:xfrm>
+          <a:off x="2389239" y="2549843"/>
+          <a:ext cx="7108722" cy="2788920"/>
+        </p:xfrm>
+        <a:graphic>
+          <a:graphicData uri="http://schemas.openxmlformats.org/drawingml/2006/table">
+            <a:tbl>
+              <a:tblPr>
+                <a:tableStyleId>{5C22544A-7EE6-4342-B048-85BDC9FD1C3A}</a:tableStyleId>
+              </a:tblPr>
+              <a:tblGrid>
+                <a:gridCol w="1194619">
+                  <a:extLst>
+                    <a:ext uri="{9D8B030D-6E8A-4147-A177-3AD203B41FA5}">
+                      <a16:colId xmlns:a16="http://schemas.microsoft.com/office/drawing/2014/main" val="2580587938"/>
+                    </a:ext>
+                  </a:extLst>
+                </a:gridCol>
+                <a:gridCol w="5914103">
+                  <a:extLst>
+                    <a:ext uri="{9D8B030D-6E8A-4147-A177-3AD203B41FA5}">
+                      <a16:colId xmlns:a16="http://schemas.microsoft.com/office/drawing/2014/main" val="3260117876"/>
+                    </a:ext>
+                  </a:extLst>
+                </a:gridCol>
+              </a:tblGrid>
+              <a:tr h="190500">
+                <a:tc>
+                  <a:txBody>
+                    <a:bodyPr/>
+                    <a:lstStyle/>
+                    <a:p>
+                      <a:pPr algn="ctr" fontAlgn="b"/>
+                      <a:r>
+                        <a:rPr lang="en-US" sz="1400" b="1" u="none" strike="noStrike" dirty="0" err="1">
+                          <a:effectLst/>
+                        </a:rPr>
+                        <a:t>S.No</a:t>
+                      </a:r>
+                      <a:r>
+                        <a:rPr lang="en-US" sz="1400" b="1" u="none" strike="noStrike" dirty="0">
+                          <a:effectLst/>
+                        </a:rPr>
+                        <a:t>.</a:t>
+                      </a:r>
+                      <a:endParaRPr lang="en-US" sz="1400" b="1" i="0" u="none" strike="noStrike" dirty="0">
+                        <a:solidFill>
+                          <a:srgbClr val="313131"/>
+                        </a:solidFill>
+                        <a:effectLst/>
+                        <a:latin typeface="Calibri" panose="020F0502020204030204" pitchFamily="34" charset="0"/>
+                      </a:endParaRPr>
+                    </a:p>
+                  </a:txBody>
+                  <a:tcPr marL="9525" marR="9525" marT="9525" anchor="b">
+                    <a:solidFill>
+                      <a:schemeClr val="bg1">
+                        <a:lumMod val="85000"/>
+                      </a:schemeClr>
+                    </a:solidFill>
+                  </a:tcPr>
+                </a:tc>
+                <a:tc>
+                  <a:txBody>
+                    <a:bodyPr/>
+                    <a:lstStyle/>
+                    <a:p>
+                      <a:pPr algn="ctr" fontAlgn="b"/>
+                      <a:r>
+                        <a:rPr lang="en-US" sz="1400" b="1" u="none" strike="noStrike" dirty="0">
+                          <a:effectLst/>
+                        </a:rPr>
+                        <a:t>Loop Type &amp; Description</a:t>
+                      </a:r>
+                      <a:endParaRPr lang="en-US" sz="1400" b="1" i="0" u="none" strike="noStrike" dirty="0">
+                        <a:solidFill>
+                          <a:srgbClr val="313131"/>
+                        </a:solidFill>
+                        <a:effectLst/>
+                        <a:latin typeface="Calibri" panose="020F0502020204030204" pitchFamily="34" charset="0"/>
+                      </a:endParaRPr>
+                    </a:p>
+                  </a:txBody>
+                  <a:tcPr marL="9525" marR="9525" marT="9525" anchor="b">
+                    <a:solidFill>
+                      <a:schemeClr val="bg1">
+                        <a:lumMod val="85000"/>
+                      </a:schemeClr>
+                    </a:solidFill>
+                  </a:tcPr>
+                </a:tc>
+                <a:extLst>
+                  <a:ext uri="{0D108BD9-81ED-4DB2-BD59-A6C34878D82A}">
+                    <a16:rowId xmlns:a16="http://schemas.microsoft.com/office/drawing/2014/main" val="2763473011"/>
+                  </a:ext>
+                </a:extLst>
+              </a:tr>
+              <a:tr h="190500">
+                <a:tc>
+                  <a:txBody>
+                    <a:bodyPr/>
+                    <a:lstStyle/>
+                    <a:p>
+                      <a:pPr algn="ctr" fontAlgn="b"/>
+                      <a:r>
+                        <a:rPr lang="en-US" sz="1400" u="none" strike="noStrike">
+                          <a:effectLst/>
+                        </a:rPr>
+                        <a:t>1</a:t>
+                      </a:r>
+                      <a:endParaRPr lang="en-US" sz="1400" b="0" i="0" u="none" strike="noStrike">
+                        <a:solidFill>
+                          <a:srgbClr val="313131"/>
+                        </a:solidFill>
+                        <a:effectLst/>
+                        <a:latin typeface="Calibri" panose="020F0502020204030204" pitchFamily="34" charset="0"/>
+                      </a:endParaRPr>
+                    </a:p>
+                  </a:txBody>
+                  <a:tcPr marL="9525" marR="9525" marT="9525" anchor="b"/>
+                </a:tc>
+                <a:tc>
+                  <a:txBody>
+                    <a:bodyPr/>
+                    <a:lstStyle/>
+                    <a:p>
+                      <a:pPr algn="l" fontAlgn="b"/>
+                      <a:r>
+                        <a:rPr lang="en-US" sz="1400" b="0" i="0" u="sng" strike="noStrike" dirty="0">
+                          <a:solidFill>
+                            <a:srgbClr val="0563C1"/>
+                          </a:solidFill>
+                          <a:effectLst/>
+                          <a:latin typeface="Calibri" panose="020F0502020204030204" pitchFamily="34" charset="0"/>
+                        </a:rPr>
+                        <a:t>While Loop</a:t>
+                      </a:r>
+                    </a:p>
+                  </a:txBody>
+                  <a:tcPr marL="9525" marR="9525" marT="9525" anchor="b"/>
+                </a:tc>
+                <a:extLst>
+                  <a:ext uri="{0D108BD9-81ED-4DB2-BD59-A6C34878D82A}">
+                    <a16:rowId xmlns:a16="http://schemas.microsoft.com/office/drawing/2014/main" val="1030865107"/>
+                  </a:ext>
+                </a:extLst>
+              </a:tr>
+              <a:tr h="762000">
+                <a:tc>
+                  <a:txBody>
+                    <a:bodyPr/>
+                    <a:lstStyle/>
+                    <a:p>
+                      <a:pPr algn="ctr" fontAlgn="b"/>
+                      <a:endParaRPr lang="en-US" sz="1400" b="0" i="0" u="none" strike="noStrike">
+                        <a:solidFill>
+                          <a:srgbClr val="000000"/>
+                        </a:solidFill>
+                        <a:effectLst/>
+                        <a:latin typeface="Calibri" panose="020F0502020204030204" pitchFamily="34" charset="0"/>
+                      </a:endParaRPr>
+                    </a:p>
+                  </a:txBody>
+                  <a:tcPr marL="9525" marR="9525" marT="9525" anchor="b"/>
+                </a:tc>
+                <a:tc>
+                  <a:txBody>
+                    <a:bodyPr/>
+                    <a:lstStyle/>
+                    <a:p>
+                      <a:pPr algn="l" fontAlgn="b"/>
+                      <a:r>
+                        <a:rPr lang="en-US" sz="1400" u="none" strike="noStrike" dirty="0">
+                          <a:effectLst/>
+                        </a:rPr>
+                        <a:t>Repeats a statement or group of statements while a given condition is TRUE. It tests the condition before executing the loop body.</a:t>
+                      </a:r>
+                      <a:endParaRPr lang="en-US" sz="1400" b="0" i="0" u="none" strike="noStrike" dirty="0">
+                        <a:solidFill>
+                          <a:srgbClr val="000000"/>
+                        </a:solidFill>
+                        <a:effectLst/>
+                        <a:latin typeface="Calibri" panose="020F0502020204030204" pitchFamily="34" charset="0"/>
+                      </a:endParaRPr>
+                    </a:p>
+                  </a:txBody>
+                  <a:tcPr marL="9525" marR="9525" marT="9525" anchor="b"/>
+                </a:tc>
+                <a:extLst>
+                  <a:ext uri="{0D108BD9-81ED-4DB2-BD59-A6C34878D82A}">
+                    <a16:rowId xmlns:a16="http://schemas.microsoft.com/office/drawing/2014/main" val="3494688761"/>
+                  </a:ext>
+                </a:extLst>
+              </a:tr>
+              <a:tr h="190500">
+                <a:tc>
+                  <a:txBody>
+                    <a:bodyPr/>
+                    <a:lstStyle/>
+                    <a:p>
+                      <a:pPr algn="ctr" fontAlgn="b"/>
+                      <a:r>
+                        <a:rPr lang="en-US" sz="1400" u="none" strike="noStrike">
+                          <a:effectLst/>
+                        </a:rPr>
+                        <a:t>2</a:t>
+                      </a:r>
+                      <a:endParaRPr lang="en-US" sz="1400" b="0" i="0" u="none" strike="noStrike">
+                        <a:solidFill>
+                          <a:srgbClr val="313131"/>
+                        </a:solidFill>
+                        <a:effectLst/>
+                        <a:latin typeface="Calibri" panose="020F0502020204030204" pitchFamily="34" charset="0"/>
+                      </a:endParaRPr>
+                    </a:p>
+                  </a:txBody>
+                  <a:tcPr marL="9525" marR="9525" marT="9525" anchor="b"/>
+                </a:tc>
+                <a:tc>
+                  <a:txBody>
+                    <a:bodyPr/>
+                    <a:lstStyle/>
+                    <a:p>
+                      <a:pPr algn="l" fontAlgn="b"/>
+                      <a:r>
+                        <a:rPr lang="en-US" sz="1400" b="0" i="0" u="sng" strike="noStrike" dirty="0">
+                          <a:solidFill>
+                            <a:srgbClr val="0563C1"/>
+                          </a:solidFill>
+                          <a:effectLst/>
+                          <a:latin typeface="Calibri" panose="020F0502020204030204" pitchFamily="34" charset="0"/>
+                        </a:rPr>
+                        <a:t>For Loop</a:t>
+                      </a:r>
+                    </a:p>
+                  </a:txBody>
+                  <a:tcPr marL="9525" marR="9525" marT="9525" anchor="b"/>
+                </a:tc>
+                <a:extLst>
+                  <a:ext uri="{0D108BD9-81ED-4DB2-BD59-A6C34878D82A}">
+                    <a16:rowId xmlns:a16="http://schemas.microsoft.com/office/drawing/2014/main" val="4054150041"/>
+                  </a:ext>
+                </a:extLst>
+              </a:tr>
+              <a:tr h="571500">
+                <a:tc>
+                  <a:txBody>
+                    <a:bodyPr/>
+                    <a:lstStyle/>
+                    <a:p>
+                      <a:pPr algn="ctr" fontAlgn="b"/>
+                      <a:endParaRPr lang="en-US" sz="1400" b="0" i="0" u="none" strike="noStrike" dirty="0">
+                        <a:solidFill>
+                          <a:srgbClr val="000000"/>
+                        </a:solidFill>
+                        <a:effectLst/>
+                        <a:latin typeface="Calibri" panose="020F0502020204030204" pitchFamily="34" charset="0"/>
+                      </a:endParaRPr>
+                    </a:p>
+                  </a:txBody>
+                  <a:tcPr marL="9525" marR="9525" marT="9525" anchor="b"/>
+                </a:tc>
+                <a:tc>
+                  <a:txBody>
+                    <a:bodyPr/>
+                    <a:lstStyle/>
+                    <a:p>
+                      <a:pPr algn="l" fontAlgn="b"/>
+                      <a:r>
+                        <a:rPr lang="en-US" sz="1400" u="none" strike="noStrike" dirty="0">
+                          <a:effectLst/>
+                        </a:rPr>
+                        <a:t>Executes a sequence of statements multiple times and abbreviates the code that manages the loop variable.</a:t>
+                      </a:r>
+                      <a:endParaRPr lang="en-US" sz="1400" b="0" i="0" u="none" strike="noStrike" dirty="0">
+                        <a:solidFill>
+                          <a:srgbClr val="000000"/>
+                        </a:solidFill>
+                        <a:effectLst/>
+                        <a:latin typeface="Calibri" panose="020F0502020204030204" pitchFamily="34" charset="0"/>
+                      </a:endParaRPr>
+                    </a:p>
+                  </a:txBody>
+                  <a:tcPr marL="9525" marR="9525" marT="9525" anchor="b"/>
+                </a:tc>
+                <a:extLst>
+                  <a:ext uri="{0D108BD9-81ED-4DB2-BD59-A6C34878D82A}">
+                    <a16:rowId xmlns:a16="http://schemas.microsoft.com/office/drawing/2014/main" val="586468957"/>
+                  </a:ext>
+                </a:extLst>
+              </a:tr>
+              <a:tr h="190500">
+                <a:tc>
+                  <a:txBody>
+                    <a:bodyPr/>
+                    <a:lstStyle/>
+                    <a:p>
+                      <a:pPr algn="ctr" fontAlgn="b"/>
+                      <a:r>
+                        <a:rPr lang="en-US" sz="1400" u="none" strike="noStrike">
+                          <a:effectLst/>
+                        </a:rPr>
+                        <a:t>3</a:t>
+                      </a:r>
+                      <a:endParaRPr lang="en-US" sz="1400" b="0" i="0" u="none" strike="noStrike">
+                        <a:solidFill>
+                          <a:srgbClr val="313131"/>
+                        </a:solidFill>
+                        <a:effectLst/>
+                        <a:latin typeface="Calibri" panose="020F0502020204030204" pitchFamily="34" charset="0"/>
+                      </a:endParaRPr>
+                    </a:p>
+                  </a:txBody>
+                  <a:tcPr marL="9525" marR="9525" marT="9525" anchor="b"/>
+                </a:tc>
+                <a:tc>
+                  <a:txBody>
+                    <a:bodyPr/>
+                    <a:lstStyle/>
+                    <a:p>
+                      <a:pPr algn="l" fontAlgn="b"/>
+                      <a:r>
+                        <a:rPr lang="en-US" sz="1400" b="0" i="0" u="sng" strike="noStrike" dirty="0">
+                          <a:solidFill>
+                            <a:srgbClr val="0563C1"/>
+                          </a:solidFill>
+                          <a:effectLst/>
+                          <a:latin typeface="Calibri" panose="020F0502020204030204" pitchFamily="34" charset="0"/>
+                        </a:rPr>
+                        <a:t>Nested Loops</a:t>
+                      </a:r>
+                    </a:p>
+                  </a:txBody>
+                  <a:tcPr marL="9525" marR="9525" marT="9525" anchor="b"/>
+                </a:tc>
+                <a:extLst>
+                  <a:ext uri="{0D108BD9-81ED-4DB2-BD59-A6C34878D82A}">
+                    <a16:rowId xmlns:a16="http://schemas.microsoft.com/office/drawing/2014/main" val="1916874858"/>
+                  </a:ext>
+                </a:extLst>
+              </a:tr>
+              <a:tr h="381000">
+                <a:tc>
+                  <a:txBody>
+                    <a:bodyPr/>
+                    <a:lstStyle/>
+                    <a:p>
+                      <a:pPr algn="ctr" fontAlgn="b"/>
+                      <a:endParaRPr lang="en-US" sz="1400" b="0" i="0" u="none" strike="noStrike">
+                        <a:solidFill>
+                          <a:srgbClr val="000000"/>
+                        </a:solidFill>
+                        <a:effectLst/>
+                        <a:latin typeface="Calibri" panose="020F0502020204030204" pitchFamily="34" charset="0"/>
+                      </a:endParaRPr>
+                    </a:p>
+                  </a:txBody>
+                  <a:tcPr marL="9525" marR="9525" marT="9525" anchor="b"/>
+                </a:tc>
+                <a:tc>
+                  <a:txBody>
+                    <a:bodyPr/>
+                    <a:lstStyle/>
+                    <a:p>
+                      <a:pPr algn="l" fontAlgn="b"/>
+                      <a:r>
+                        <a:rPr lang="en-US" sz="1400" u="none" strike="noStrike" dirty="0">
+                          <a:effectLst/>
+                        </a:rPr>
+                        <a:t>You can use one or more loop inside any another while, or for loop.</a:t>
+                      </a:r>
+                      <a:endParaRPr lang="en-US" sz="1400" b="0" i="0" u="none" strike="noStrike" dirty="0">
+                        <a:solidFill>
+                          <a:srgbClr val="000000"/>
+                        </a:solidFill>
+                        <a:effectLst/>
+                        <a:latin typeface="Calibri" panose="020F0502020204030204" pitchFamily="34" charset="0"/>
+                      </a:endParaRPr>
+                    </a:p>
+                  </a:txBody>
+                  <a:tcPr marL="9525" marR="9525" marT="9525" anchor="b"/>
+                </a:tc>
+                <a:extLst>
+                  <a:ext uri="{0D108BD9-81ED-4DB2-BD59-A6C34878D82A}">
+                    <a16:rowId xmlns:a16="http://schemas.microsoft.com/office/drawing/2014/main" val="736310665"/>
+                  </a:ext>
+                </a:extLst>
+              </a:tr>
+            </a:tbl>
+          </a:graphicData>
+        </a:graphic>
+      </p:graphicFrame>
+    </p:spTree>
+    <p:extLst>
+      <p:ext uri="{BB962C8B-B14F-4D97-AF65-F5344CB8AC3E}">
+        <p14:creationId xmlns:p14="http://schemas.microsoft.com/office/powerpoint/2010/main" val="3908538896"/>
+      </p:ext>
+    </p:extLst>
+  </p:cSld>
+  <p:clrMapOvr>
+    <a:masterClrMapping/>
+  </p:clrMapOvr>
+</p:sld>
+</file>
+
+<file path=ppt/slides/slide39.xml><?xml version="1.0" encoding="utf-8"?>
+<p:sld xmlns:a="http://schemas.openxmlformats.org/drawingml/2006/main" xmlns:r="http://schemas.openxmlformats.org/officeDocument/2006/relationships" xmlns:p="http://schemas.openxmlformats.org/presentationml/2006/main">
+  <p:cSld>
+    <p:spTree>
+      <p:nvGrpSpPr>
+        <p:cNvPr id="1" name=""/>
+        <p:cNvGrpSpPr/>
+        <p:nvPr/>
+      </p:nvGrpSpPr>
+      <p:grpSpPr>
+        <a:xfrm>
+          <a:off x="0" y="0"/>
+          <a:ext cx="0" cy="0"/>
+          <a:chOff x="0" y="0"/>
+          <a:chExt cx="0" cy="0"/>
+        </a:xfrm>
+      </p:grpSpPr>
+      <p:sp>
+        <p:nvSpPr>
+          <p:cNvPr id="2" name="Title 1">
+            <a:extLst>
+              <a:ext uri="{FF2B5EF4-FFF2-40B4-BE49-F238E27FC236}">
+                <a16:creationId xmlns:a16="http://schemas.microsoft.com/office/drawing/2014/main" id="{FCA9EF8C-12DF-4DA0-B68B-49A92C9FA5B9}"/>
+              </a:ext>
+            </a:extLst>
+          </p:cNvPr>
+          <p:cNvSpPr>
+            <a:spLocks noGrp="1"/>
+          </p:cNvSpPr>
+          <p:nvPr>
+            <p:ph type="title"/>
+          </p:nvPr>
+        </p:nvSpPr>
+        <p:spPr/>
+        <p:txBody>
+          <a:bodyPr/>
+          <a:lstStyle/>
+          <a:p>
+            <a:r>
+              <a:rPr lang="en-US" dirty="0"/>
+              <a:t>Loop Control Statements</a:t>
+            </a:r>
+          </a:p>
+        </p:txBody>
+      </p:sp>
+      <p:sp>
+        <p:nvSpPr>
+          <p:cNvPr id="3" name="Content Placeholder 2">
+            <a:extLst>
+              <a:ext uri="{FF2B5EF4-FFF2-40B4-BE49-F238E27FC236}">
+                <a16:creationId xmlns:a16="http://schemas.microsoft.com/office/drawing/2014/main" id="{52EA21C4-977D-4694-AC91-90A86222B8D9}"/>
+              </a:ext>
+            </a:extLst>
+          </p:cNvPr>
+          <p:cNvSpPr>
+            <a:spLocks noGrp="1"/>
+          </p:cNvSpPr>
+          <p:nvPr>
+            <p:ph idx="1"/>
+          </p:nvPr>
+        </p:nvSpPr>
+        <p:spPr/>
+        <p:txBody>
+          <a:bodyPr/>
+          <a:lstStyle/>
+          <a:p>
+            <a:r>
+              <a:rPr lang="en-US" dirty="0"/>
+              <a:t>The Loop control statements change the execution from its normal sequence. When the execution leaves a scope, all automatic objects that were created in that scope are destroyed.</a:t>
+            </a:r>
+          </a:p>
+        </p:txBody>
+      </p:sp>
+      <p:graphicFrame>
+        <p:nvGraphicFramePr>
+          <p:cNvPr id="4" name="Table 3">
+            <a:extLst>
+              <a:ext uri="{FF2B5EF4-FFF2-40B4-BE49-F238E27FC236}">
+                <a16:creationId xmlns:a16="http://schemas.microsoft.com/office/drawing/2014/main" id="{66DBA7F3-5093-46ED-AB45-CD57B466F28B}"/>
+              </a:ext>
+            </a:extLst>
+          </p:cNvPr>
+          <p:cNvGraphicFramePr>
+            <a:graphicFrameLocks noGrp="1"/>
+          </p:cNvGraphicFramePr>
+          <p:nvPr>
+            <p:extLst>
+              <p:ext uri="{D42A27DB-BD31-4B8C-83A1-F6EECF244321}">
+                <p14:modId xmlns:p14="http://schemas.microsoft.com/office/powerpoint/2010/main" val="1454026576"/>
+              </p:ext>
+            </p:extLst>
+          </p:nvPr>
+        </p:nvGraphicFramePr>
+        <p:xfrm>
+          <a:off x="2993922" y="2507226"/>
+          <a:ext cx="5810865" cy="4074626"/>
+        </p:xfrm>
+        <a:graphic>
+          <a:graphicData uri="http://schemas.openxmlformats.org/drawingml/2006/table">
+            <a:tbl>
+              <a:tblPr>
+                <a:tableStyleId>{5C22544A-7EE6-4342-B048-85BDC9FD1C3A}</a:tableStyleId>
+              </a:tblPr>
+              <a:tblGrid>
+                <a:gridCol w="665580">
+                  <a:extLst>
+                    <a:ext uri="{9D8B030D-6E8A-4147-A177-3AD203B41FA5}">
+                      <a16:colId xmlns:a16="http://schemas.microsoft.com/office/drawing/2014/main" val="3624438518"/>
+                    </a:ext>
+                  </a:extLst>
+                </a:gridCol>
+                <a:gridCol w="5145285">
+                  <a:extLst>
+                    <a:ext uri="{9D8B030D-6E8A-4147-A177-3AD203B41FA5}">
+                      <a16:colId xmlns:a16="http://schemas.microsoft.com/office/drawing/2014/main" val="3697926925"/>
+                    </a:ext>
+                  </a:extLst>
+                </a:gridCol>
+              </a:tblGrid>
+              <a:tr h="437633">
+                <a:tc>
+                  <a:txBody>
+                    <a:bodyPr/>
+                    <a:lstStyle/>
+                    <a:p>
+                      <a:pPr algn="ctr" fontAlgn="b"/>
+                      <a:r>
+                        <a:rPr lang="en-US" sz="1400" b="1" u="none" strike="noStrike">
+                          <a:effectLst/>
+                        </a:rPr>
+                        <a:t>S.No.</a:t>
+                      </a:r>
+                      <a:endParaRPr lang="en-US" sz="1400" b="1" i="0" u="none" strike="noStrike">
+                        <a:solidFill>
+                          <a:srgbClr val="313131"/>
+                        </a:solidFill>
+                        <a:effectLst/>
+                        <a:latin typeface="Calibri" panose="020F0502020204030204" pitchFamily="34" charset="0"/>
+                      </a:endParaRPr>
+                    </a:p>
+                  </a:txBody>
+                  <a:tcPr marL="8753" marR="8753" marT="8753" marB="42013" anchor="b">
+                    <a:lnL w="12700" cap="flat" cmpd="sng" algn="ctr">
+                      <a:solidFill>
+                        <a:schemeClr val="tx1"/>
+                      </a:solidFill>
+                      <a:prstDash val="solid"/>
+                      <a:round/>
+                      <a:headEnd type="none" w="med" len="med"/>
+                      <a:tailEnd type="none" w="med" len="med"/>
+                    </a:lnL>
+                    <a:lnR w="12700" cap="flat" cmpd="sng" algn="ctr">
+                      <a:solidFill>
+                        <a:schemeClr val="tx1"/>
+                      </a:solidFill>
+                      <a:prstDash val="solid"/>
+                      <a:round/>
+                      <a:headEnd type="none" w="med" len="med"/>
+                      <a:tailEnd type="none" w="med" len="med"/>
+                    </a:lnR>
+                    <a:lnT w="12700" cap="flat" cmpd="sng" algn="ctr">
+                      <a:solidFill>
+                        <a:schemeClr val="tx1"/>
+                      </a:solidFill>
+                      <a:prstDash val="solid"/>
+                      <a:round/>
+                      <a:headEnd type="none" w="med" len="med"/>
+                      <a:tailEnd type="none" w="med" len="med"/>
+                    </a:lnT>
+                    <a:lnB w="12700" cap="flat" cmpd="sng" algn="ctr">
+                      <a:solidFill>
+                        <a:schemeClr val="tx1"/>
+                      </a:solidFill>
+                      <a:prstDash val="solid"/>
+                      <a:round/>
+                      <a:headEnd type="none" w="med" len="med"/>
+                      <a:tailEnd type="none" w="med" len="med"/>
+                    </a:lnB>
+                    <a:solidFill>
+                      <a:schemeClr val="bg1">
+                        <a:lumMod val="85000"/>
+                      </a:schemeClr>
+                    </a:solidFill>
+                  </a:tcPr>
+                </a:tc>
+                <a:tc>
+                  <a:txBody>
+                    <a:bodyPr/>
+                    <a:lstStyle/>
+                    <a:p>
+                      <a:pPr algn="l" fontAlgn="b"/>
+                      <a:r>
+                        <a:rPr lang="en-US" sz="1400" b="1" u="none" strike="noStrike" dirty="0">
+                          <a:effectLst/>
+                        </a:rPr>
+                        <a:t>Control Statement &amp; Description</a:t>
+                      </a:r>
+                      <a:endParaRPr lang="en-US" sz="1400" b="1" i="0" u="none" strike="noStrike" dirty="0">
+                        <a:solidFill>
+                          <a:srgbClr val="313131"/>
+                        </a:solidFill>
+                        <a:effectLst/>
+                        <a:latin typeface="Calibri" panose="020F0502020204030204" pitchFamily="34" charset="0"/>
+                      </a:endParaRPr>
+                    </a:p>
+                  </a:txBody>
+                  <a:tcPr marL="8753" marR="8753" marT="8753" marB="42013" anchor="b">
+                    <a:lnL w="12700" cap="flat" cmpd="sng" algn="ctr">
+                      <a:solidFill>
+                        <a:schemeClr val="tx1"/>
+                      </a:solidFill>
+                      <a:prstDash val="solid"/>
+                      <a:round/>
+                      <a:headEnd type="none" w="med" len="med"/>
+                      <a:tailEnd type="none" w="med" len="med"/>
+                    </a:lnL>
+                    <a:lnR w="12700" cap="flat" cmpd="sng" algn="ctr">
+                      <a:solidFill>
+                        <a:schemeClr val="tx1"/>
+                      </a:solidFill>
+                      <a:prstDash val="solid"/>
+                      <a:round/>
+                      <a:headEnd type="none" w="med" len="med"/>
+                      <a:tailEnd type="none" w="med" len="med"/>
+                    </a:lnR>
+                    <a:lnT w="12700" cap="flat" cmpd="sng" algn="ctr">
+                      <a:solidFill>
+                        <a:schemeClr val="tx1"/>
+                      </a:solidFill>
+                      <a:prstDash val="solid"/>
+                      <a:round/>
+                      <a:headEnd type="none" w="med" len="med"/>
+                      <a:tailEnd type="none" w="med" len="med"/>
+                    </a:lnT>
+                    <a:lnB w="12700" cap="flat" cmpd="sng" algn="ctr">
+                      <a:solidFill>
+                        <a:schemeClr val="tx1"/>
+                      </a:solidFill>
+                      <a:prstDash val="solid"/>
+                      <a:round/>
+                      <a:headEnd type="none" w="med" len="med"/>
+                      <a:tailEnd type="none" w="med" len="med"/>
+                    </a:lnB>
+                    <a:solidFill>
+                      <a:schemeClr val="bg1">
+                        <a:lumMod val="85000"/>
+                      </a:schemeClr>
+                    </a:solidFill>
+                  </a:tcPr>
+                </a:tc>
+                <a:extLst>
+                  <a:ext uri="{0D108BD9-81ED-4DB2-BD59-A6C34878D82A}">
+                    <a16:rowId xmlns:a16="http://schemas.microsoft.com/office/drawing/2014/main" val="2309164022"/>
+                  </a:ext>
+                </a:extLst>
+              </a:tr>
+              <a:tr h="246825">
+                <a:tc>
+                  <a:txBody>
+                    <a:bodyPr/>
+                    <a:lstStyle/>
+                    <a:p>
+                      <a:pPr algn="ctr" fontAlgn="b"/>
+                      <a:r>
+                        <a:rPr lang="en-US" sz="1400" u="none" strike="noStrike">
+                          <a:effectLst/>
+                        </a:rPr>
+                        <a:t>1</a:t>
+                      </a:r>
+                      <a:endParaRPr lang="en-US" sz="1400" b="0" i="0" u="none" strike="noStrike">
+                        <a:solidFill>
+                          <a:srgbClr val="313131"/>
+                        </a:solidFill>
+                        <a:effectLst/>
+                        <a:latin typeface="Calibri" panose="020F0502020204030204" pitchFamily="34" charset="0"/>
+                      </a:endParaRPr>
+                    </a:p>
+                  </a:txBody>
+                  <a:tcPr marL="8753" marR="8753" marT="8753" marB="42013" anchor="b">
+                    <a:lnL w="12700" cap="flat" cmpd="sng" algn="ctr">
+                      <a:solidFill>
+                        <a:schemeClr val="tx1"/>
+                      </a:solidFill>
+                      <a:prstDash val="solid"/>
+                      <a:round/>
+                      <a:headEnd type="none" w="med" len="med"/>
+                      <a:tailEnd type="none" w="med" len="med"/>
+                    </a:lnL>
+                    <a:lnR w="12700" cap="flat" cmpd="sng" algn="ctr">
+                      <a:solidFill>
+                        <a:schemeClr val="tx1"/>
+                      </a:solidFill>
+                      <a:prstDash val="solid"/>
+                      <a:round/>
+                      <a:headEnd type="none" w="med" len="med"/>
+                      <a:tailEnd type="none" w="med" len="med"/>
+                    </a:lnR>
+                    <a:lnT w="12700" cap="flat" cmpd="sng" algn="ctr">
+                      <a:solidFill>
+                        <a:schemeClr val="tx1"/>
+                      </a:solidFill>
+                      <a:prstDash val="solid"/>
+                      <a:round/>
+                      <a:headEnd type="none" w="med" len="med"/>
+                      <a:tailEnd type="none" w="med" len="med"/>
+                    </a:lnT>
+                    <a:lnB w="12700" cap="flat" cmpd="sng" algn="ctr">
+                      <a:solidFill>
+                        <a:schemeClr val="tx1"/>
+                      </a:solidFill>
+                      <a:prstDash val="solid"/>
+                      <a:round/>
+                      <a:headEnd type="none" w="med" len="med"/>
+                      <a:tailEnd type="none" w="med" len="med"/>
+                    </a:lnB>
+                  </a:tcPr>
+                </a:tc>
+                <a:tc>
+                  <a:txBody>
+                    <a:bodyPr/>
+                    <a:lstStyle/>
+                    <a:p>
+                      <a:pPr algn="l" fontAlgn="b"/>
+                      <a:r>
+                        <a:rPr lang="en-US" sz="1400" b="0" i="0" u="sng" strike="noStrike" dirty="0">
+                          <a:solidFill>
+                            <a:srgbClr val="0563C1"/>
+                          </a:solidFill>
+                          <a:effectLst/>
+                          <a:latin typeface="Calibri" panose="020F0502020204030204" pitchFamily="34" charset="0"/>
+                        </a:rPr>
+                        <a:t>Break Statement</a:t>
+                      </a:r>
+                    </a:p>
+                  </a:txBody>
+                  <a:tcPr marL="8753" marR="8753" marT="8753" marB="42013" anchor="b">
+                    <a:lnL w="12700" cap="flat" cmpd="sng" algn="ctr">
+                      <a:solidFill>
+                        <a:schemeClr val="tx1"/>
+                      </a:solidFill>
+                      <a:prstDash val="solid"/>
+                      <a:round/>
+                      <a:headEnd type="none" w="med" len="med"/>
+                      <a:tailEnd type="none" w="med" len="med"/>
+                    </a:lnL>
+                    <a:lnR w="12700" cap="flat" cmpd="sng" algn="ctr">
+                      <a:solidFill>
+                        <a:schemeClr val="tx1"/>
+                      </a:solidFill>
+                      <a:prstDash val="solid"/>
+                      <a:round/>
+                      <a:headEnd type="none" w="med" len="med"/>
+                      <a:tailEnd type="none" w="med" len="med"/>
+                    </a:lnR>
+                    <a:lnT w="12700" cap="flat" cmpd="sng" algn="ctr">
+                      <a:solidFill>
+                        <a:schemeClr val="tx1"/>
+                      </a:solidFill>
+                      <a:prstDash val="solid"/>
+                      <a:round/>
+                      <a:headEnd type="none" w="med" len="med"/>
+                      <a:tailEnd type="none" w="med" len="med"/>
+                    </a:lnT>
+                    <a:lnB w="12700" cap="flat" cmpd="sng" algn="ctr">
+                      <a:solidFill>
+                        <a:schemeClr val="tx1"/>
+                      </a:solidFill>
+                      <a:prstDash val="solid"/>
+                      <a:round/>
+                      <a:headEnd type="none" w="med" len="med"/>
+                      <a:tailEnd type="none" w="med" len="med"/>
+                    </a:lnB>
+                  </a:tcPr>
+                </a:tc>
+                <a:extLst>
+                  <a:ext uri="{0D108BD9-81ED-4DB2-BD59-A6C34878D82A}">
+                    <a16:rowId xmlns:a16="http://schemas.microsoft.com/office/drawing/2014/main" val="1141913711"/>
+                  </a:ext>
+                </a:extLst>
+              </a:tr>
+              <a:tr h="875266">
+                <a:tc>
+                  <a:txBody>
+                    <a:bodyPr/>
+                    <a:lstStyle/>
+                    <a:p>
+                      <a:pPr algn="ctr" fontAlgn="b"/>
+                      <a:endParaRPr lang="en-US" sz="1400" b="0" i="0" u="none" strike="noStrike">
+                        <a:solidFill>
+                          <a:srgbClr val="000000"/>
+                        </a:solidFill>
+                        <a:effectLst/>
+                        <a:latin typeface="Calibri" panose="020F0502020204030204" pitchFamily="34" charset="0"/>
+                      </a:endParaRPr>
+                    </a:p>
+                  </a:txBody>
+                  <a:tcPr marL="8753" marR="8753" marT="8753" marB="42013" anchor="b">
+                    <a:lnL w="12700" cap="flat" cmpd="sng" algn="ctr">
+                      <a:solidFill>
+                        <a:schemeClr val="tx1"/>
+                      </a:solidFill>
+                      <a:prstDash val="solid"/>
+                      <a:round/>
+                      <a:headEnd type="none" w="med" len="med"/>
+                      <a:tailEnd type="none" w="med" len="med"/>
+                    </a:lnL>
+                    <a:lnR w="12700" cap="flat" cmpd="sng" algn="ctr">
+                      <a:solidFill>
+                        <a:schemeClr val="tx1"/>
+                      </a:solidFill>
+                      <a:prstDash val="solid"/>
+                      <a:round/>
+                      <a:headEnd type="none" w="med" len="med"/>
+                      <a:tailEnd type="none" w="med" len="med"/>
+                    </a:lnR>
+                    <a:lnT w="12700" cap="flat" cmpd="sng" algn="ctr">
+                      <a:solidFill>
+                        <a:schemeClr val="tx1"/>
+                      </a:solidFill>
+                      <a:prstDash val="solid"/>
+                      <a:round/>
+                      <a:headEnd type="none" w="med" len="med"/>
+                      <a:tailEnd type="none" w="med" len="med"/>
+                    </a:lnT>
+                    <a:lnB w="12700" cap="flat" cmpd="sng" algn="ctr">
+                      <a:solidFill>
+                        <a:schemeClr val="tx1"/>
+                      </a:solidFill>
+                      <a:prstDash val="solid"/>
+                      <a:round/>
+                      <a:headEnd type="none" w="med" len="med"/>
+                      <a:tailEnd type="none" w="med" len="med"/>
+                    </a:lnB>
+                  </a:tcPr>
+                </a:tc>
+                <a:tc>
+                  <a:txBody>
+                    <a:bodyPr/>
+                    <a:lstStyle/>
+                    <a:p>
+                      <a:pPr algn="l" fontAlgn="b"/>
+                      <a:r>
+                        <a:rPr lang="en-US" sz="1400" u="none" strike="noStrike" dirty="0">
+                          <a:effectLst/>
+                        </a:rPr>
+                        <a:t>Terminates the loop statement and transfers execution to the statement immediately following the loop.</a:t>
+                      </a:r>
+                      <a:endParaRPr lang="en-US" sz="1400" b="0" i="0" u="none" strike="noStrike" dirty="0">
+                        <a:solidFill>
+                          <a:srgbClr val="000000"/>
+                        </a:solidFill>
+                        <a:effectLst/>
+                        <a:latin typeface="Calibri" panose="020F0502020204030204" pitchFamily="34" charset="0"/>
+                      </a:endParaRPr>
+                    </a:p>
+                  </a:txBody>
+                  <a:tcPr marL="8753" marR="8753" marT="8753" marB="42013" anchor="b">
+                    <a:lnL w="12700" cap="flat" cmpd="sng" algn="ctr">
+                      <a:solidFill>
+                        <a:schemeClr val="tx1"/>
+                      </a:solidFill>
+                      <a:prstDash val="solid"/>
+                      <a:round/>
+                      <a:headEnd type="none" w="med" len="med"/>
+                      <a:tailEnd type="none" w="med" len="med"/>
+                    </a:lnL>
+                    <a:lnR w="12700" cap="flat" cmpd="sng" algn="ctr">
+                      <a:solidFill>
+                        <a:schemeClr val="tx1"/>
+                      </a:solidFill>
+                      <a:prstDash val="solid"/>
+                      <a:round/>
+                      <a:headEnd type="none" w="med" len="med"/>
+                      <a:tailEnd type="none" w="med" len="med"/>
+                    </a:lnR>
+                    <a:lnT w="12700" cap="flat" cmpd="sng" algn="ctr">
+                      <a:solidFill>
+                        <a:schemeClr val="tx1"/>
+                      </a:solidFill>
+                      <a:prstDash val="solid"/>
+                      <a:round/>
+                      <a:headEnd type="none" w="med" len="med"/>
+                      <a:tailEnd type="none" w="med" len="med"/>
+                    </a:lnT>
+                    <a:lnB w="12700" cap="flat" cmpd="sng" algn="ctr">
+                      <a:solidFill>
+                        <a:schemeClr val="tx1"/>
+                      </a:solidFill>
+                      <a:prstDash val="solid"/>
+                      <a:round/>
+                      <a:headEnd type="none" w="med" len="med"/>
+                      <a:tailEnd type="none" w="med" len="med"/>
+                    </a:lnB>
+                  </a:tcPr>
+                </a:tc>
+                <a:extLst>
+                  <a:ext uri="{0D108BD9-81ED-4DB2-BD59-A6C34878D82A}">
+                    <a16:rowId xmlns:a16="http://schemas.microsoft.com/office/drawing/2014/main" val="3849500120"/>
+                  </a:ext>
+                </a:extLst>
+              </a:tr>
+              <a:tr h="246825">
+                <a:tc>
+                  <a:txBody>
+                    <a:bodyPr/>
+                    <a:lstStyle/>
+                    <a:p>
+                      <a:pPr algn="ctr" fontAlgn="b"/>
+                      <a:r>
+                        <a:rPr lang="en-US" sz="1400" u="none" strike="noStrike">
+                          <a:effectLst/>
+                        </a:rPr>
+                        <a:t>2</a:t>
+                      </a:r>
+                      <a:endParaRPr lang="en-US" sz="1400" b="0" i="0" u="none" strike="noStrike">
+                        <a:solidFill>
+                          <a:srgbClr val="313131"/>
+                        </a:solidFill>
+                        <a:effectLst/>
+                        <a:latin typeface="Calibri" panose="020F0502020204030204" pitchFamily="34" charset="0"/>
+                      </a:endParaRPr>
+                    </a:p>
+                  </a:txBody>
+                  <a:tcPr marL="8753" marR="8753" marT="8753" marB="42013" anchor="b">
+                    <a:lnL w="12700" cap="flat" cmpd="sng" algn="ctr">
+                      <a:solidFill>
+                        <a:schemeClr val="tx1"/>
+                      </a:solidFill>
+                      <a:prstDash val="solid"/>
+                      <a:round/>
+                      <a:headEnd type="none" w="med" len="med"/>
+                      <a:tailEnd type="none" w="med" len="med"/>
+                    </a:lnL>
+                    <a:lnR w="12700" cap="flat" cmpd="sng" algn="ctr">
+                      <a:solidFill>
+                        <a:schemeClr val="tx1"/>
+                      </a:solidFill>
+                      <a:prstDash val="solid"/>
+                      <a:round/>
+                      <a:headEnd type="none" w="med" len="med"/>
+                      <a:tailEnd type="none" w="med" len="med"/>
+                    </a:lnR>
+                    <a:lnT w="12700" cap="flat" cmpd="sng" algn="ctr">
+                      <a:solidFill>
+                        <a:schemeClr val="tx1"/>
+                      </a:solidFill>
+                      <a:prstDash val="solid"/>
+                      <a:round/>
+                      <a:headEnd type="none" w="med" len="med"/>
+                      <a:tailEnd type="none" w="med" len="med"/>
+                    </a:lnT>
+                    <a:lnB w="12700" cap="flat" cmpd="sng" algn="ctr">
+                      <a:solidFill>
+                        <a:schemeClr val="tx1"/>
+                      </a:solidFill>
+                      <a:prstDash val="solid"/>
+                      <a:round/>
+                      <a:headEnd type="none" w="med" len="med"/>
+                      <a:tailEnd type="none" w="med" len="med"/>
+                    </a:lnB>
+                  </a:tcPr>
+                </a:tc>
+                <a:tc>
+                  <a:txBody>
+                    <a:bodyPr/>
+                    <a:lstStyle/>
+                    <a:p>
+                      <a:pPr algn="l" fontAlgn="b"/>
+                      <a:r>
+                        <a:rPr lang="en-US" sz="1400" b="0" i="0" u="sng" strike="noStrike" dirty="0">
+                          <a:solidFill>
+                            <a:srgbClr val="0563C1"/>
+                          </a:solidFill>
+                          <a:effectLst/>
+                          <a:latin typeface="Calibri" panose="020F0502020204030204" pitchFamily="34" charset="0"/>
+                        </a:rPr>
+                        <a:t>Continue Statement</a:t>
+                      </a:r>
+                    </a:p>
+                  </a:txBody>
+                  <a:tcPr marL="8753" marR="8753" marT="8753" marB="42013" anchor="b">
+                    <a:lnL w="12700" cap="flat" cmpd="sng" algn="ctr">
+                      <a:solidFill>
+                        <a:schemeClr val="tx1"/>
+                      </a:solidFill>
+                      <a:prstDash val="solid"/>
+                      <a:round/>
+                      <a:headEnd type="none" w="med" len="med"/>
+                      <a:tailEnd type="none" w="med" len="med"/>
+                    </a:lnL>
+                    <a:lnR w="12700" cap="flat" cmpd="sng" algn="ctr">
+                      <a:solidFill>
+                        <a:schemeClr val="tx1"/>
+                      </a:solidFill>
+                      <a:prstDash val="solid"/>
+                      <a:round/>
+                      <a:headEnd type="none" w="med" len="med"/>
+                      <a:tailEnd type="none" w="med" len="med"/>
+                    </a:lnR>
+                    <a:lnT w="12700" cap="flat" cmpd="sng" algn="ctr">
+                      <a:solidFill>
+                        <a:schemeClr val="tx1"/>
+                      </a:solidFill>
+                      <a:prstDash val="solid"/>
+                      <a:round/>
+                      <a:headEnd type="none" w="med" len="med"/>
+                      <a:tailEnd type="none" w="med" len="med"/>
+                    </a:lnT>
+                    <a:lnB w="12700" cap="flat" cmpd="sng" algn="ctr">
+                      <a:solidFill>
+                        <a:schemeClr val="tx1"/>
+                      </a:solidFill>
+                      <a:prstDash val="solid"/>
+                      <a:round/>
+                      <a:headEnd type="none" w="med" len="med"/>
+                      <a:tailEnd type="none" w="med" len="med"/>
+                    </a:lnB>
+                  </a:tcPr>
+                </a:tc>
+                <a:extLst>
+                  <a:ext uri="{0D108BD9-81ED-4DB2-BD59-A6C34878D82A}">
+                    <a16:rowId xmlns:a16="http://schemas.microsoft.com/office/drawing/2014/main" val="425140364"/>
+                  </a:ext>
+                </a:extLst>
+              </a:tr>
+              <a:tr h="875266">
+                <a:tc>
+                  <a:txBody>
+                    <a:bodyPr/>
+                    <a:lstStyle/>
+                    <a:p>
+                      <a:pPr algn="ctr" fontAlgn="b"/>
+                      <a:endParaRPr lang="en-US" sz="1400" b="0" i="0" u="none" strike="noStrike">
+                        <a:solidFill>
+                          <a:srgbClr val="000000"/>
+                        </a:solidFill>
+                        <a:effectLst/>
+                        <a:latin typeface="Calibri" panose="020F0502020204030204" pitchFamily="34" charset="0"/>
+                      </a:endParaRPr>
+                    </a:p>
+                  </a:txBody>
+                  <a:tcPr marL="8753" marR="8753" marT="8753" marB="42013" anchor="b">
+                    <a:lnL w="12700" cap="flat" cmpd="sng" algn="ctr">
+                      <a:solidFill>
+                        <a:schemeClr val="tx1"/>
+                      </a:solidFill>
+                      <a:prstDash val="solid"/>
+                      <a:round/>
+                      <a:headEnd type="none" w="med" len="med"/>
+                      <a:tailEnd type="none" w="med" len="med"/>
+                    </a:lnL>
+                    <a:lnR w="12700" cap="flat" cmpd="sng" algn="ctr">
+                      <a:solidFill>
+                        <a:schemeClr val="tx1"/>
+                      </a:solidFill>
+                      <a:prstDash val="solid"/>
+                      <a:round/>
+                      <a:headEnd type="none" w="med" len="med"/>
+                      <a:tailEnd type="none" w="med" len="med"/>
+                    </a:lnR>
+                    <a:lnT w="12700" cap="flat" cmpd="sng" algn="ctr">
+                      <a:solidFill>
+                        <a:schemeClr val="tx1"/>
+                      </a:solidFill>
+                      <a:prstDash val="solid"/>
+                      <a:round/>
+                      <a:headEnd type="none" w="med" len="med"/>
+                      <a:tailEnd type="none" w="med" len="med"/>
+                    </a:lnT>
+                    <a:lnB w="12700" cap="flat" cmpd="sng" algn="ctr">
+                      <a:solidFill>
+                        <a:schemeClr val="tx1"/>
+                      </a:solidFill>
+                      <a:prstDash val="solid"/>
+                      <a:round/>
+                      <a:headEnd type="none" w="med" len="med"/>
+                      <a:tailEnd type="none" w="med" len="med"/>
+                    </a:lnB>
+                  </a:tcPr>
+                </a:tc>
+                <a:tc>
+                  <a:txBody>
+                    <a:bodyPr/>
+                    <a:lstStyle/>
+                    <a:p>
+                      <a:pPr algn="l" fontAlgn="b"/>
+                      <a:r>
+                        <a:rPr lang="en-US" sz="1400" u="none" strike="noStrike" dirty="0">
+                          <a:effectLst/>
+                        </a:rPr>
+                        <a:t>Causes the loop to skip the remainder of its body and immediately retest its condition prior to reiterating.</a:t>
+                      </a:r>
+                      <a:endParaRPr lang="en-US" sz="1400" b="0" i="0" u="none" strike="noStrike" dirty="0">
+                        <a:solidFill>
+                          <a:srgbClr val="000000"/>
+                        </a:solidFill>
+                        <a:effectLst/>
+                        <a:latin typeface="Calibri" panose="020F0502020204030204" pitchFamily="34" charset="0"/>
+                      </a:endParaRPr>
+                    </a:p>
+                  </a:txBody>
+                  <a:tcPr marL="8753" marR="8753" marT="8753" marB="42013" anchor="b">
+                    <a:lnL w="12700" cap="flat" cmpd="sng" algn="ctr">
+                      <a:solidFill>
+                        <a:schemeClr val="tx1"/>
+                      </a:solidFill>
+                      <a:prstDash val="solid"/>
+                      <a:round/>
+                      <a:headEnd type="none" w="med" len="med"/>
+                      <a:tailEnd type="none" w="med" len="med"/>
+                    </a:lnL>
+                    <a:lnR w="12700" cap="flat" cmpd="sng" algn="ctr">
+                      <a:solidFill>
+                        <a:schemeClr val="tx1"/>
+                      </a:solidFill>
+                      <a:prstDash val="solid"/>
+                      <a:round/>
+                      <a:headEnd type="none" w="med" len="med"/>
+                      <a:tailEnd type="none" w="med" len="med"/>
+                    </a:lnR>
+                    <a:lnT w="12700" cap="flat" cmpd="sng" algn="ctr">
+                      <a:solidFill>
+                        <a:schemeClr val="tx1"/>
+                      </a:solidFill>
+                      <a:prstDash val="solid"/>
+                      <a:round/>
+                      <a:headEnd type="none" w="med" len="med"/>
+                      <a:tailEnd type="none" w="med" len="med"/>
+                    </a:lnT>
+                    <a:lnB w="12700" cap="flat" cmpd="sng" algn="ctr">
+                      <a:solidFill>
+                        <a:schemeClr val="tx1"/>
+                      </a:solidFill>
+                      <a:prstDash val="solid"/>
+                      <a:round/>
+                      <a:headEnd type="none" w="med" len="med"/>
+                      <a:tailEnd type="none" w="med" len="med"/>
+                    </a:lnB>
+                  </a:tcPr>
+                </a:tc>
+                <a:extLst>
+                  <a:ext uri="{0D108BD9-81ED-4DB2-BD59-A6C34878D82A}">
+                    <a16:rowId xmlns:a16="http://schemas.microsoft.com/office/drawing/2014/main" val="1804316221"/>
+                  </a:ext>
+                </a:extLst>
+              </a:tr>
+              <a:tr h="246825">
+                <a:tc>
+                  <a:txBody>
+                    <a:bodyPr/>
+                    <a:lstStyle/>
+                    <a:p>
+                      <a:pPr algn="ctr" fontAlgn="b"/>
+                      <a:r>
+                        <a:rPr lang="en-US" sz="1400" u="none" strike="noStrike">
+                          <a:effectLst/>
+                        </a:rPr>
+                        <a:t>3</a:t>
+                      </a:r>
+                      <a:endParaRPr lang="en-US" sz="1400" b="0" i="0" u="none" strike="noStrike">
+                        <a:solidFill>
+                          <a:srgbClr val="313131"/>
+                        </a:solidFill>
+                        <a:effectLst/>
+                        <a:latin typeface="Calibri" panose="020F0502020204030204" pitchFamily="34" charset="0"/>
+                      </a:endParaRPr>
+                    </a:p>
+                  </a:txBody>
+                  <a:tcPr marL="8753" marR="8753" marT="8753" marB="42013" anchor="b">
+                    <a:lnL w="12700" cap="flat" cmpd="sng" algn="ctr">
+                      <a:solidFill>
+                        <a:schemeClr val="tx1"/>
+                      </a:solidFill>
+                      <a:prstDash val="solid"/>
+                      <a:round/>
+                      <a:headEnd type="none" w="med" len="med"/>
+                      <a:tailEnd type="none" w="med" len="med"/>
+                    </a:lnL>
+                    <a:lnR w="12700" cap="flat" cmpd="sng" algn="ctr">
+                      <a:solidFill>
+                        <a:schemeClr val="tx1"/>
+                      </a:solidFill>
+                      <a:prstDash val="solid"/>
+                      <a:round/>
+                      <a:headEnd type="none" w="med" len="med"/>
+                      <a:tailEnd type="none" w="med" len="med"/>
+                    </a:lnR>
+                    <a:lnT w="12700" cap="flat" cmpd="sng" algn="ctr">
+                      <a:solidFill>
+                        <a:schemeClr val="tx1"/>
+                      </a:solidFill>
+                      <a:prstDash val="solid"/>
+                      <a:round/>
+                      <a:headEnd type="none" w="med" len="med"/>
+                      <a:tailEnd type="none" w="med" len="med"/>
+                    </a:lnT>
+                    <a:lnB w="12700" cap="flat" cmpd="sng" algn="ctr">
+                      <a:solidFill>
+                        <a:schemeClr val="tx1"/>
+                      </a:solidFill>
+                      <a:prstDash val="solid"/>
+                      <a:round/>
+                      <a:headEnd type="none" w="med" len="med"/>
+                      <a:tailEnd type="none" w="med" len="med"/>
+                    </a:lnB>
+                  </a:tcPr>
+                </a:tc>
+                <a:tc>
+                  <a:txBody>
+                    <a:bodyPr/>
+                    <a:lstStyle/>
+                    <a:p>
+                      <a:pPr algn="l" fontAlgn="b"/>
+                      <a:r>
+                        <a:rPr lang="en-US" sz="1400" b="0" i="0" u="sng" strike="noStrike" dirty="0">
+                          <a:solidFill>
+                            <a:srgbClr val="0563C1"/>
+                          </a:solidFill>
+                          <a:effectLst/>
+                          <a:latin typeface="Calibri" panose="020F0502020204030204" pitchFamily="34" charset="0"/>
+                        </a:rPr>
+                        <a:t>Pass Statement</a:t>
+                      </a:r>
+                    </a:p>
+                  </a:txBody>
+                  <a:tcPr marL="8753" marR="8753" marT="8753" marB="42013" anchor="b">
+                    <a:lnL w="12700" cap="flat" cmpd="sng" algn="ctr">
+                      <a:solidFill>
+                        <a:schemeClr val="tx1"/>
+                      </a:solidFill>
+                      <a:prstDash val="solid"/>
+                      <a:round/>
+                      <a:headEnd type="none" w="med" len="med"/>
+                      <a:tailEnd type="none" w="med" len="med"/>
+                    </a:lnL>
+                    <a:lnR w="12700" cap="flat" cmpd="sng" algn="ctr">
+                      <a:solidFill>
+                        <a:schemeClr val="tx1"/>
+                      </a:solidFill>
+                      <a:prstDash val="solid"/>
+                      <a:round/>
+                      <a:headEnd type="none" w="med" len="med"/>
+                      <a:tailEnd type="none" w="med" len="med"/>
+                    </a:lnR>
+                    <a:lnT w="12700" cap="flat" cmpd="sng" algn="ctr">
+                      <a:solidFill>
+                        <a:schemeClr val="tx1"/>
+                      </a:solidFill>
+                      <a:prstDash val="solid"/>
+                      <a:round/>
+                      <a:headEnd type="none" w="med" len="med"/>
+                      <a:tailEnd type="none" w="med" len="med"/>
+                    </a:lnT>
+                    <a:lnB w="12700" cap="flat" cmpd="sng" algn="ctr">
+                      <a:solidFill>
+                        <a:schemeClr val="tx1"/>
+                      </a:solidFill>
+                      <a:prstDash val="solid"/>
+                      <a:round/>
+                      <a:headEnd type="none" w="med" len="med"/>
+                      <a:tailEnd type="none" w="med" len="med"/>
+                    </a:lnB>
+                  </a:tcPr>
+                </a:tc>
+                <a:extLst>
+                  <a:ext uri="{0D108BD9-81ED-4DB2-BD59-A6C34878D82A}">
+                    <a16:rowId xmlns:a16="http://schemas.microsoft.com/office/drawing/2014/main" val="4139709178"/>
+                  </a:ext>
+                </a:extLst>
+              </a:tr>
+              <a:tr h="1094083">
+                <a:tc>
+                  <a:txBody>
+                    <a:bodyPr/>
+                    <a:lstStyle/>
+                    <a:p>
+                      <a:pPr algn="ctr" fontAlgn="b"/>
+                      <a:endParaRPr lang="en-US" sz="1400" b="0" i="0" u="none" strike="noStrike" dirty="0">
+                        <a:solidFill>
+                          <a:srgbClr val="000000"/>
+                        </a:solidFill>
+                        <a:effectLst/>
+                        <a:latin typeface="Calibri" panose="020F0502020204030204" pitchFamily="34" charset="0"/>
+                      </a:endParaRPr>
+                    </a:p>
+                  </a:txBody>
+                  <a:tcPr marL="8753" marR="8753" marT="8753" marB="42013" anchor="b">
+                    <a:lnL w="12700" cap="flat" cmpd="sng" algn="ctr">
+                      <a:solidFill>
+                        <a:schemeClr val="tx1"/>
+                      </a:solidFill>
+                      <a:prstDash val="solid"/>
+                      <a:round/>
+                      <a:headEnd type="none" w="med" len="med"/>
+                      <a:tailEnd type="none" w="med" len="med"/>
+                    </a:lnL>
+                    <a:lnR w="12700" cap="flat" cmpd="sng" algn="ctr">
+                      <a:solidFill>
+                        <a:schemeClr val="tx1"/>
+                      </a:solidFill>
+                      <a:prstDash val="solid"/>
+                      <a:round/>
+                      <a:headEnd type="none" w="med" len="med"/>
+                      <a:tailEnd type="none" w="med" len="med"/>
+                    </a:lnR>
+                    <a:lnT w="12700" cap="flat" cmpd="sng" algn="ctr">
+                      <a:solidFill>
+                        <a:schemeClr val="tx1"/>
+                      </a:solidFill>
+                      <a:prstDash val="solid"/>
+                      <a:round/>
+                      <a:headEnd type="none" w="med" len="med"/>
+                      <a:tailEnd type="none" w="med" len="med"/>
+                    </a:lnT>
+                    <a:lnB w="12700" cap="flat" cmpd="sng" algn="ctr">
+                      <a:solidFill>
+                        <a:schemeClr val="tx1"/>
+                      </a:solidFill>
+                      <a:prstDash val="solid"/>
+                      <a:round/>
+                      <a:headEnd type="none" w="med" len="med"/>
+                      <a:tailEnd type="none" w="med" len="med"/>
+                    </a:lnB>
+                  </a:tcPr>
+                </a:tc>
+                <a:tc>
+                  <a:txBody>
+                    <a:bodyPr/>
+                    <a:lstStyle/>
+                    <a:p>
+                      <a:pPr algn="l" fontAlgn="b"/>
+                      <a:r>
+                        <a:rPr lang="en-US" sz="1400" u="none" strike="noStrike" dirty="0">
+                          <a:effectLst/>
+                        </a:rPr>
+                        <a:t>The pass statement in Python is used when a statement is required syntactically but you do not want any command or code to execute.</a:t>
+                      </a:r>
+                      <a:endParaRPr lang="en-US" sz="1400" b="0" i="0" u="none" strike="noStrike" dirty="0">
+                        <a:solidFill>
+                          <a:srgbClr val="000000"/>
+                        </a:solidFill>
+                        <a:effectLst/>
+                        <a:latin typeface="Calibri" panose="020F0502020204030204" pitchFamily="34" charset="0"/>
+                      </a:endParaRPr>
+                    </a:p>
+                  </a:txBody>
+                  <a:tcPr marL="8753" marR="8753" marT="8753" marB="42013" anchor="b">
+                    <a:lnL w="12700" cap="flat" cmpd="sng" algn="ctr">
+                      <a:solidFill>
+                        <a:schemeClr val="tx1"/>
+                      </a:solidFill>
+                      <a:prstDash val="solid"/>
+                      <a:round/>
+                      <a:headEnd type="none" w="med" len="med"/>
+                      <a:tailEnd type="none" w="med" len="med"/>
+                    </a:lnL>
+                    <a:lnR w="12700" cap="flat" cmpd="sng" algn="ctr">
+                      <a:solidFill>
+                        <a:schemeClr val="tx1"/>
+                      </a:solidFill>
+                      <a:prstDash val="solid"/>
+                      <a:round/>
+                      <a:headEnd type="none" w="med" len="med"/>
+                      <a:tailEnd type="none" w="med" len="med"/>
+                    </a:lnR>
+                    <a:lnT w="12700" cap="flat" cmpd="sng" algn="ctr">
+                      <a:solidFill>
+                        <a:schemeClr val="tx1"/>
+                      </a:solidFill>
+                      <a:prstDash val="solid"/>
+                      <a:round/>
+                      <a:headEnd type="none" w="med" len="med"/>
+                      <a:tailEnd type="none" w="med" len="med"/>
+                    </a:lnT>
+                    <a:lnB w="12700" cap="flat" cmpd="sng" algn="ctr">
+                      <a:solidFill>
+                        <a:schemeClr val="tx1"/>
+                      </a:solidFill>
+                      <a:prstDash val="solid"/>
+                      <a:round/>
+                      <a:headEnd type="none" w="med" len="med"/>
+                      <a:tailEnd type="none" w="med" len="med"/>
+                    </a:lnB>
+                  </a:tcPr>
+                </a:tc>
+                <a:extLst>
+                  <a:ext uri="{0D108BD9-81ED-4DB2-BD59-A6C34878D82A}">
+                    <a16:rowId xmlns:a16="http://schemas.microsoft.com/office/drawing/2014/main" val="71007542"/>
+                  </a:ext>
+                </a:extLst>
+              </a:tr>
+            </a:tbl>
+          </a:graphicData>
+        </a:graphic>
+      </p:graphicFrame>
+    </p:spTree>
+    <p:extLst>
+      <p:ext uri="{BB962C8B-B14F-4D97-AF65-F5344CB8AC3E}">
+        <p14:creationId xmlns:p14="http://schemas.microsoft.com/office/powerpoint/2010/main" val="3662206333"/>
+      </p:ext>
+    </p:extLst>
+  </p:cSld>
+  <p:clrMapOvr>
+    <a:masterClrMapping/>
+  </p:clrMapOvr>
 </p:sld>
 </file>
 
@@ -8889,13 +15896,6 @@
   <p:clrMapOvr>
     <a:masterClrMapping/>
   </p:clrMapOvr>
-  <p:timing>
-    <p:tnLst>
-      <p:par>
-        <p:cTn id="1" dur="indefinite" restart="never" nodeType="tmRoot"/>
-      </p:par>
-    </p:tnLst>
-  </p:timing>
 </p:sld>
 </file>
 
@@ -9084,13 +16084,6 @@
   <p:clrMapOvr>
     <a:masterClrMapping/>
   </p:clrMapOvr>
-  <p:timing>
-    <p:tnLst>
-      <p:par>
-        <p:cTn id="1" dur="indefinite" restart="never" nodeType="tmRoot"/>
-      </p:par>
-    </p:tnLst>
-  </p:timing>
 </p:sld>
 </file>
 
@@ -9177,13 +16170,6 @@
   <p:clrMapOvr>
     <a:masterClrMapping/>
   </p:clrMapOvr>
-  <p:timing>
-    <p:tnLst>
-      <p:par>
-        <p:cTn id="1" dur="indefinite" restart="never" nodeType="tmRoot"/>
-      </p:par>
-    </p:tnLst>
-  </p:timing>
 </p:sld>
 </file>
 
@@ -9313,19 +16299,6 @@
               <a:buNone/>
               <a:tabLst/>
             </a:pPr>
-            <a:r>
-              <a:rPr kumimoji="0" lang="en-US" altLang="en-US" sz="1800" b="0" i="0" u="none" strike="noStrike" cap="none" normalizeH="0" baseline="0">
-                <a:ln>
-                  <a:noFill/>
-                </a:ln>
-                <a:solidFill>
-                  <a:schemeClr val="tx1"/>
-                </a:solidFill>
-                <a:effectLst/>
-                <a:latin typeface="Arial" panose="020B0604020202020204" pitchFamily="34" charset="0"/>
-              </a:rPr>
-              <a:t/>
-            </a:r>
             <a:br>
               <a:rPr kumimoji="0" lang="en-US" altLang="en-US" sz="1800" b="0" i="0" u="none" strike="noStrike" cap="none" normalizeH="0" baseline="0">
                 <a:ln>
@@ -10243,13 +17216,6 @@
   <p:clrMapOvr>
     <a:masterClrMapping/>
   </p:clrMapOvr>
-  <p:timing>
-    <p:tnLst>
-      <p:par>
-        <p:cTn id="1" dur="indefinite" restart="never" nodeType="tmRoot"/>
-      </p:par>
-    </p:tnLst>
-  </p:timing>
 </p:sld>
 </file>
 
